--- a/pyWorks/자료/python_ppt/Python 6장. 모듈 .pptx
+++ b/pyWorks/자료/python_ppt/Python 6장. 모듈 .pptx
@@ -5,7 +5,7 @@
     <p:sldMasterId id="2147483648" r:id="rId1"/>
   </p:sldMasterIdLst>
   <p:notesMasterIdLst>
-    <p:notesMasterId r:id="rId45"/>
+    <p:notesMasterId r:id="rId47"/>
   </p:notesMasterIdLst>
   <p:sldIdLst>
     <p:sldId id="256" r:id="rId2"/>
@@ -36,21 +36,23 @@
     <p:sldId id="330" r:id="rId27"/>
     <p:sldId id="335" r:id="rId28"/>
     <p:sldId id="336" r:id="rId29"/>
-    <p:sldId id="387" r:id="rId30"/>
-    <p:sldId id="388" r:id="rId31"/>
-    <p:sldId id="389" r:id="rId32"/>
-    <p:sldId id="305" r:id="rId33"/>
-    <p:sldId id="342" r:id="rId34"/>
-    <p:sldId id="304" r:id="rId35"/>
-    <p:sldId id="307" r:id="rId36"/>
-    <p:sldId id="308" r:id="rId37"/>
-    <p:sldId id="352" r:id="rId38"/>
-    <p:sldId id="362" r:id="rId39"/>
-    <p:sldId id="386" r:id="rId40"/>
-    <p:sldId id="385" r:id="rId41"/>
-    <p:sldId id="364" r:id="rId42"/>
-    <p:sldId id="365" r:id="rId43"/>
-    <p:sldId id="371" r:id="rId44"/>
+    <p:sldId id="305" r:id="rId30"/>
+    <p:sldId id="342" r:id="rId31"/>
+    <p:sldId id="304" r:id="rId32"/>
+    <p:sldId id="307" r:id="rId33"/>
+    <p:sldId id="308" r:id="rId34"/>
+    <p:sldId id="352" r:id="rId35"/>
+    <p:sldId id="362" r:id="rId36"/>
+    <p:sldId id="386" r:id="rId37"/>
+    <p:sldId id="385" r:id="rId38"/>
+    <p:sldId id="364" r:id="rId39"/>
+    <p:sldId id="365" r:id="rId40"/>
+    <p:sldId id="371" r:id="rId41"/>
+    <p:sldId id="387" r:id="rId42"/>
+    <p:sldId id="388" r:id="rId43"/>
+    <p:sldId id="390" r:id="rId44"/>
+    <p:sldId id="389" r:id="rId45"/>
+    <p:sldId id="391" r:id="rId46"/>
   </p:sldIdLst>
   <p:sldSz cx="9906000" cy="6858000" type="A4"/>
   <p:notesSz cx="6858000" cy="9144000"/>
@@ -250,7 +252,7 @@
           <a:p>
             <a:fld id="{7665CDAC-D627-4E87-877A-1B781DD4CADC}" type="datetimeFigureOut">
               <a:rPr lang="ko-KR" altLang="en-US" smtClean="0"/>
-              <a:t>2023-04-25</a:t>
+              <a:t>2023-05-15</a:t>
             </a:fld>
             <a:endParaRPr lang="ko-KR" altLang="en-US"/>
           </a:p>
@@ -662,7 +664,7 @@
           <a:p>
             <a:fld id="{C25BCFD5-C4DF-4EBC-B718-C69ED2FBDE6F}" type="datetime1">
               <a:rPr lang="ko-KR" altLang="en-US" smtClean="0"/>
-              <a:t>2023-04-25</a:t>
+              <a:t>2023-05-15</a:t>
             </a:fld>
             <a:endParaRPr lang="ko-KR" altLang="en-US"/>
           </a:p>
@@ -1113,7 +1115,7 @@
           <a:p>
             <a:fld id="{AB448CD7-D367-43D5-B461-ACE552E75063}" type="datetime1">
               <a:rPr lang="ko-KR" altLang="en-US" smtClean="0"/>
-              <a:t>2023-04-25</a:t>
+              <a:t>2023-05-15</a:t>
             </a:fld>
             <a:endParaRPr lang="ko-KR" altLang="en-US"/>
           </a:p>
@@ -1291,7 +1293,7 @@
           <a:p>
             <a:fld id="{B6E49E79-7361-4780-8BEF-7EDE3708298A}" type="datetime1">
               <a:rPr lang="ko-KR" altLang="en-US" smtClean="0"/>
-              <a:t>2023-04-25</a:t>
+              <a:t>2023-05-15</a:t>
             </a:fld>
             <a:endParaRPr lang="ko-KR" altLang="en-US"/>
           </a:p>
@@ -1463,7 +1465,7 @@
           <a:p>
             <a:fld id="{A4D42E3C-B70B-437C-85CF-1286301B9CBA}" type="datetime1">
               <a:rPr lang="ko-KR" altLang="en-US" smtClean="0"/>
-              <a:t>2023-04-25</a:t>
+              <a:t>2023-05-15</a:t>
             </a:fld>
             <a:endParaRPr lang="ko-KR" altLang="en-US"/>
           </a:p>
@@ -1715,7 +1717,7 @@
           <a:p>
             <a:fld id="{B3369A20-5B3D-4D98-A822-26B93D177A40}" type="datetime1">
               <a:rPr lang="ko-KR" altLang="en-US" smtClean="0"/>
-              <a:t>2023-04-25</a:t>
+              <a:t>2023-05-15</a:t>
             </a:fld>
             <a:endParaRPr lang="ko-KR" altLang="en-US"/>
           </a:p>
@@ -2000,7 +2002,7 @@
           <a:p>
             <a:fld id="{685CD4CE-9E43-4F70-A9D8-A2130CA7D92A}" type="datetime1">
               <a:rPr lang="ko-KR" altLang="en-US" smtClean="0"/>
-              <a:t>2023-04-25</a:t>
+              <a:t>2023-05-15</a:t>
             </a:fld>
             <a:endParaRPr lang="ko-KR" altLang="en-US"/>
           </a:p>
@@ -2426,7 +2428,7 @@
           <a:p>
             <a:fld id="{F752BD92-DA3E-4A0B-90C9-7DE5E15B6E96}" type="datetime1">
               <a:rPr lang="ko-KR" altLang="en-US" smtClean="0"/>
-              <a:t>2023-04-25</a:t>
+              <a:t>2023-05-15</a:t>
             </a:fld>
             <a:endParaRPr lang="ko-KR" altLang="en-US"/>
           </a:p>
@@ -2550,7 +2552,7 @@
           <a:p>
             <a:fld id="{8EA2B83A-F366-424E-B742-340ACF856BB5}" type="datetime1">
               <a:rPr lang="ko-KR" altLang="en-US" smtClean="0"/>
-              <a:t>2023-04-25</a:t>
+              <a:t>2023-05-15</a:t>
             </a:fld>
             <a:endParaRPr lang="ko-KR" altLang="en-US"/>
           </a:p>
@@ -2645,7 +2647,7 @@
           <a:p>
             <a:fld id="{9A49D68B-5DBD-48E9-A8D4-FCBC4B3DD9C6}" type="datetime1">
               <a:rPr lang="ko-KR" altLang="en-US" smtClean="0"/>
-              <a:t>2023-04-25</a:t>
+              <a:t>2023-05-15</a:t>
             </a:fld>
             <a:endParaRPr lang="ko-KR" altLang="en-US"/>
           </a:p>
@@ -2920,7 +2922,7 @@
           <a:p>
             <a:fld id="{4CAB534F-7D16-467B-9320-91F98915D181}" type="datetime1">
               <a:rPr lang="ko-KR" altLang="en-US" smtClean="0"/>
-              <a:t>2023-04-25</a:t>
+              <a:t>2023-05-15</a:t>
             </a:fld>
             <a:endParaRPr lang="ko-KR" altLang="en-US"/>
           </a:p>
@@ -3172,7 +3174,7 @@
           <a:p>
             <a:fld id="{A390A91F-2F8D-4486-A69D-D680F95444B0}" type="datetime1">
               <a:rPr lang="ko-KR" altLang="en-US" smtClean="0"/>
-              <a:t>2023-04-25</a:t>
+              <a:t>2023-05-15</a:t>
             </a:fld>
             <a:endParaRPr lang="ko-KR" altLang="en-US"/>
           </a:p>
@@ -3351,7 +3353,7 @@
           <a:p>
             <a:fld id="{2238BBEA-E8DD-414A-BF68-FC2AFA7CFF2D}" type="datetime1">
               <a:rPr lang="ko-KR" altLang="en-US" smtClean="0"/>
-              <a:t>2023-04-25</a:t>
+              <a:t>2023-05-15</a:t>
             </a:fld>
             <a:endParaRPr lang="ko-KR" altLang="en-US"/>
           </a:p>
@@ -11235,12 +11237,7 @@
             <p:ph type="title"/>
           </p:nvPr>
         </p:nvSpPr>
-        <p:spPr>
-          <a:xfrm>
-            <a:off x="457224" y="191593"/>
-            <a:ext cx="6825208" cy="854968"/>
-          </a:xfrm>
-        </p:spPr>
+        <p:spPr/>
         <p:txBody>
           <a:bodyPr>
             <a:normAutofit/>
@@ -11248,18 +11245,18 @@
           <a:lstStyle/>
           <a:p>
             <a:r>
-              <a:rPr lang="en-US" altLang="ko-KR" dirty="0"/>
-              <a:t> </a:t>
-            </a:r>
-            <a:r>
-              <a:rPr lang="en-US" altLang="ko-KR" dirty="0" smtClean="0"/>
-              <a:t> </a:t>
-            </a:r>
-            <a:r>
-              <a:rPr lang="ko-KR" altLang="en-US" dirty="0" smtClean="0"/>
-              <a:t>가위 바위 보 게임</a:t>
-            </a:r>
-            <a:endParaRPr lang="ko-KR" altLang="en-US" dirty="0"/>
+              <a:rPr lang="en-US" altLang="ko-KR" sz="2800" dirty="0" smtClean="0"/>
+              <a:t> sys</a:t>
+            </a:r>
+            <a:r>
+              <a:rPr lang="ko-KR" altLang="en-US" sz="2800" dirty="0" smtClean="0"/>
+              <a:t> 모듈</a:t>
+            </a:r>
+            <a:r>
+              <a:rPr lang="en-US" altLang="ko-KR" sz="2800" dirty="0" smtClean="0"/>
+              <a:t>(Module)</a:t>
+            </a:r>
+            <a:endParaRPr lang="ko-KR" altLang="en-US" sz="2800" dirty="0"/>
           </a:p>
         </p:txBody>
       </p:sp>
@@ -11288,252 +11285,473 @@
       </p:sp>
       <p:sp>
         <p:nvSpPr>
-          <p:cNvPr id="15" name="직사각형 14"/>
+          <p:cNvPr id="18" name="모서리가 둥근 직사각형 17"/>
           <p:cNvSpPr/>
           <p:nvPr/>
         </p:nvSpPr>
         <p:spPr>
           <a:xfrm>
-            <a:off x="920552" y="1268760"/>
-            <a:ext cx="7776864" cy="2769989"/>
+            <a:off x="1064568" y="1124744"/>
+            <a:ext cx="5616624" cy="1090853"/>
+          </a:xfrm>
+          <a:prstGeom prst="roundRect">
+            <a:avLst/>
+          </a:prstGeom>
+          <a:ln>
+            <a:noFill/>
+          </a:ln>
+        </p:spPr>
+        <p:style>
+          <a:lnRef idx="2">
+            <a:schemeClr val="dk1"/>
+          </a:lnRef>
+          <a:fillRef idx="1">
+            <a:schemeClr val="lt1"/>
+          </a:fillRef>
+          <a:effectRef idx="0">
+            <a:schemeClr val="dk1"/>
+          </a:effectRef>
+          <a:fontRef idx="minor">
+            <a:schemeClr val="dk1"/>
+          </a:fontRef>
+        </p:style>
+        <p:txBody>
+          <a:bodyPr rtlCol="0" anchor="ctr"/>
+          <a:lstStyle/>
+          <a:p>
+            <a:pPr>
+              <a:lnSpc>
+                <a:spcPct val="150000"/>
+              </a:lnSpc>
+            </a:pPr>
+            <a:r>
+              <a:rPr lang="ko-KR" altLang="en-US" sz="2000" dirty="0" smtClean="0">
+                <a:solidFill>
+                  <a:sysClr val="windowText" lastClr="000000"/>
+                </a:solidFill>
+              </a:rPr>
+              <a:t>◎</a:t>
+            </a:r>
+            <a:r>
+              <a:rPr lang="en-US" altLang="ko-KR" sz="2000" dirty="0" smtClean="0">
+                <a:solidFill>
+                  <a:sysClr val="windowText" lastClr="000000"/>
+                </a:solidFill>
+              </a:rPr>
+              <a:t> </a:t>
+            </a:r>
+            <a:r>
+              <a:rPr lang="en-US" altLang="ko-KR" sz="2000" b="1" dirty="0" smtClean="0">
+                <a:solidFill>
+                  <a:sysClr val="windowText" lastClr="000000"/>
+                </a:solidFill>
+              </a:rPr>
+              <a:t>sys</a:t>
+            </a:r>
+            <a:r>
+              <a:rPr lang="en-US" altLang="ko-KR" sz="2000" dirty="0" smtClean="0">
+                <a:solidFill>
+                  <a:sysClr val="windowText" lastClr="000000"/>
+                </a:solidFill>
+              </a:rPr>
+              <a:t> </a:t>
+            </a:r>
+            <a:r>
+              <a:rPr lang="ko-KR" altLang="en-US" sz="2000" dirty="0" smtClean="0">
+                <a:solidFill>
+                  <a:sysClr val="windowText" lastClr="000000"/>
+                </a:solidFill>
+              </a:rPr>
+              <a:t>모듈</a:t>
+            </a:r>
+            <a:endParaRPr lang="en-US" altLang="ko-KR" sz="2000" dirty="0" smtClean="0">
+              <a:solidFill>
+                <a:sysClr val="windowText" lastClr="000000"/>
+              </a:solidFill>
+            </a:endParaRPr>
+          </a:p>
+          <a:p>
+            <a:pPr>
+              <a:lnSpc>
+                <a:spcPct val="150000"/>
+              </a:lnSpc>
+            </a:pPr>
+            <a:r>
+              <a:rPr lang="en-US" altLang="ko-KR" sz="1600" dirty="0" smtClean="0">
+                <a:solidFill>
+                  <a:sysClr val="windowText" lastClr="000000"/>
+                </a:solidFill>
+              </a:rPr>
+              <a:t>    </a:t>
+            </a:r>
+            <a:r>
+              <a:rPr lang="en-US" altLang="ko-KR" dirty="0" smtClean="0">
+                <a:solidFill>
+                  <a:sysClr val="windowText" lastClr="000000"/>
+                </a:solidFill>
+              </a:rPr>
+              <a:t>- </a:t>
+            </a:r>
+            <a:r>
+              <a:rPr lang="en-US" altLang="ko-KR" b="1" dirty="0" err="1" smtClean="0">
+                <a:solidFill>
+                  <a:sysClr val="windowText" lastClr="000000"/>
+                </a:solidFill>
+              </a:rPr>
+              <a:t>sys.argv</a:t>
+            </a:r>
+            <a:r>
+              <a:rPr lang="ko-KR" altLang="en-US" b="1" dirty="0" smtClean="0">
+                <a:solidFill>
+                  <a:sysClr val="windowText" lastClr="000000"/>
+                </a:solidFill>
+              </a:rPr>
+              <a:t> </a:t>
+            </a:r>
+            <a:r>
+              <a:rPr lang="en-US" altLang="ko-KR" b="1" dirty="0" smtClean="0">
+                <a:solidFill>
+                  <a:sysClr val="windowText" lastClr="000000"/>
+                </a:solidFill>
+              </a:rPr>
+              <a:t>: </a:t>
+            </a:r>
+            <a:r>
+              <a:rPr lang="ko-KR" altLang="en-US" dirty="0" smtClean="0">
+                <a:solidFill>
+                  <a:sysClr val="windowText" lastClr="000000"/>
+                </a:solidFill>
+              </a:rPr>
+              <a:t>명령 행에서 인수 전달하기</a:t>
+            </a:r>
+            <a:endParaRPr lang="en-US" altLang="ko-KR" dirty="0" smtClean="0">
+              <a:solidFill>
+                <a:sysClr val="windowText" lastClr="000000"/>
+              </a:solidFill>
+            </a:endParaRPr>
+          </a:p>
+        </p:txBody>
+      </p:sp>
+      <p:grpSp>
+        <p:nvGrpSpPr>
+          <p:cNvPr id="5" name="그룹 4"/>
+          <p:cNvGrpSpPr/>
+          <p:nvPr/>
+        </p:nvGrpSpPr>
+        <p:grpSpPr>
+          <a:xfrm>
+            <a:off x="1587804" y="2296760"/>
+            <a:ext cx="5005740" cy="988224"/>
+            <a:chOff x="4871898" y="2474802"/>
+            <a:chExt cx="4473590" cy="988224"/>
+          </a:xfrm>
+        </p:grpSpPr>
+        <p:sp>
+          <p:nvSpPr>
+            <p:cNvPr id="6" name="TextBox 5"/>
+            <p:cNvSpPr txBox="1"/>
+            <p:nvPr/>
+          </p:nvSpPr>
+          <p:spPr>
+            <a:xfrm>
+              <a:off x="4871898" y="2550613"/>
+              <a:ext cx="4376002" cy="400110"/>
+            </a:xfrm>
+            <a:prstGeom prst="rect">
+              <a:avLst/>
+            </a:prstGeom>
+            <a:noFill/>
+          </p:spPr>
+          <p:txBody>
+            <a:bodyPr wrap="square" rtlCol="0">
+              <a:spAutoFit/>
+            </a:bodyPr>
+            <a:lstStyle/>
+            <a:p>
+              <a:r>
+                <a:rPr lang="en-US" altLang="ko-KR" sz="2000" dirty="0" smtClean="0">
+                  <a:solidFill>
+                    <a:srgbClr val="C00000"/>
+                  </a:solidFill>
+                </a:rPr>
+                <a:t>python</a:t>
+              </a:r>
+              <a:r>
+                <a:rPr lang="en-US" altLang="ko-KR" sz="2000" dirty="0" smtClean="0"/>
+                <a:t> sys_ex1.py    dog     cat     tiger</a:t>
+              </a:r>
+              <a:endParaRPr lang="ko-KR" altLang="en-US" sz="2000" dirty="0"/>
+            </a:p>
+          </p:txBody>
+        </p:sp>
+        <p:sp>
+          <p:nvSpPr>
+            <p:cNvPr id="8" name="TextBox 7"/>
+            <p:cNvSpPr txBox="1"/>
+            <p:nvPr/>
+          </p:nvSpPr>
+          <p:spPr>
+            <a:xfrm>
+              <a:off x="5979281" y="2959718"/>
+              <a:ext cx="792088" cy="338554"/>
+            </a:xfrm>
+            <a:prstGeom prst="rect">
+              <a:avLst/>
+            </a:prstGeom>
+            <a:noFill/>
+          </p:spPr>
+          <p:txBody>
+            <a:bodyPr wrap="square" rtlCol="0">
+              <a:spAutoFit/>
+            </a:bodyPr>
+            <a:lstStyle/>
+            <a:p>
+              <a:r>
+                <a:rPr lang="en-US" altLang="ko-KR" sz="1600" dirty="0" err="1" smtClean="0">
+                  <a:solidFill>
+                    <a:srgbClr val="0070C0"/>
+                  </a:solidFill>
+                </a:rPr>
+                <a:t>argv</a:t>
+              </a:r>
+              <a:r>
+                <a:rPr lang="en-US" altLang="ko-KR" sz="1600" dirty="0" smtClean="0">
+                  <a:solidFill>
+                    <a:srgbClr val="0070C0"/>
+                  </a:solidFill>
+                </a:rPr>
+                <a:t>[0]</a:t>
+              </a:r>
+              <a:endParaRPr lang="ko-KR" altLang="en-US" sz="1600" dirty="0">
+                <a:solidFill>
+                  <a:srgbClr val="0070C0"/>
+                </a:solidFill>
+              </a:endParaRPr>
+            </a:p>
+          </p:txBody>
+        </p:sp>
+        <p:sp>
+          <p:nvSpPr>
+            <p:cNvPr id="11" name="TextBox 10"/>
+            <p:cNvSpPr txBox="1"/>
+            <p:nvPr/>
+          </p:nvSpPr>
+          <p:spPr>
+            <a:xfrm>
+              <a:off x="7008928" y="2973138"/>
+              <a:ext cx="792088" cy="338554"/>
+            </a:xfrm>
+            <a:prstGeom prst="rect">
+              <a:avLst/>
+            </a:prstGeom>
+            <a:noFill/>
+          </p:spPr>
+          <p:txBody>
+            <a:bodyPr wrap="square" rtlCol="0">
+              <a:spAutoFit/>
+            </a:bodyPr>
+            <a:lstStyle/>
+            <a:p>
+              <a:r>
+                <a:rPr lang="en-US" altLang="ko-KR" sz="1600" dirty="0" err="1" smtClean="0">
+                  <a:solidFill>
+                    <a:srgbClr val="0070C0"/>
+                  </a:solidFill>
+                </a:rPr>
+                <a:t>argv</a:t>
+              </a:r>
+              <a:r>
+                <a:rPr lang="en-US" altLang="ko-KR" sz="1600" dirty="0" smtClean="0">
+                  <a:solidFill>
+                    <a:srgbClr val="0070C0"/>
+                  </a:solidFill>
+                </a:rPr>
+                <a:t>[1]</a:t>
+              </a:r>
+              <a:endParaRPr lang="ko-KR" altLang="en-US" sz="1600" dirty="0">
+                <a:solidFill>
+                  <a:srgbClr val="0070C0"/>
+                </a:solidFill>
+              </a:endParaRPr>
+            </a:p>
+          </p:txBody>
+        </p:sp>
+        <p:sp>
+          <p:nvSpPr>
+            <p:cNvPr id="12" name="TextBox 11"/>
+            <p:cNvSpPr txBox="1"/>
+            <p:nvPr/>
+          </p:nvSpPr>
+          <p:spPr>
+            <a:xfrm>
+              <a:off x="7781164" y="2973138"/>
+              <a:ext cx="792088" cy="338554"/>
+            </a:xfrm>
+            <a:prstGeom prst="rect">
+              <a:avLst/>
+            </a:prstGeom>
+            <a:noFill/>
+          </p:spPr>
+          <p:txBody>
+            <a:bodyPr wrap="square" rtlCol="0">
+              <a:spAutoFit/>
+            </a:bodyPr>
+            <a:lstStyle/>
+            <a:p>
+              <a:r>
+                <a:rPr lang="en-US" altLang="ko-KR" sz="1600" dirty="0" err="1" smtClean="0">
+                  <a:solidFill>
+                    <a:srgbClr val="0070C0"/>
+                  </a:solidFill>
+                </a:rPr>
+                <a:t>argv</a:t>
+              </a:r>
+              <a:r>
+                <a:rPr lang="en-US" altLang="ko-KR" sz="1600" dirty="0" smtClean="0">
+                  <a:solidFill>
+                    <a:srgbClr val="0070C0"/>
+                  </a:solidFill>
+                </a:rPr>
+                <a:t>[2]</a:t>
+              </a:r>
+              <a:endParaRPr lang="ko-KR" altLang="en-US" sz="1600" dirty="0">
+                <a:solidFill>
+                  <a:srgbClr val="0070C0"/>
+                </a:solidFill>
+              </a:endParaRPr>
+            </a:p>
+          </p:txBody>
+        </p:sp>
+        <p:sp>
+          <p:nvSpPr>
+            <p:cNvPr id="13" name="TextBox 12"/>
+            <p:cNvSpPr txBox="1"/>
+            <p:nvPr/>
+          </p:nvSpPr>
+          <p:spPr>
+            <a:xfrm>
+              <a:off x="8508900" y="2973138"/>
+              <a:ext cx="792088" cy="338554"/>
+            </a:xfrm>
+            <a:prstGeom prst="rect">
+              <a:avLst/>
+            </a:prstGeom>
+            <a:noFill/>
+          </p:spPr>
+          <p:txBody>
+            <a:bodyPr wrap="square" rtlCol="0">
+              <a:spAutoFit/>
+            </a:bodyPr>
+            <a:lstStyle/>
+            <a:p>
+              <a:r>
+                <a:rPr lang="en-US" altLang="ko-KR" sz="1600" dirty="0" err="1" smtClean="0">
+                  <a:solidFill>
+                    <a:srgbClr val="0070C0"/>
+                  </a:solidFill>
+                </a:rPr>
+                <a:t>argv</a:t>
+              </a:r>
+              <a:r>
+                <a:rPr lang="en-US" altLang="ko-KR" sz="1600" dirty="0" smtClean="0">
+                  <a:solidFill>
+                    <a:srgbClr val="0070C0"/>
+                  </a:solidFill>
+                </a:rPr>
+                <a:t>[3]</a:t>
+              </a:r>
+              <a:endParaRPr lang="ko-KR" altLang="en-US" sz="1600" dirty="0">
+                <a:solidFill>
+                  <a:srgbClr val="0070C0"/>
+                </a:solidFill>
+              </a:endParaRPr>
+            </a:p>
+          </p:txBody>
+        </p:sp>
+        <p:sp>
+          <p:nvSpPr>
+            <p:cNvPr id="10" name="모서리가 둥근 직사각형 9"/>
+            <p:cNvSpPr/>
+            <p:nvPr/>
+          </p:nvSpPr>
+          <p:spPr>
+            <a:xfrm>
+              <a:off x="4871898" y="2474802"/>
+              <a:ext cx="4473590" cy="988224"/>
+            </a:xfrm>
+            <a:prstGeom prst="roundRect">
+              <a:avLst/>
+            </a:prstGeom>
+            <a:noFill/>
+            <a:ln w="12700"/>
+          </p:spPr>
+          <p:style>
+            <a:lnRef idx="2">
+              <a:schemeClr val="accent1">
+                <a:shade val="50000"/>
+              </a:schemeClr>
+            </a:lnRef>
+            <a:fillRef idx="1">
+              <a:schemeClr val="accent1"/>
+            </a:fillRef>
+            <a:effectRef idx="0">
+              <a:schemeClr val="accent1"/>
+            </a:effectRef>
+            <a:fontRef idx="minor">
+              <a:schemeClr val="lt1"/>
+            </a:fontRef>
+          </p:style>
+          <p:txBody>
+            <a:bodyPr rtlCol="0" anchor="ctr"/>
+            <a:lstStyle/>
+            <a:p>
+              <a:pPr algn="ctr"/>
+              <a:endParaRPr lang="ko-KR" altLang="en-US"/>
+            </a:p>
+          </p:txBody>
+        </p:sp>
+      </p:grpSp>
+      <p:sp>
+        <p:nvSpPr>
+          <p:cNvPr id="15" name="TextBox 14"/>
+          <p:cNvSpPr txBox="1"/>
+          <p:nvPr/>
+        </p:nvSpPr>
+        <p:spPr>
+          <a:xfrm>
+            <a:off x="5457056" y="4366972"/>
+            <a:ext cx="1512168" cy="369332"/>
           </a:xfrm>
           <a:prstGeom prst="rect">
             <a:avLst/>
           </a:prstGeom>
+          <a:noFill/>
         </p:spPr>
         <p:txBody>
-          <a:bodyPr wrap="square">
+          <a:bodyPr wrap="square" rtlCol="0">
             <a:spAutoFit/>
           </a:bodyPr>
           <a:lstStyle/>
           <a:p>
-            <a:pPr marL="285750" indent="-285750">
-              <a:lnSpc>
-                <a:spcPct val="150000"/>
-              </a:lnSpc>
-              <a:buFont typeface="Wingdings" panose="05000000000000000000" pitchFamily="2" charset="2"/>
-              <a:buChar char="l"/>
-            </a:pPr>
-            <a:r>
-              <a:rPr lang="ko-KR" altLang="en-US" sz="2000" b="1" dirty="0" smtClean="0"/>
-              <a:t>게임 방법</a:t>
-            </a:r>
-            <a:endParaRPr lang="en-US" altLang="ko-KR" b="1" dirty="0" smtClean="0"/>
-          </a:p>
-          <a:p>
-            <a:pPr>
-              <a:lnSpc>
-                <a:spcPct val="200000"/>
-              </a:lnSpc>
-            </a:pPr>
-            <a:r>
-              <a:rPr lang="en-US" altLang="ko-KR" dirty="0"/>
-              <a:t> </a:t>
-            </a:r>
-            <a:r>
-              <a:rPr lang="en-US" altLang="ko-KR" dirty="0" smtClean="0"/>
-              <a:t>     - </a:t>
-            </a:r>
-            <a:r>
-              <a:rPr lang="ko-KR" altLang="en-US" dirty="0" smtClean="0"/>
-              <a:t>당신</a:t>
-            </a:r>
-            <a:r>
-              <a:rPr lang="en-US" altLang="ko-KR" dirty="0" smtClean="0"/>
-              <a:t>(you)</a:t>
-            </a:r>
-            <a:r>
-              <a:rPr lang="ko-KR" altLang="en-US" dirty="0"/>
-              <a:t>은</a:t>
-            </a:r>
-            <a:r>
-              <a:rPr lang="ko-KR" altLang="en-US" dirty="0" smtClean="0"/>
-              <a:t> 가위</a:t>
-            </a:r>
-            <a:r>
-              <a:rPr lang="en-US" altLang="ko-KR" dirty="0" smtClean="0"/>
-              <a:t>, </a:t>
-            </a:r>
-            <a:r>
-              <a:rPr lang="ko-KR" altLang="en-US" dirty="0" smtClean="0"/>
-              <a:t>바위</a:t>
-            </a:r>
-            <a:r>
-              <a:rPr lang="en-US" altLang="ko-KR" dirty="0" smtClean="0"/>
-              <a:t>, </a:t>
-            </a:r>
-            <a:r>
-              <a:rPr lang="ko-KR" altLang="en-US" dirty="0" smtClean="0"/>
-              <a:t>보 중 하나를 입력한다</a:t>
-            </a:r>
-            <a:r>
-              <a:rPr lang="en-US" altLang="ko-KR" dirty="0" smtClean="0"/>
-              <a:t>.</a:t>
-            </a:r>
-          </a:p>
-          <a:p>
-            <a:pPr>
-              <a:lnSpc>
-                <a:spcPct val="200000"/>
-              </a:lnSpc>
-            </a:pPr>
-            <a:r>
-              <a:rPr lang="en-US" altLang="ko-KR" dirty="0"/>
-              <a:t> </a:t>
-            </a:r>
-            <a:r>
-              <a:rPr lang="en-US" altLang="ko-KR" dirty="0" smtClean="0"/>
-              <a:t>     - </a:t>
-            </a:r>
-            <a:r>
-              <a:rPr lang="ko-KR" altLang="en-US" dirty="0" smtClean="0"/>
-              <a:t>컴퓨터</a:t>
-            </a:r>
-            <a:r>
-              <a:rPr lang="en-US" altLang="ko-KR" dirty="0" smtClean="0"/>
-              <a:t>(com)</a:t>
-            </a:r>
-            <a:r>
-              <a:rPr lang="ko-KR" altLang="en-US" dirty="0" smtClean="0"/>
-              <a:t>은 </a:t>
-            </a:r>
-            <a:r>
-              <a:rPr lang="ko-KR" altLang="en-US" dirty="0"/>
-              <a:t>가위</a:t>
-            </a:r>
-            <a:r>
-              <a:rPr lang="en-US" altLang="ko-KR" dirty="0"/>
-              <a:t>, </a:t>
-            </a:r>
-            <a:r>
-              <a:rPr lang="ko-KR" altLang="en-US" dirty="0"/>
-              <a:t>바위</a:t>
-            </a:r>
-            <a:r>
-              <a:rPr lang="en-US" altLang="ko-KR" dirty="0"/>
-              <a:t>, </a:t>
-            </a:r>
-            <a:r>
-              <a:rPr lang="ko-KR" altLang="en-US" dirty="0"/>
-              <a:t>보 중 하나를 </a:t>
-            </a:r>
-            <a:r>
-              <a:rPr lang="ko-KR" altLang="en-US" dirty="0" smtClean="0"/>
-              <a:t>랜덤 생성한다</a:t>
-            </a:r>
-            <a:r>
-              <a:rPr lang="en-US" altLang="ko-KR" dirty="0" smtClean="0"/>
-              <a:t>.</a:t>
-            </a:r>
-          </a:p>
-          <a:p>
-            <a:pPr>
-              <a:lnSpc>
-                <a:spcPct val="200000"/>
-              </a:lnSpc>
-            </a:pPr>
-            <a:r>
-              <a:rPr lang="en-US" altLang="ko-KR" dirty="0"/>
-              <a:t> </a:t>
-            </a:r>
-            <a:r>
-              <a:rPr lang="en-US" altLang="ko-KR" dirty="0" smtClean="0"/>
-              <a:t>      - </a:t>
-            </a:r>
-            <a:r>
-              <a:rPr lang="ko-KR" altLang="en-US" dirty="0" smtClean="0"/>
-              <a:t>결과는 </a:t>
-            </a:r>
-            <a:r>
-              <a:rPr lang="en-US" altLang="ko-KR" dirty="0" smtClean="0"/>
-              <a:t>“</a:t>
-            </a:r>
-            <a:r>
-              <a:rPr lang="ko-KR" altLang="en-US" dirty="0" smtClean="0"/>
-              <a:t>무승</a:t>
-            </a:r>
-            <a:r>
-              <a:rPr lang="ko-KR" altLang="en-US" dirty="0"/>
-              <a:t>부</a:t>
-            </a:r>
-            <a:r>
-              <a:rPr lang="en-US" altLang="ko-KR" dirty="0" smtClean="0"/>
-              <a:t>”, “</a:t>
-            </a:r>
-            <a:r>
-              <a:rPr lang="ko-KR" altLang="en-US" dirty="0"/>
-              <a:t>패</a:t>
-            </a:r>
-            <a:r>
-              <a:rPr lang="en-US" altLang="ko-KR" dirty="0" smtClean="0"/>
-              <a:t>”, “</a:t>
-            </a:r>
-            <a:r>
-              <a:rPr lang="ko-KR" altLang="en-US" dirty="0"/>
-              <a:t>승</a:t>
-            </a:r>
-            <a:r>
-              <a:rPr lang="en-US" altLang="ko-KR" dirty="0" smtClean="0"/>
-              <a:t>”</a:t>
-            </a:r>
-            <a:r>
-              <a:rPr lang="ko-KR" altLang="en-US" dirty="0" smtClean="0"/>
-              <a:t>이다</a:t>
-            </a:r>
-            <a:r>
-              <a:rPr lang="en-US" altLang="ko-KR" dirty="0" smtClean="0"/>
-              <a:t>.</a:t>
-            </a:r>
-          </a:p>
-          <a:p>
-            <a:pPr>
-              <a:lnSpc>
-                <a:spcPct val="200000"/>
-              </a:lnSpc>
-            </a:pPr>
-            <a:r>
-              <a:rPr lang="en-US" altLang="ko-KR" dirty="0"/>
-              <a:t> </a:t>
-            </a:r>
-            <a:r>
-              <a:rPr lang="en-US" altLang="ko-KR" dirty="0" smtClean="0"/>
-              <a:t>      - </a:t>
-            </a:r>
-            <a:r>
-              <a:rPr lang="ko-KR" altLang="en-US" dirty="0" smtClean="0"/>
-              <a:t>잘못 입력한 경우 </a:t>
-            </a:r>
-            <a:r>
-              <a:rPr lang="en-US" altLang="ko-KR" dirty="0" smtClean="0"/>
-              <a:t>“</a:t>
-            </a:r>
-            <a:r>
-              <a:rPr lang="ko-KR" altLang="en-US" dirty="0" smtClean="0"/>
-              <a:t>잘못된 입력입니다</a:t>
-            </a:r>
-            <a:r>
-              <a:rPr lang="en-US" altLang="ko-KR" dirty="0" smtClean="0"/>
-              <a:t>. </a:t>
-            </a:r>
-            <a:r>
-              <a:rPr lang="ko-KR" altLang="en-US" dirty="0" smtClean="0"/>
-              <a:t>다시 입력해 주세요</a:t>
-            </a:r>
-            <a:r>
-              <a:rPr lang="en-US" altLang="ko-KR" dirty="0" smtClean="0"/>
-              <a:t>” </a:t>
-            </a:r>
-            <a:r>
-              <a:rPr lang="ko-KR" altLang="en-US" dirty="0" smtClean="0"/>
-              <a:t>출력</a:t>
-            </a:r>
-            <a:endParaRPr lang="en-US" altLang="ko-KR" dirty="0" smtClean="0"/>
+            <a:r>
+              <a:rPr lang="en-US" altLang="ko-KR" dirty="0" smtClean="0">
+                <a:solidFill>
+                  <a:srgbClr val="FF0000"/>
+                </a:solidFill>
+              </a:rPr>
+              <a:t>sys_ex1.py</a:t>
+            </a:r>
+            <a:endParaRPr lang="ko-KR" altLang="en-US" dirty="0">
+              <a:solidFill>
+                <a:srgbClr val="FF0000"/>
+              </a:solidFill>
+            </a:endParaRPr>
           </a:p>
         </p:txBody>
       </p:sp>
       <p:pic>
         <p:nvPicPr>
-          <p:cNvPr id="3" name="그림 2"/>
+          <p:cNvPr id="16" name="그림 15"/>
           <p:cNvPicPr>
             <a:picLocks noChangeAspect="1"/>
           </p:cNvPicPr>
@@ -11553,8 +11771,45 @@
         </p:blipFill>
         <p:spPr>
           <a:xfrm>
-            <a:off x="1712640" y="4149080"/>
-            <a:ext cx="3096344" cy="1402763"/>
+            <a:off x="1620196" y="3501008"/>
+            <a:ext cx="3299746" cy="1729890"/>
+          </a:xfrm>
+          <a:prstGeom prst="rect">
+            <a:avLst/>
+          </a:prstGeom>
+          <a:ln>
+            <a:solidFill>
+              <a:schemeClr val="bg1">
+                <a:lumMod val="85000"/>
+              </a:schemeClr>
+            </a:solidFill>
+          </a:ln>
+        </p:spPr>
+      </p:pic>
+      <p:pic>
+        <p:nvPicPr>
+          <p:cNvPr id="7" name="그림 6"/>
+          <p:cNvPicPr>
+            <a:picLocks noChangeAspect="1"/>
+          </p:cNvPicPr>
+          <p:nvPr/>
+        </p:nvPicPr>
+        <p:blipFill>
+          <a:blip r:embed="rId3">
+            <a:extLst>
+              <a:ext uri="{28A0092B-C50C-407E-A947-70E740481C1C}">
+                <a14:useLocalDpi xmlns:a14="http://schemas.microsoft.com/office/drawing/2010/main" val="0"/>
+              </a:ext>
+            </a:extLst>
+          </a:blip>
+          <a:stretch>
+            <a:fillRect/>
+          </a:stretch>
+        </p:blipFill>
+        <p:spPr>
+          <a:xfrm>
+            <a:off x="3368824" y="5100195"/>
+            <a:ext cx="5242002" cy="1296144"/>
           </a:xfrm>
           <a:prstGeom prst="rect">
             <a:avLst/>
@@ -11571,7 +11826,7 @@
     </p:spTree>
     <p:extLst>
       <p:ext uri="{BB962C8B-B14F-4D97-AF65-F5344CB8AC3E}">
-        <p14:creationId xmlns:p14="http://schemas.microsoft.com/office/powerpoint/2010/main" val="642667097"/>
+        <p14:creationId xmlns:p14="http://schemas.microsoft.com/office/powerpoint/2010/main" val="884341838"/>
       </p:ext>
     </p:extLst>
   </p:cSld>
@@ -12575,12 +12830,7 @@
             <p:ph type="title"/>
           </p:nvPr>
         </p:nvSpPr>
-        <p:spPr>
-          <a:xfrm>
-            <a:off x="457224" y="191593"/>
-            <a:ext cx="6825208" cy="854968"/>
-          </a:xfrm>
-        </p:spPr>
+        <p:spPr/>
         <p:txBody>
           <a:bodyPr>
             <a:normAutofit/>
@@ -12588,18 +12838,18 @@
           <a:lstStyle/>
           <a:p>
             <a:r>
-              <a:rPr lang="en-US" altLang="ko-KR" dirty="0"/>
-              <a:t> </a:t>
-            </a:r>
-            <a:r>
-              <a:rPr lang="en-US" altLang="ko-KR" dirty="0" smtClean="0"/>
-              <a:t> </a:t>
-            </a:r>
-            <a:r>
-              <a:rPr lang="ko-KR" altLang="en-US" dirty="0" smtClean="0"/>
-              <a:t>가위 바위 보 게임</a:t>
-            </a:r>
-            <a:endParaRPr lang="ko-KR" altLang="en-US" dirty="0"/>
+              <a:rPr lang="en-US" altLang="ko-KR" sz="2800" dirty="0" smtClean="0"/>
+              <a:t> sys</a:t>
+            </a:r>
+            <a:r>
+              <a:rPr lang="ko-KR" altLang="en-US" sz="2800" dirty="0" smtClean="0"/>
+              <a:t> 모듈</a:t>
+            </a:r>
+            <a:r>
+              <a:rPr lang="en-US" altLang="ko-KR" sz="2800" dirty="0" smtClean="0"/>
+              <a:t>(Module)</a:t>
+            </a:r>
+            <a:endParaRPr lang="ko-KR" altLang="en-US" sz="2800" dirty="0"/>
           </a:p>
         </p:txBody>
       </p:sp>
@@ -12621,1138 +12871,6 @@
             <a:fld id="{1BDE3FE7-3AEA-4B05-AC5A-802D1816ACF0}" type="slidenum">
               <a:rPr lang="ko-KR" altLang="en-US" smtClean="0"/>
               <a:t>30</a:t>
-            </a:fld>
-            <a:endParaRPr lang="ko-KR" altLang="en-US"/>
-          </a:p>
-        </p:txBody>
-      </p:sp>
-      <p:sp>
-        <p:nvSpPr>
-          <p:cNvPr id="9" name="TextBox 8"/>
-          <p:cNvSpPr txBox="1"/>
-          <p:nvPr/>
-        </p:nvSpPr>
-        <p:spPr>
-          <a:xfrm>
-            <a:off x="920552" y="1221565"/>
-            <a:ext cx="6192688" cy="509178"/>
-          </a:xfrm>
-          <a:prstGeom prst="rect">
-            <a:avLst/>
-          </a:prstGeom>
-          <a:ln>
-            <a:noFill/>
-          </a:ln>
-        </p:spPr>
-        <p:style>
-          <a:lnRef idx="2">
-            <a:schemeClr val="dk1"/>
-          </a:lnRef>
-          <a:fillRef idx="1">
-            <a:schemeClr val="lt1"/>
-          </a:fillRef>
-          <a:effectRef idx="0">
-            <a:schemeClr val="dk1"/>
-          </a:effectRef>
-          <a:fontRef idx="minor">
-            <a:schemeClr val="dk1"/>
-          </a:fontRef>
-        </p:style>
-        <p:txBody>
-          <a:bodyPr wrap="square" rtlCol="0">
-            <a:spAutoFit/>
-          </a:bodyPr>
-          <a:lstStyle/>
-          <a:p>
-            <a:pPr marL="342900" indent="-342900">
-              <a:lnSpc>
-                <a:spcPct val="150000"/>
-              </a:lnSpc>
-              <a:buFont typeface="Arial" panose="020B0604020202020204" pitchFamily="34" charset="0"/>
-              <a:buChar char="•"/>
-            </a:pPr>
-            <a:r>
-              <a:rPr lang="ko-KR" altLang="en-US" sz="2000" dirty="0" smtClean="0">
-                <a:latin typeface="휴먼엑스포" panose="02030504000101010101" pitchFamily="18" charset="-127"/>
-                <a:ea typeface="휴먼엑스포" panose="02030504000101010101" pitchFamily="18" charset="-127"/>
-              </a:rPr>
-              <a:t>게임 </a:t>
-            </a:r>
-            <a:r>
-              <a:rPr lang="en-US" altLang="ko-KR" sz="2000" dirty="0" smtClean="0">
-                <a:latin typeface="휴먼엑스포" panose="02030504000101010101" pitchFamily="18" charset="-127"/>
-                <a:ea typeface="휴먼엑스포" panose="02030504000101010101" pitchFamily="18" charset="-127"/>
-              </a:rPr>
-              <a:t>1</a:t>
-            </a:r>
-          </a:p>
-        </p:txBody>
-      </p:sp>
-      <p:pic>
-        <p:nvPicPr>
-          <p:cNvPr id="3" name="그림 2"/>
-          <p:cNvPicPr>
-            <a:picLocks noChangeAspect="1"/>
-          </p:cNvPicPr>
-          <p:nvPr/>
-        </p:nvPicPr>
-        <p:blipFill rotWithShape="1">
-          <a:blip r:embed="rId2">
-            <a:extLst>
-              <a:ext uri="{28A0092B-C50C-407E-A947-70E740481C1C}">
-                <a14:useLocalDpi xmlns:a14="http://schemas.microsoft.com/office/drawing/2010/main" val="0"/>
-              </a:ext>
-            </a:extLst>
-          </a:blip>
-          <a:srcRect r="11628"/>
-          <a:stretch/>
-        </p:blipFill>
-        <p:spPr>
-          <a:xfrm>
-            <a:off x="819352" y="2060848"/>
-            <a:ext cx="3798304" cy="2926334"/>
-          </a:xfrm>
-          <a:prstGeom prst="rect">
-            <a:avLst/>
-          </a:prstGeom>
-          <a:ln>
-            <a:solidFill>
-              <a:schemeClr val="bg1">
-                <a:lumMod val="85000"/>
-              </a:schemeClr>
-            </a:solidFill>
-          </a:ln>
-        </p:spPr>
-      </p:pic>
-      <p:pic>
-        <p:nvPicPr>
-          <p:cNvPr id="6" name="그림 5"/>
-          <p:cNvPicPr>
-            <a:picLocks noChangeAspect="1"/>
-          </p:cNvPicPr>
-          <p:nvPr/>
-        </p:nvPicPr>
-        <p:blipFill>
-          <a:blip r:embed="rId3">
-            <a:extLst>
-              <a:ext uri="{28A0092B-C50C-407E-A947-70E740481C1C}">
-                <a14:useLocalDpi xmlns:a14="http://schemas.microsoft.com/office/drawing/2010/main" val="0"/>
-              </a:ext>
-            </a:extLst>
-          </a:blip>
-          <a:stretch>
-            <a:fillRect/>
-          </a:stretch>
-        </p:blipFill>
-        <p:spPr>
-          <a:xfrm>
-            <a:off x="4808984" y="1482442"/>
-            <a:ext cx="4976292" cy="4877223"/>
-          </a:xfrm>
-          <a:prstGeom prst="rect">
-            <a:avLst/>
-          </a:prstGeom>
-          <a:ln>
-            <a:solidFill>
-              <a:schemeClr val="bg1">
-                <a:lumMod val="85000"/>
-              </a:schemeClr>
-            </a:solidFill>
-          </a:ln>
-        </p:spPr>
-      </p:pic>
-      <p:sp>
-        <p:nvSpPr>
-          <p:cNvPr id="8" name="TextBox 7"/>
-          <p:cNvSpPr txBox="1"/>
-          <p:nvPr/>
-        </p:nvSpPr>
-        <p:spPr>
-          <a:xfrm>
-            <a:off x="2817456" y="1524611"/>
-            <a:ext cx="1800200" cy="369332"/>
-          </a:xfrm>
-          <a:prstGeom prst="rect">
-            <a:avLst/>
-          </a:prstGeom>
-          <a:noFill/>
-        </p:spPr>
-        <p:txBody>
-          <a:bodyPr wrap="square" rtlCol="0">
-            <a:spAutoFit/>
-          </a:bodyPr>
-          <a:lstStyle/>
-          <a:p>
-            <a:r>
-              <a:rPr lang="ko-KR" altLang="en-US" smtClean="0">
-                <a:solidFill>
-                  <a:srgbClr val="FF0000"/>
-                </a:solidFill>
-              </a:rPr>
-              <a:t>가위바위보</a:t>
-            </a:r>
-            <a:r>
-              <a:rPr lang="en-US" altLang="ko-KR" dirty="0" smtClean="0">
-                <a:solidFill>
-                  <a:srgbClr val="FF0000"/>
-                </a:solidFill>
-              </a:rPr>
-              <a:t>.</a:t>
-            </a:r>
-            <a:r>
-              <a:rPr lang="en-US" altLang="ko-KR" dirty="0" err="1" smtClean="0">
-                <a:solidFill>
-                  <a:srgbClr val="FF0000"/>
-                </a:solidFill>
-              </a:rPr>
-              <a:t>py</a:t>
-            </a:r>
-            <a:endParaRPr lang="ko-KR" altLang="en-US" dirty="0">
-              <a:solidFill>
-                <a:srgbClr val="FF0000"/>
-              </a:solidFill>
-            </a:endParaRPr>
-          </a:p>
-        </p:txBody>
-      </p:sp>
-    </p:spTree>
-    <p:extLst>
-      <p:ext uri="{BB962C8B-B14F-4D97-AF65-F5344CB8AC3E}">
-        <p14:creationId xmlns:p14="http://schemas.microsoft.com/office/powerpoint/2010/main" val="3998404503"/>
-      </p:ext>
-    </p:extLst>
-  </p:cSld>
-  <p:clrMapOvr>
-    <a:masterClrMapping/>
-  </p:clrMapOvr>
-  <p:timing>
-    <p:tnLst>
-      <p:par>
-        <p:cTn id="1" dur="indefinite" restart="never" nodeType="tmRoot"/>
-      </p:par>
-    </p:tnLst>
-  </p:timing>
-</p:sld>
-</file>
-
-<file path=ppt/slides/slide31.xml><?xml version="1.0" encoding="utf-8"?>
-<p:sld xmlns:a="http://schemas.openxmlformats.org/drawingml/2006/main" xmlns:r="http://schemas.openxmlformats.org/officeDocument/2006/relationships" xmlns:p="http://schemas.openxmlformats.org/presentationml/2006/main">
-  <p:cSld>
-    <p:spTree>
-      <p:nvGrpSpPr>
-        <p:cNvPr id="1" name=""/>
-        <p:cNvGrpSpPr/>
-        <p:nvPr/>
-      </p:nvGrpSpPr>
-      <p:grpSpPr>
-        <a:xfrm>
-          <a:off x="0" y="0"/>
-          <a:ext cx="0" cy="0"/>
-          <a:chOff x="0" y="0"/>
-          <a:chExt cx="0" cy="0"/>
-        </a:xfrm>
-      </p:grpSpPr>
-      <p:sp>
-        <p:nvSpPr>
-          <p:cNvPr id="2" name="제목 1"/>
-          <p:cNvSpPr>
-            <a:spLocks noGrp="1"/>
-          </p:cNvSpPr>
-          <p:nvPr>
-            <p:ph type="title"/>
-          </p:nvPr>
-        </p:nvSpPr>
-        <p:spPr>
-          <a:xfrm>
-            <a:off x="457224" y="191593"/>
-            <a:ext cx="6825208" cy="854968"/>
-          </a:xfrm>
-        </p:spPr>
-        <p:txBody>
-          <a:bodyPr>
-            <a:normAutofit/>
-          </a:bodyPr>
-          <a:lstStyle/>
-          <a:p>
-            <a:r>
-              <a:rPr lang="en-US" altLang="ko-KR" dirty="0"/>
-              <a:t> </a:t>
-            </a:r>
-            <a:r>
-              <a:rPr lang="en-US" altLang="ko-KR" dirty="0" smtClean="0"/>
-              <a:t> </a:t>
-            </a:r>
-            <a:r>
-              <a:rPr lang="ko-KR" altLang="en-US" dirty="0" smtClean="0"/>
-              <a:t>가위 바위 보 게임</a:t>
-            </a:r>
-            <a:endParaRPr lang="ko-KR" altLang="en-US" dirty="0"/>
-          </a:p>
-        </p:txBody>
-      </p:sp>
-      <p:sp>
-        <p:nvSpPr>
-          <p:cNvPr id="4" name="슬라이드 번호 개체 틀 3"/>
-          <p:cNvSpPr>
-            <a:spLocks noGrp="1"/>
-          </p:cNvSpPr>
-          <p:nvPr>
-            <p:ph type="sldNum" sz="quarter" idx="12"/>
-          </p:nvPr>
-        </p:nvSpPr>
-        <p:spPr/>
-        <p:txBody>
-          <a:bodyPr/>
-          <a:lstStyle/>
-          <a:p>
-            <a:fld id="{1BDE3FE7-3AEA-4B05-AC5A-802D1816ACF0}" type="slidenum">
-              <a:rPr lang="ko-KR" altLang="en-US" smtClean="0"/>
-              <a:t>31</a:t>
-            </a:fld>
-            <a:endParaRPr lang="ko-KR" altLang="en-US"/>
-          </a:p>
-        </p:txBody>
-      </p:sp>
-      <p:pic>
-        <p:nvPicPr>
-          <p:cNvPr id="3" name="그림 2"/>
-          <p:cNvPicPr>
-            <a:picLocks noChangeAspect="1"/>
-          </p:cNvPicPr>
-          <p:nvPr/>
-        </p:nvPicPr>
-        <p:blipFill>
-          <a:blip r:embed="rId2">
-            <a:extLst>
-              <a:ext uri="{28A0092B-C50C-407E-A947-70E740481C1C}">
-                <a14:useLocalDpi xmlns:a14="http://schemas.microsoft.com/office/drawing/2010/main" val="0"/>
-              </a:ext>
-            </a:extLst>
-          </a:blip>
-          <a:stretch>
-            <a:fillRect/>
-          </a:stretch>
-        </p:blipFill>
-        <p:spPr>
-          <a:xfrm>
-            <a:off x="776536" y="1203107"/>
-            <a:ext cx="5258256" cy="5372566"/>
-          </a:xfrm>
-          <a:prstGeom prst="rect">
-            <a:avLst/>
-          </a:prstGeom>
-          <a:ln>
-            <a:solidFill>
-              <a:schemeClr val="bg1">
-                <a:lumMod val="85000"/>
-              </a:schemeClr>
-            </a:solidFill>
-          </a:ln>
-        </p:spPr>
-      </p:pic>
-      <p:pic>
-        <p:nvPicPr>
-          <p:cNvPr id="6" name="그림 5"/>
-          <p:cNvPicPr>
-            <a:picLocks noChangeAspect="1"/>
-          </p:cNvPicPr>
-          <p:nvPr/>
-        </p:nvPicPr>
-        <p:blipFill rotWithShape="1">
-          <a:blip r:embed="rId3">
-            <a:extLst>
-              <a:ext uri="{28A0092B-C50C-407E-A947-70E740481C1C}">
-                <a14:useLocalDpi xmlns:a14="http://schemas.microsoft.com/office/drawing/2010/main" val="0"/>
-              </a:ext>
-            </a:extLst>
-          </a:blip>
-          <a:srcRect l="-1" r="23463"/>
-          <a:stretch/>
-        </p:blipFill>
-        <p:spPr>
-          <a:xfrm>
-            <a:off x="5457056" y="2148691"/>
-            <a:ext cx="4053678" cy="3414056"/>
-          </a:xfrm>
-          <a:prstGeom prst="rect">
-            <a:avLst/>
-          </a:prstGeom>
-          <a:ln>
-            <a:solidFill>
-              <a:schemeClr val="bg1">
-                <a:lumMod val="85000"/>
-              </a:schemeClr>
-            </a:solidFill>
-          </a:ln>
-        </p:spPr>
-      </p:pic>
-      <p:sp>
-        <p:nvSpPr>
-          <p:cNvPr id="8" name="TextBox 7"/>
-          <p:cNvSpPr txBox="1"/>
-          <p:nvPr/>
-        </p:nvSpPr>
-        <p:spPr>
-          <a:xfrm>
-            <a:off x="5529064" y="1546077"/>
-            <a:ext cx="2544976" cy="369332"/>
-          </a:xfrm>
-          <a:prstGeom prst="rect">
-            <a:avLst/>
-          </a:prstGeom>
-          <a:noFill/>
-        </p:spPr>
-        <p:txBody>
-          <a:bodyPr wrap="square" rtlCol="0">
-            <a:spAutoFit/>
-          </a:bodyPr>
-          <a:lstStyle/>
-          <a:p>
-            <a:r>
-              <a:rPr lang="en-US" altLang="ko-KR" dirty="0">
-                <a:solidFill>
-                  <a:srgbClr val="FF0000"/>
-                </a:solidFill>
-              </a:rPr>
-              <a:t>r</a:t>
-            </a:r>
-            <a:r>
-              <a:rPr lang="en-US" altLang="ko-KR" dirty="0" smtClean="0">
-                <a:solidFill>
-                  <a:srgbClr val="FF0000"/>
-                </a:solidFill>
-              </a:rPr>
-              <a:t>ock_paper_scissors.py</a:t>
-            </a:r>
-            <a:endParaRPr lang="ko-KR" altLang="en-US" dirty="0">
-              <a:solidFill>
-                <a:srgbClr val="FF0000"/>
-              </a:solidFill>
-            </a:endParaRPr>
-          </a:p>
-        </p:txBody>
-      </p:sp>
-    </p:spTree>
-    <p:extLst>
-      <p:ext uri="{BB962C8B-B14F-4D97-AF65-F5344CB8AC3E}">
-        <p14:creationId xmlns:p14="http://schemas.microsoft.com/office/powerpoint/2010/main" val="3597704559"/>
-      </p:ext>
-    </p:extLst>
-  </p:cSld>
-  <p:clrMapOvr>
-    <a:masterClrMapping/>
-  </p:clrMapOvr>
-  <p:timing>
-    <p:tnLst>
-      <p:par>
-        <p:cTn id="1" dur="indefinite" restart="never" nodeType="tmRoot"/>
-      </p:par>
-    </p:tnLst>
-  </p:timing>
-</p:sld>
-</file>
-
-<file path=ppt/slides/slide32.xml><?xml version="1.0" encoding="utf-8"?>
-<p:sld xmlns:a="http://schemas.openxmlformats.org/drawingml/2006/main" xmlns:r="http://schemas.openxmlformats.org/officeDocument/2006/relationships" xmlns:p="http://schemas.openxmlformats.org/presentationml/2006/main">
-  <p:cSld>
-    <p:spTree>
-      <p:nvGrpSpPr>
-        <p:cNvPr id="1" name=""/>
-        <p:cNvGrpSpPr/>
-        <p:nvPr/>
-      </p:nvGrpSpPr>
-      <p:grpSpPr>
-        <a:xfrm>
-          <a:off x="0" y="0"/>
-          <a:ext cx="0" cy="0"/>
-          <a:chOff x="0" y="0"/>
-          <a:chExt cx="0" cy="0"/>
-        </a:xfrm>
-      </p:grpSpPr>
-      <p:sp>
-        <p:nvSpPr>
-          <p:cNvPr id="2" name="제목 1"/>
-          <p:cNvSpPr>
-            <a:spLocks noGrp="1"/>
-          </p:cNvSpPr>
-          <p:nvPr>
-            <p:ph type="title"/>
-          </p:nvPr>
-        </p:nvSpPr>
-        <p:spPr/>
-        <p:txBody>
-          <a:bodyPr>
-            <a:normAutofit/>
-          </a:bodyPr>
-          <a:lstStyle/>
-          <a:p>
-            <a:r>
-              <a:rPr lang="en-US" altLang="ko-KR" sz="2800" dirty="0" smtClean="0"/>
-              <a:t> sys</a:t>
-            </a:r>
-            <a:r>
-              <a:rPr lang="ko-KR" altLang="en-US" sz="2800" dirty="0" smtClean="0"/>
-              <a:t> 모듈</a:t>
-            </a:r>
-            <a:r>
-              <a:rPr lang="en-US" altLang="ko-KR" sz="2800" dirty="0" smtClean="0"/>
-              <a:t>(Module)</a:t>
-            </a:r>
-            <a:endParaRPr lang="ko-KR" altLang="en-US" sz="2800" dirty="0"/>
-          </a:p>
-        </p:txBody>
-      </p:sp>
-      <p:sp>
-        <p:nvSpPr>
-          <p:cNvPr id="4" name="슬라이드 번호 개체 틀 3"/>
-          <p:cNvSpPr>
-            <a:spLocks noGrp="1"/>
-          </p:cNvSpPr>
-          <p:nvPr>
-            <p:ph type="sldNum" sz="quarter" idx="12"/>
-          </p:nvPr>
-        </p:nvSpPr>
-        <p:spPr/>
-        <p:txBody>
-          <a:bodyPr/>
-          <a:lstStyle/>
-          <a:p>
-            <a:fld id="{1BDE3FE7-3AEA-4B05-AC5A-802D1816ACF0}" type="slidenum">
-              <a:rPr lang="ko-KR" altLang="en-US" smtClean="0"/>
-              <a:t>32</a:t>
-            </a:fld>
-            <a:endParaRPr lang="ko-KR" altLang="en-US"/>
-          </a:p>
-        </p:txBody>
-      </p:sp>
-      <p:sp>
-        <p:nvSpPr>
-          <p:cNvPr id="18" name="모서리가 둥근 직사각형 17"/>
-          <p:cNvSpPr/>
-          <p:nvPr/>
-        </p:nvSpPr>
-        <p:spPr>
-          <a:xfrm>
-            <a:off x="1064568" y="1124744"/>
-            <a:ext cx="5616624" cy="1090853"/>
-          </a:xfrm>
-          <a:prstGeom prst="roundRect">
-            <a:avLst/>
-          </a:prstGeom>
-          <a:ln>
-            <a:noFill/>
-          </a:ln>
-        </p:spPr>
-        <p:style>
-          <a:lnRef idx="2">
-            <a:schemeClr val="dk1"/>
-          </a:lnRef>
-          <a:fillRef idx="1">
-            <a:schemeClr val="lt1"/>
-          </a:fillRef>
-          <a:effectRef idx="0">
-            <a:schemeClr val="dk1"/>
-          </a:effectRef>
-          <a:fontRef idx="minor">
-            <a:schemeClr val="dk1"/>
-          </a:fontRef>
-        </p:style>
-        <p:txBody>
-          <a:bodyPr rtlCol="0" anchor="ctr"/>
-          <a:lstStyle/>
-          <a:p>
-            <a:pPr>
-              <a:lnSpc>
-                <a:spcPct val="150000"/>
-              </a:lnSpc>
-            </a:pPr>
-            <a:r>
-              <a:rPr lang="ko-KR" altLang="en-US" sz="2000" dirty="0" smtClean="0">
-                <a:solidFill>
-                  <a:sysClr val="windowText" lastClr="000000"/>
-                </a:solidFill>
-              </a:rPr>
-              <a:t>◎</a:t>
-            </a:r>
-            <a:r>
-              <a:rPr lang="en-US" altLang="ko-KR" sz="2000" dirty="0" smtClean="0">
-                <a:solidFill>
-                  <a:sysClr val="windowText" lastClr="000000"/>
-                </a:solidFill>
-              </a:rPr>
-              <a:t> </a:t>
-            </a:r>
-            <a:r>
-              <a:rPr lang="en-US" altLang="ko-KR" sz="2000" b="1" dirty="0" smtClean="0">
-                <a:solidFill>
-                  <a:sysClr val="windowText" lastClr="000000"/>
-                </a:solidFill>
-              </a:rPr>
-              <a:t>sys</a:t>
-            </a:r>
-            <a:r>
-              <a:rPr lang="en-US" altLang="ko-KR" sz="2000" dirty="0" smtClean="0">
-                <a:solidFill>
-                  <a:sysClr val="windowText" lastClr="000000"/>
-                </a:solidFill>
-              </a:rPr>
-              <a:t> </a:t>
-            </a:r>
-            <a:r>
-              <a:rPr lang="ko-KR" altLang="en-US" sz="2000" dirty="0" smtClean="0">
-                <a:solidFill>
-                  <a:sysClr val="windowText" lastClr="000000"/>
-                </a:solidFill>
-              </a:rPr>
-              <a:t>모듈</a:t>
-            </a:r>
-            <a:endParaRPr lang="en-US" altLang="ko-KR" sz="2000" dirty="0" smtClean="0">
-              <a:solidFill>
-                <a:sysClr val="windowText" lastClr="000000"/>
-              </a:solidFill>
-            </a:endParaRPr>
-          </a:p>
-          <a:p>
-            <a:pPr>
-              <a:lnSpc>
-                <a:spcPct val="150000"/>
-              </a:lnSpc>
-            </a:pPr>
-            <a:r>
-              <a:rPr lang="en-US" altLang="ko-KR" sz="1600" dirty="0" smtClean="0">
-                <a:solidFill>
-                  <a:sysClr val="windowText" lastClr="000000"/>
-                </a:solidFill>
-              </a:rPr>
-              <a:t>    </a:t>
-            </a:r>
-            <a:r>
-              <a:rPr lang="en-US" altLang="ko-KR" dirty="0" smtClean="0">
-                <a:solidFill>
-                  <a:sysClr val="windowText" lastClr="000000"/>
-                </a:solidFill>
-              </a:rPr>
-              <a:t>- </a:t>
-            </a:r>
-            <a:r>
-              <a:rPr lang="en-US" altLang="ko-KR" b="1" dirty="0" err="1" smtClean="0">
-                <a:solidFill>
-                  <a:sysClr val="windowText" lastClr="000000"/>
-                </a:solidFill>
-              </a:rPr>
-              <a:t>sys.argv</a:t>
-            </a:r>
-            <a:r>
-              <a:rPr lang="ko-KR" altLang="en-US" b="1" dirty="0" smtClean="0">
-                <a:solidFill>
-                  <a:sysClr val="windowText" lastClr="000000"/>
-                </a:solidFill>
-              </a:rPr>
-              <a:t> </a:t>
-            </a:r>
-            <a:r>
-              <a:rPr lang="en-US" altLang="ko-KR" b="1" dirty="0" smtClean="0">
-                <a:solidFill>
-                  <a:sysClr val="windowText" lastClr="000000"/>
-                </a:solidFill>
-              </a:rPr>
-              <a:t>: </a:t>
-            </a:r>
-            <a:r>
-              <a:rPr lang="ko-KR" altLang="en-US" dirty="0" smtClean="0">
-                <a:solidFill>
-                  <a:sysClr val="windowText" lastClr="000000"/>
-                </a:solidFill>
-              </a:rPr>
-              <a:t>명령 행에서 인수 전달하기</a:t>
-            </a:r>
-            <a:endParaRPr lang="en-US" altLang="ko-KR" dirty="0" smtClean="0">
-              <a:solidFill>
-                <a:sysClr val="windowText" lastClr="000000"/>
-              </a:solidFill>
-            </a:endParaRPr>
-          </a:p>
-        </p:txBody>
-      </p:sp>
-      <p:grpSp>
-        <p:nvGrpSpPr>
-          <p:cNvPr id="5" name="그룹 4"/>
-          <p:cNvGrpSpPr/>
-          <p:nvPr/>
-        </p:nvGrpSpPr>
-        <p:grpSpPr>
-          <a:xfrm>
-            <a:off x="1587804" y="2296760"/>
-            <a:ext cx="5005740" cy="988224"/>
-            <a:chOff x="4871898" y="2474802"/>
-            <a:chExt cx="4473590" cy="988224"/>
-          </a:xfrm>
-        </p:grpSpPr>
-        <p:sp>
-          <p:nvSpPr>
-            <p:cNvPr id="6" name="TextBox 5"/>
-            <p:cNvSpPr txBox="1"/>
-            <p:nvPr/>
-          </p:nvSpPr>
-          <p:spPr>
-            <a:xfrm>
-              <a:off x="4871898" y="2550613"/>
-              <a:ext cx="4376002" cy="400110"/>
-            </a:xfrm>
-            <a:prstGeom prst="rect">
-              <a:avLst/>
-            </a:prstGeom>
-            <a:noFill/>
-          </p:spPr>
-          <p:txBody>
-            <a:bodyPr wrap="square" rtlCol="0">
-              <a:spAutoFit/>
-            </a:bodyPr>
-            <a:lstStyle/>
-            <a:p>
-              <a:r>
-                <a:rPr lang="en-US" altLang="ko-KR" sz="2000" dirty="0" smtClean="0">
-                  <a:solidFill>
-                    <a:srgbClr val="C00000"/>
-                  </a:solidFill>
-                </a:rPr>
-                <a:t>python</a:t>
-              </a:r>
-              <a:r>
-                <a:rPr lang="en-US" altLang="ko-KR" sz="2000" dirty="0" smtClean="0"/>
-                <a:t> sys_ex1.py    dog     cat     tiger</a:t>
-              </a:r>
-              <a:endParaRPr lang="ko-KR" altLang="en-US" sz="2000" dirty="0"/>
-            </a:p>
-          </p:txBody>
-        </p:sp>
-        <p:sp>
-          <p:nvSpPr>
-            <p:cNvPr id="8" name="TextBox 7"/>
-            <p:cNvSpPr txBox="1"/>
-            <p:nvPr/>
-          </p:nvSpPr>
-          <p:spPr>
-            <a:xfrm>
-              <a:off x="5979281" y="2959718"/>
-              <a:ext cx="792088" cy="338554"/>
-            </a:xfrm>
-            <a:prstGeom prst="rect">
-              <a:avLst/>
-            </a:prstGeom>
-            <a:noFill/>
-          </p:spPr>
-          <p:txBody>
-            <a:bodyPr wrap="square" rtlCol="0">
-              <a:spAutoFit/>
-            </a:bodyPr>
-            <a:lstStyle/>
-            <a:p>
-              <a:r>
-                <a:rPr lang="en-US" altLang="ko-KR" sz="1600" dirty="0" err="1" smtClean="0">
-                  <a:solidFill>
-                    <a:srgbClr val="0070C0"/>
-                  </a:solidFill>
-                </a:rPr>
-                <a:t>argv</a:t>
-              </a:r>
-              <a:r>
-                <a:rPr lang="en-US" altLang="ko-KR" sz="1600" dirty="0" smtClean="0">
-                  <a:solidFill>
-                    <a:srgbClr val="0070C0"/>
-                  </a:solidFill>
-                </a:rPr>
-                <a:t>[0]</a:t>
-              </a:r>
-              <a:endParaRPr lang="ko-KR" altLang="en-US" sz="1600" dirty="0">
-                <a:solidFill>
-                  <a:srgbClr val="0070C0"/>
-                </a:solidFill>
-              </a:endParaRPr>
-            </a:p>
-          </p:txBody>
-        </p:sp>
-        <p:sp>
-          <p:nvSpPr>
-            <p:cNvPr id="11" name="TextBox 10"/>
-            <p:cNvSpPr txBox="1"/>
-            <p:nvPr/>
-          </p:nvSpPr>
-          <p:spPr>
-            <a:xfrm>
-              <a:off x="7008928" y="2973138"/>
-              <a:ext cx="792088" cy="338554"/>
-            </a:xfrm>
-            <a:prstGeom prst="rect">
-              <a:avLst/>
-            </a:prstGeom>
-            <a:noFill/>
-          </p:spPr>
-          <p:txBody>
-            <a:bodyPr wrap="square" rtlCol="0">
-              <a:spAutoFit/>
-            </a:bodyPr>
-            <a:lstStyle/>
-            <a:p>
-              <a:r>
-                <a:rPr lang="en-US" altLang="ko-KR" sz="1600" dirty="0" err="1" smtClean="0">
-                  <a:solidFill>
-                    <a:srgbClr val="0070C0"/>
-                  </a:solidFill>
-                </a:rPr>
-                <a:t>argv</a:t>
-              </a:r>
-              <a:r>
-                <a:rPr lang="en-US" altLang="ko-KR" sz="1600" dirty="0" smtClean="0">
-                  <a:solidFill>
-                    <a:srgbClr val="0070C0"/>
-                  </a:solidFill>
-                </a:rPr>
-                <a:t>[1]</a:t>
-              </a:r>
-              <a:endParaRPr lang="ko-KR" altLang="en-US" sz="1600" dirty="0">
-                <a:solidFill>
-                  <a:srgbClr val="0070C0"/>
-                </a:solidFill>
-              </a:endParaRPr>
-            </a:p>
-          </p:txBody>
-        </p:sp>
-        <p:sp>
-          <p:nvSpPr>
-            <p:cNvPr id="12" name="TextBox 11"/>
-            <p:cNvSpPr txBox="1"/>
-            <p:nvPr/>
-          </p:nvSpPr>
-          <p:spPr>
-            <a:xfrm>
-              <a:off x="7781164" y="2973138"/>
-              <a:ext cx="792088" cy="338554"/>
-            </a:xfrm>
-            <a:prstGeom prst="rect">
-              <a:avLst/>
-            </a:prstGeom>
-            <a:noFill/>
-          </p:spPr>
-          <p:txBody>
-            <a:bodyPr wrap="square" rtlCol="0">
-              <a:spAutoFit/>
-            </a:bodyPr>
-            <a:lstStyle/>
-            <a:p>
-              <a:r>
-                <a:rPr lang="en-US" altLang="ko-KR" sz="1600" dirty="0" err="1" smtClean="0">
-                  <a:solidFill>
-                    <a:srgbClr val="0070C0"/>
-                  </a:solidFill>
-                </a:rPr>
-                <a:t>argv</a:t>
-              </a:r>
-              <a:r>
-                <a:rPr lang="en-US" altLang="ko-KR" sz="1600" dirty="0" smtClean="0">
-                  <a:solidFill>
-                    <a:srgbClr val="0070C0"/>
-                  </a:solidFill>
-                </a:rPr>
-                <a:t>[2]</a:t>
-              </a:r>
-              <a:endParaRPr lang="ko-KR" altLang="en-US" sz="1600" dirty="0">
-                <a:solidFill>
-                  <a:srgbClr val="0070C0"/>
-                </a:solidFill>
-              </a:endParaRPr>
-            </a:p>
-          </p:txBody>
-        </p:sp>
-        <p:sp>
-          <p:nvSpPr>
-            <p:cNvPr id="13" name="TextBox 12"/>
-            <p:cNvSpPr txBox="1"/>
-            <p:nvPr/>
-          </p:nvSpPr>
-          <p:spPr>
-            <a:xfrm>
-              <a:off x="8508900" y="2973138"/>
-              <a:ext cx="792088" cy="338554"/>
-            </a:xfrm>
-            <a:prstGeom prst="rect">
-              <a:avLst/>
-            </a:prstGeom>
-            <a:noFill/>
-          </p:spPr>
-          <p:txBody>
-            <a:bodyPr wrap="square" rtlCol="0">
-              <a:spAutoFit/>
-            </a:bodyPr>
-            <a:lstStyle/>
-            <a:p>
-              <a:r>
-                <a:rPr lang="en-US" altLang="ko-KR" sz="1600" dirty="0" err="1" smtClean="0">
-                  <a:solidFill>
-                    <a:srgbClr val="0070C0"/>
-                  </a:solidFill>
-                </a:rPr>
-                <a:t>argv</a:t>
-              </a:r>
-              <a:r>
-                <a:rPr lang="en-US" altLang="ko-KR" sz="1600" dirty="0" smtClean="0">
-                  <a:solidFill>
-                    <a:srgbClr val="0070C0"/>
-                  </a:solidFill>
-                </a:rPr>
-                <a:t>[3]</a:t>
-              </a:r>
-              <a:endParaRPr lang="ko-KR" altLang="en-US" sz="1600" dirty="0">
-                <a:solidFill>
-                  <a:srgbClr val="0070C0"/>
-                </a:solidFill>
-              </a:endParaRPr>
-            </a:p>
-          </p:txBody>
-        </p:sp>
-        <p:sp>
-          <p:nvSpPr>
-            <p:cNvPr id="10" name="모서리가 둥근 직사각형 9"/>
-            <p:cNvSpPr/>
-            <p:nvPr/>
-          </p:nvSpPr>
-          <p:spPr>
-            <a:xfrm>
-              <a:off x="4871898" y="2474802"/>
-              <a:ext cx="4473590" cy="988224"/>
-            </a:xfrm>
-            <a:prstGeom prst="roundRect">
-              <a:avLst/>
-            </a:prstGeom>
-            <a:noFill/>
-            <a:ln w="12700"/>
-          </p:spPr>
-          <p:style>
-            <a:lnRef idx="2">
-              <a:schemeClr val="accent1">
-                <a:shade val="50000"/>
-              </a:schemeClr>
-            </a:lnRef>
-            <a:fillRef idx="1">
-              <a:schemeClr val="accent1"/>
-            </a:fillRef>
-            <a:effectRef idx="0">
-              <a:schemeClr val="accent1"/>
-            </a:effectRef>
-            <a:fontRef idx="minor">
-              <a:schemeClr val="lt1"/>
-            </a:fontRef>
-          </p:style>
-          <p:txBody>
-            <a:bodyPr rtlCol="0" anchor="ctr"/>
-            <a:lstStyle/>
-            <a:p>
-              <a:pPr algn="ctr"/>
-              <a:endParaRPr lang="ko-KR" altLang="en-US"/>
-            </a:p>
-          </p:txBody>
-        </p:sp>
-      </p:grpSp>
-      <p:sp>
-        <p:nvSpPr>
-          <p:cNvPr id="15" name="TextBox 14"/>
-          <p:cNvSpPr txBox="1"/>
-          <p:nvPr/>
-        </p:nvSpPr>
-        <p:spPr>
-          <a:xfrm>
-            <a:off x="5457056" y="4366972"/>
-            <a:ext cx="1512168" cy="369332"/>
-          </a:xfrm>
-          <a:prstGeom prst="rect">
-            <a:avLst/>
-          </a:prstGeom>
-          <a:noFill/>
-        </p:spPr>
-        <p:txBody>
-          <a:bodyPr wrap="square" rtlCol="0">
-            <a:spAutoFit/>
-          </a:bodyPr>
-          <a:lstStyle/>
-          <a:p>
-            <a:r>
-              <a:rPr lang="en-US" altLang="ko-KR" dirty="0" smtClean="0">
-                <a:solidFill>
-                  <a:srgbClr val="FF0000"/>
-                </a:solidFill>
-              </a:rPr>
-              <a:t>sys_ex1.py</a:t>
-            </a:r>
-            <a:endParaRPr lang="ko-KR" altLang="en-US" dirty="0">
-              <a:solidFill>
-                <a:srgbClr val="FF0000"/>
-              </a:solidFill>
-            </a:endParaRPr>
-          </a:p>
-        </p:txBody>
-      </p:sp>
-      <p:pic>
-        <p:nvPicPr>
-          <p:cNvPr id="16" name="그림 15"/>
-          <p:cNvPicPr>
-            <a:picLocks noChangeAspect="1"/>
-          </p:cNvPicPr>
-          <p:nvPr/>
-        </p:nvPicPr>
-        <p:blipFill>
-          <a:blip r:embed="rId2">
-            <a:extLst>
-              <a:ext uri="{28A0092B-C50C-407E-A947-70E740481C1C}">
-                <a14:useLocalDpi xmlns:a14="http://schemas.microsoft.com/office/drawing/2010/main" val="0"/>
-              </a:ext>
-            </a:extLst>
-          </a:blip>
-          <a:stretch>
-            <a:fillRect/>
-          </a:stretch>
-        </p:blipFill>
-        <p:spPr>
-          <a:xfrm>
-            <a:off x="1620196" y="3501008"/>
-            <a:ext cx="3299746" cy="1729890"/>
-          </a:xfrm>
-          <a:prstGeom prst="rect">
-            <a:avLst/>
-          </a:prstGeom>
-          <a:ln>
-            <a:solidFill>
-              <a:schemeClr val="bg1">
-                <a:lumMod val="85000"/>
-              </a:schemeClr>
-            </a:solidFill>
-          </a:ln>
-        </p:spPr>
-      </p:pic>
-      <p:pic>
-        <p:nvPicPr>
-          <p:cNvPr id="7" name="그림 6"/>
-          <p:cNvPicPr>
-            <a:picLocks noChangeAspect="1"/>
-          </p:cNvPicPr>
-          <p:nvPr/>
-        </p:nvPicPr>
-        <p:blipFill>
-          <a:blip r:embed="rId3">
-            <a:extLst>
-              <a:ext uri="{28A0092B-C50C-407E-A947-70E740481C1C}">
-                <a14:useLocalDpi xmlns:a14="http://schemas.microsoft.com/office/drawing/2010/main" val="0"/>
-              </a:ext>
-            </a:extLst>
-          </a:blip>
-          <a:stretch>
-            <a:fillRect/>
-          </a:stretch>
-        </p:blipFill>
-        <p:spPr>
-          <a:xfrm>
-            <a:off x="3368824" y="5100195"/>
-            <a:ext cx="5242002" cy="1296144"/>
-          </a:xfrm>
-          <a:prstGeom prst="rect">
-            <a:avLst/>
-          </a:prstGeom>
-          <a:ln>
-            <a:solidFill>
-              <a:schemeClr val="bg1">
-                <a:lumMod val="85000"/>
-              </a:schemeClr>
-            </a:solidFill>
-          </a:ln>
-        </p:spPr>
-      </p:pic>
-    </p:spTree>
-    <p:extLst>
-      <p:ext uri="{BB962C8B-B14F-4D97-AF65-F5344CB8AC3E}">
-        <p14:creationId xmlns:p14="http://schemas.microsoft.com/office/powerpoint/2010/main" val="884341838"/>
-      </p:ext>
-    </p:extLst>
-  </p:cSld>
-  <p:clrMapOvr>
-    <a:masterClrMapping/>
-  </p:clrMapOvr>
-  <p:timing>
-    <p:tnLst>
-      <p:par>
-        <p:cTn id="1" dur="indefinite" restart="never" nodeType="tmRoot"/>
-      </p:par>
-    </p:tnLst>
-  </p:timing>
-</p:sld>
-</file>
-
-<file path=ppt/slides/slide33.xml><?xml version="1.0" encoding="utf-8"?>
-<p:sld xmlns:a="http://schemas.openxmlformats.org/drawingml/2006/main" xmlns:r="http://schemas.openxmlformats.org/officeDocument/2006/relationships" xmlns:p="http://schemas.openxmlformats.org/presentationml/2006/main">
-  <p:cSld>
-    <p:spTree>
-      <p:nvGrpSpPr>
-        <p:cNvPr id="1" name=""/>
-        <p:cNvGrpSpPr/>
-        <p:nvPr/>
-      </p:nvGrpSpPr>
-      <p:grpSpPr>
-        <a:xfrm>
-          <a:off x="0" y="0"/>
-          <a:ext cx="0" cy="0"/>
-          <a:chOff x="0" y="0"/>
-          <a:chExt cx="0" cy="0"/>
-        </a:xfrm>
-      </p:grpSpPr>
-      <p:sp>
-        <p:nvSpPr>
-          <p:cNvPr id="2" name="제목 1"/>
-          <p:cNvSpPr>
-            <a:spLocks noGrp="1"/>
-          </p:cNvSpPr>
-          <p:nvPr>
-            <p:ph type="title"/>
-          </p:nvPr>
-        </p:nvSpPr>
-        <p:spPr/>
-        <p:txBody>
-          <a:bodyPr>
-            <a:normAutofit/>
-          </a:bodyPr>
-          <a:lstStyle/>
-          <a:p>
-            <a:r>
-              <a:rPr lang="en-US" altLang="ko-KR" sz="2800" dirty="0" smtClean="0"/>
-              <a:t> sys</a:t>
-            </a:r>
-            <a:r>
-              <a:rPr lang="ko-KR" altLang="en-US" sz="2800" dirty="0" smtClean="0"/>
-              <a:t> 모듈</a:t>
-            </a:r>
-            <a:r>
-              <a:rPr lang="en-US" altLang="ko-KR" sz="2800" dirty="0" smtClean="0"/>
-              <a:t>(Module)</a:t>
-            </a:r>
-            <a:endParaRPr lang="ko-KR" altLang="en-US" sz="2800" dirty="0"/>
-          </a:p>
-        </p:txBody>
-      </p:sp>
-      <p:sp>
-        <p:nvSpPr>
-          <p:cNvPr id="4" name="슬라이드 번호 개체 틀 3"/>
-          <p:cNvSpPr>
-            <a:spLocks noGrp="1"/>
-          </p:cNvSpPr>
-          <p:nvPr>
-            <p:ph type="sldNum" sz="quarter" idx="12"/>
-          </p:nvPr>
-        </p:nvSpPr>
-        <p:spPr/>
-        <p:txBody>
-          <a:bodyPr/>
-          <a:lstStyle/>
-          <a:p>
-            <a:fld id="{1BDE3FE7-3AEA-4B05-AC5A-802D1816ACF0}" type="slidenum">
-              <a:rPr lang="ko-KR" altLang="en-US" smtClean="0"/>
-              <a:t>33</a:t>
             </a:fld>
             <a:endParaRPr lang="ko-KR" altLang="en-US"/>
           </a:p>
@@ -13961,7 +13079,7 @@
 </p:sld>
 </file>
 
-<file path=ppt/slides/slide34.xml><?xml version="1.0" encoding="utf-8"?>
+<file path=ppt/slides/slide31.xml><?xml version="1.0" encoding="utf-8"?>
 <p:sld xmlns:a="http://schemas.openxmlformats.org/drawingml/2006/main" xmlns:r="http://schemas.openxmlformats.org/officeDocument/2006/relationships" xmlns:p="http://schemas.openxmlformats.org/presentationml/2006/main">
   <p:cSld>
     <p:spTree>
@@ -14028,7 +13146,7 @@
           <a:p>
             <a:fld id="{1BDE3FE7-3AEA-4B05-AC5A-802D1816ACF0}" type="slidenum">
               <a:rPr lang="ko-KR" altLang="en-US" smtClean="0"/>
-              <a:t>34</a:t>
+              <a:t>31</a:t>
             </a:fld>
             <a:endParaRPr lang="ko-KR" altLang="en-US"/>
           </a:p>
@@ -14243,7 +13361,7 @@
 </p:sld>
 </file>
 
-<file path=ppt/slides/slide35.xml><?xml version="1.0" encoding="utf-8"?>
+<file path=ppt/slides/slide32.xml><?xml version="1.0" encoding="utf-8"?>
 <p:sld xmlns:a="http://schemas.openxmlformats.org/drawingml/2006/main" xmlns:r="http://schemas.openxmlformats.org/officeDocument/2006/relationships" xmlns:p="http://schemas.openxmlformats.org/presentationml/2006/main">
   <p:cSld>
     <p:spTree>
@@ -14347,7 +13465,7 @@
           <a:p>
             <a:fld id="{1BDE3FE7-3AEA-4B05-AC5A-802D1816ACF0}" type="slidenum">
               <a:rPr lang="ko-KR" altLang="en-US" smtClean="0"/>
-              <a:t>35</a:t>
+              <a:t>32</a:t>
             </a:fld>
             <a:endParaRPr lang="ko-KR" altLang="en-US"/>
           </a:p>
@@ -15051,7 +14169,7 @@
 </p:sld>
 </file>
 
-<file path=ppt/slides/slide36.xml><?xml version="1.0" encoding="utf-8"?>
+<file path=ppt/slides/slide33.xml><?xml version="1.0" encoding="utf-8"?>
 <p:sld xmlns:a="http://schemas.openxmlformats.org/drawingml/2006/main" xmlns:r="http://schemas.openxmlformats.org/officeDocument/2006/relationships" xmlns:p="http://schemas.openxmlformats.org/presentationml/2006/main">
   <p:cSld>
     <p:spTree>
@@ -15118,7 +14236,7 @@
           <a:p>
             <a:fld id="{1BDE3FE7-3AEA-4B05-AC5A-802D1816ACF0}" type="slidenum">
               <a:rPr lang="ko-KR" altLang="en-US" smtClean="0"/>
-              <a:t>36</a:t>
+              <a:t>33</a:t>
             </a:fld>
             <a:endParaRPr lang="ko-KR" altLang="en-US"/>
           </a:p>
@@ -15356,7 +14474,7 @@
 </p:sld>
 </file>
 
-<file path=ppt/slides/slide37.xml><?xml version="1.0" encoding="utf-8"?>
+<file path=ppt/slides/slide34.xml><?xml version="1.0" encoding="utf-8"?>
 <p:sld xmlns:a="http://schemas.openxmlformats.org/drawingml/2006/main" xmlns:r="http://schemas.openxmlformats.org/officeDocument/2006/relationships" xmlns:p="http://schemas.openxmlformats.org/presentationml/2006/main">
   <p:cSld>
     <p:spTree>
@@ -15427,7 +14545,7 @@
           <a:p>
             <a:fld id="{1BDE3FE7-3AEA-4B05-AC5A-802D1816ACF0}" type="slidenum">
               <a:rPr lang="ko-KR" altLang="en-US" smtClean="0"/>
-              <a:t>37</a:t>
+              <a:t>34</a:t>
             </a:fld>
             <a:endParaRPr lang="ko-KR" altLang="en-US"/>
           </a:p>
@@ -15701,6 +14819,1185 @@
     <p:extLst>
       <p:ext uri="{BB962C8B-B14F-4D97-AF65-F5344CB8AC3E}">
         <p14:creationId xmlns:p14="http://schemas.microsoft.com/office/powerpoint/2010/main" val="2862846648"/>
+      </p:ext>
+    </p:extLst>
+  </p:cSld>
+  <p:clrMapOvr>
+    <a:masterClrMapping/>
+  </p:clrMapOvr>
+  <p:timing>
+    <p:tnLst>
+      <p:par>
+        <p:cTn id="1" dur="indefinite" restart="never" nodeType="tmRoot"/>
+      </p:par>
+    </p:tnLst>
+  </p:timing>
+</p:sld>
+</file>
+
+<file path=ppt/slides/slide35.xml><?xml version="1.0" encoding="utf-8"?>
+<p:sld xmlns:a="http://schemas.openxmlformats.org/drawingml/2006/main" xmlns:r="http://schemas.openxmlformats.org/officeDocument/2006/relationships" xmlns:p="http://schemas.openxmlformats.org/presentationml/2006/main">
+  <p:cSld>
+    <p:spTree>
+      <p:nvGrpSpPr>
+        <p:cNvPr id="1" name=""/>
+        <p:cNvGrpSpPr/>
+        <p:nvPr/>
+      </p:nvGrpSpPr>
+      <p:grpSpPr>
+        <a:xfrm>
+          <a:off x="0" y="0"/>
+          <a:ext cx="0" cy="0"/>
+          <a:chOff x="0" y="0"/>
+          <a:chExt cx="0" cy="0"/>
+        </a:xfrm>
+      </p:grpSpPr>
+      <p:sp>
+        <p:nvSpPr>
+          <p:cNvPr id="2" name="제목 1"/>
+          <p:cNvSpPr>
+            <a:spLocks noGrp="1"/>
+          </p:cNvSpPr>
+          <p:nvPr>
+            <p:ph type="title"/>
+          </p:nvPr>
+        </p:nvSpPr>
+        <p:spPr/>
+        <p:txBody>
+          <a:bodyPr>
+            <a:normAutofit/>
+          </a:bodyPr>
+          <a:lstStyle/>
+          <a:p>
+            <a:r>
+              <a:rPr lang="en-US" altLang="ko-KR" sz="2800" dirty="0" smtClean="0"/>
+              <a:t> </a:t>
+            </a:r>
+            <a:r>
+              <a:rPr lang="ko-KR" altLang="en-US" dirty="0" smtClean="0"/>
+              <a:t>모듈의 사용과 패키지</a:t>
+            </a:r>
+            <a:endParaRPr lang="ko-KR" altLang="en-US" sz="2800" dirty="0"/>
+          </a:p>
+        </p:txBody>
+      </p:sp>
+      <p:pic>
+        <p:nvPicPr>
+          <p:cNvPr id="3" name="그림 2"/>
+          <p:cNvPicPr>
+            <a:picLocks noChangeAspect="1"/>
+          </p:cNvPicPr>
+          <p:nvPr/>
+        </p:nvPicPr>
+        <p:blipFill>
+          <a:blip r:embed="rId2">
+            <a:extLst>
+              <a:ext uri="{28A0092B-C50C-407E-A947-70E740481C1C}">
+                <a14:useLocalDpi xmlns:a14="http://schemas.microsoft.com/office/drawing/2010/main" val="0"/>
+              </a:ext>
+            </a:extLst>
+          </a:blip>
+          <a:stretch>
+            <a:fillRect/>
+          </a:stretch>
+        </p:blipFill>
+        <p:spPr>
+          <a:xfrm>
+            <a:off x="3512840" y="3519383"/>
+            <a:ext cx="3642676" cy="2933954"/>
+          </a:xfrm>
+          <a:prstGeom prst="rect">
+            <a:avLst/>
+          </a:prstGeom>
+          <a:ln>
+            <a:solidFill>
+              <a:schemeClr val="bg1">
+                <a:lumMod val="85000"/>
+              </a:schemeClr>
+            </a:solidFill>
+          </a:ln>
+        </p:spPr>
+      </p:pic>
+      <p:sp>
+        <p:nvSpPr>
+          <p:cNvPr id="4" name="슬라이드 번호 개체 틀 3"/>
+          <p:cNvSpPr>
+            <a:spLocks noGrp="1"/>
+          </p:cNvSpPr>
+          <p:nvPr>
+            <p:ph type="sldNum" sz="quarter" idx="12"/>
+          </p:nvPr>
+        </p:nvSpPr>
+        <p:spPr/>
+        <p:txBody>
+          <a:bodyPr/>
+          <a:lstStyle/>
+          <a:p>
+            <a:fld id="{1BDE3FE7-3AEA-4B05-AC5A-802D1816ACF0}" type="slidenum">
+              <a:rPr lang="ko-KR" altLang="en-US" smtClean="0"/>
+              <a:t>35</a:t>
+            </a:fld>
+            <a:endParaRPr lang="ko-KR" altLang="en-US"/>
+          </a:p>
+        </p:txBody>
+      </p:sp>
+      <p:sp>
+        <p:nvSpPr>
+          <p:cNvPr id="16" name="직사각형 15"/>
+          <p:cNvSpPr/>
+          <p:nvPr/>
+        </p:nvSpPr>
+        <p:spPr>
+          <a:xfrm>
+            <a:off x="1064568" y="1052736"/>
+            <a:ext cx="7704856" cy="2369880"/>
+          </a:xfrm>
+          <a:prstGeom prst="rect">
+            <a:avLst/>
+          </a:prstGeom>
+        </p:spPr>
+        <p:txBody>
+          <a:bodyPr wrap="square">
+            <a:spAutoFit/>
+          </a:bodyPr>
+          <a:lstStyle/>
+          <a:p>
+            <a:pPr marL="342900" indent="-342900">
+              <a:lnSpc>
+                <a:spcPct val="200000"/>
+              </a:lnSpc>
+              <a:buFont typeface="Wingdings" panose="05000000000000000000" pitchFamily="2" charset="2"/>
+              <a:buChar char="u"/>
+            </a:pPr>
+            <a:r>
+              <a:rPr lang="ko-KR" altLang="en-US" sz="2000" b="1" dirty="0" smtClean="0">
+                <a:solidFill>
+                  <a:sysClr val="windowText" lastClr="000000"/>
+                </a:solidFill>
+              </a:rPr>
+              <a:t>모듈 </a:t>
+            </a:r>
+            <a:r>
+              <a:rPr lang="ko-KR" altLang="en-US" sz="2000" b="1" dirty="0">
+                <a:solidFill>
+                  <a:sysClr val="windowText" lastClr="000000"/>
+                </a:solidFill>
+              </a:rPr>
+              <a:t>사용방법</a:t>
+            </a:r>
+            <a:r>
+              <a:rPr lang="en-US" altLang="ko-KR" sz="2000" b="1" dirty="0">
+                <a:solidFill>
+                  <a:sysClr val="windowText" lastClr="000000"/>
+                </a:solidFill>
+              </a:rPr>
+              <a:t> </a:t>
+            </a:r>
+          </a:p>
+          <a:p>
+            <a:pPr>
+              <a:lnSpc>
+                <a:spcPct val="200000"/>
+              </a:lnSpc>
+            </a:pPr>
+            <a:r>
+              <a:rPr lang="en-US" altLang="ko-KR" sz="1400" dirty="0">
+                <a:solidFill>
+                  <a:sysClr val="windowText" lastClr="000000"/>
+                </a:solidFill>
+              </a:rPr>
+              <a:t>    </a:t>
+            </a:r>
+            <a:r>
+              <a:rPr lang="en-US" altLang="ko-KR" sz="1400" dirty="0" smtClean="0">
+                <a:solidFill>
+                  <a:sysClr val="windowText" lastClr="000000"/>
+                </a:solidFill>
+              </a:rPr>
+              <a:t> -</a:t>
+            </a:r>
+            <a:r>
+              <a:rPr lang="en-US" altLang="ko-KR" dirty="0" smtClean="0">
+                <a:solidFill>
+                  <a:sysClr val="windowText" lastClr="000000"/>
+                </a:solidFill>
+              </a:rPr>
+              <a:t> </a:t>
+            </a:r>
+            <a:r>
+              <a:rPr lang="en-US" altLang="ko-KR" b="1" dirty="0" smtClean="0">
+                <a:solidFill>
+                  <a:sysClr val="windowText" lastClr="000000"/>
+                </a:solidFill>
+              </a:rPr>
+              <a:t>import</a:t>
+            </a:r>
+            <a:r>
+              <a:rPr lang="en-US" altLang="ko-KR" dirty="0" smtClean="0">
+                <a:solidFill>
+                  <a:sysClr val="windowText" lastClr="000000"/>
+                </a:solidFill>
+              </a:rPr>
+              <a:t>  </a:t>
+            </a:r>
+            <a:r>
+              <a:rPr lang="ko-KR" altLang="en-US" dirty="0" smtClean="0">
+                <a:solidFill>
+                  <a:sysClr val="windowText" lastClr="000000"/>
+                </a:solidFill>
+              </a:rPr>
+              <a:t>모듈 이름</a:t>
+            </a:r>
+            <a:endParaRPr lang="en-US" altLang="ko-KR" dirty="0" smtClean="0">
+              <a:solidFill>
+                <a:sysClr val="windowText" lastClr="000000"/>
+              </a:solidFill>
+            </a:endParaRPr>
+          </a:p>
+          <a:p>
+            <a:pPr>
+              <a:lnSpc>
+                <a:spcPct val="200000"/>
+              </a:lnSpc>
+            </a:pPr>
+            <a:r>
+              <a:rPr lang="en-US" altLang="ko-KR" dirty="0" smtClean="0">
+                <a:solidFill>
+                  <a:sysClr val="windowText" lastClr="000000"/>
+                </a:solidFill>
+              </a:rPr>
+              <a:t>    - </a:t>
+            </a:r>
+            <a:r>
+              <a:rPr lang="en-US" altLang="ko-KR" b="1" dirty="0" smtClean="0">
+                <a:solidFill>
+                  <a:sysClr val="windowText" lastClr="000000"/>
+                </a:solidFill>
+              </a:rPr>
+              <a:t>from</a:t>
+            </a:r>
+            <a:r>
+              <a:rPr lang="en-US" altLang="ko-KR" dirty="0" smtClean="0">
+                <a:solidFill>
+                  <a:sysClr val="windowText" lastClr="000000"/>
+                </a:solidFill>
+              </a:rPr>
+              <a:t>  </a:t>
+            </a:r>
+            <a:r>
+              <a:rPr lang="ko-KR" altLang="en-US" dirty="0" smtClean="0">
+                <a:solidFill>
+                  <a:sysClr val="windowText" lastClr="000000"/>
+                </a:solidFill>
+              </a:rPr>
+              <a:t>패키지 이름  </a:t>
+            </a:r>
+            <a:r>
+              <a:rPr lang="en-US" altLang="ko-KR" b="1" dirty="0" smtClean="0">
+                <a:solidFill>
+                  <a:sysClr val="windowText" lastClr="000000"/>
+                </a:solidFill>
+              </a:rPr>
+              <a:t>import</a:t>
+            </a:r>
+            <a:r>
+              <a:rPr lang="en-US" altLang="ko-KR" dirty="0" smtClean="0">
+                <a:solidFill>
+                  <a:sysClr val="windowText" lastClr="000000"/>
+                </a:solidFill>
+              </a:rPr>
+              <a:t>  </a:t>
+            </a:r>
+            <a:r>
+              <a:rPr lang="ko-KR" altLang="en-US" dirty="0" smtClean="0">
+                <a:solidFill>
+                  <a:srgbClr val="C00000"/>
+                </a:solidFill>
+              </a:rPr>
+              <a:t>파일</a:t>
+            </a:r>
+            <a:r>
+              <a:rPr lang="en-US" altLang="ko-KR" dirty="0" smtClean="0">
+                <a:solidFill>
+                  <a:srgbClr val="C00000"/>
+                </a:solidFill>
+              </a:rPr>
+              <a:t>(</a:t>
+            </a:r>
+            <a:r>
+              <a:rPr lang="ko-KR" altLang="en-US" dirty="0" smtClean="0">
+                <a:solidFill>
+                  <a:srgbClr val="C00000"/>
+                </a:solidFill>
+              </a:rPr>
+              <a:t>모듈</a:t>
+            </a:r>
+            <a:r>
+              <a:rPr lang="en-US" altLang="ko-KR" dirty="0" smtClean="0">
+                <a:solidFill>
+                  <a:srgbClr val="C00000"/>
+                </a:solidFill>
+              </a:rPr>
+              <a:t>)</a:t>
+            </a:r>
+            <a:r>
+              <a:rPr lang="ko-KR" altLang="en-US" dirty="0" smtClean="0">
+                <a:solidFill>
+                  <a:srgbClr val="C00000"/>
+                </a:solidFill>
+              </a:rPr>
+              <a:t>이름</a:t>
+            </a:r>
+            <a:endParaRPr lang="en-US" altLang="ko-KR" dirty="0" smtClean="0">
+              <a:solidFill>
+                <a:srgbClr val="C00000"/>
+              </a:solidFill>
+            </a:endParaRPr>
+          </a:p>
+          <a:p>
+            <a:pPr>
+              <a:lnSpc>
+                <a:spcPct val="200000"/>
+              </a:lnSpc>
+            </a:pPr>
+            <a:r>
+              <a:rPr lang="en-US" altLang="ko-KR" dirty="0" smtClean="0">
+                <a:solidFill>
+                  <a:sysClr val="windowText" lastClr="000000"/>
+                </a:solidFill>
+              </a:rPr>
+              <a:t>    - </a:t>
+            </a:r>
+            <a:r>
+              <a:rPr lang="en-US" altLang="ko-KR" b="1" dirty="0" smtClean="0">
+                <a:solidFill>
+                  <a:sysClr val="windowText" lastClr="000000"/>
+                </a:solidFill>
+              </a:rPr>
+              <a:t>from </a:t>
+            </a:r>
+            <a:r>
+              <a:rPr lang="en-US" altLang="ko-KR" dirty="0" smtClean="0">
+                <a:solidFill>
+                  <a:sysClr val="windowText" lastClr="000000"/>
+                </a:solidFill>
+              </a:rPr>
+              <a:t> </a:t>
+            </a:r>
+            <a:r>
+              <a:rPr lang="ko-KR" altLang="en-US" dirty="0" err="1" smtClean="0">
+                <a:solidFill>
+                  <a:sysClr val="windowText" lastClr="000000"/>
+                </a:solidFill>
+              </a:rPr>
+              <a:t>패키지이름</a:t>
+            </a:r>
+            <a:r>
+              <a:rPr lang="en-US" altLang="ko-KR" dirty="0" smtClean="0">
+                <a:solidFill>
+                  <a:sysClr val="windowText" lastClr="000000"/>
+                </a:solidFill>
+              </a:rPr>
+              <a:t>.</a:t>
+            </a:r>
+            <a:r>
+              <a:rPr lang="ko-KR" altLang="en-US" dirty="0" smtClean="0">
+                <a:solidFill>
+                  <a:sysClr val="windowText" lastClr="000000"/>
+                </a:solidFill>
+              </a:rPr>
+              <a:t>파일이름  </a:t>
+            </a:r>
+            <a:r>
+              <a:rPr lang="en-US" altLang="ko-KR" b="1" dirty="0" smtClean="0">
+                <a:solidFill>
+                  <a:sysClr val="windowText" lastClr="000000"/>
+                </a:solidFill>
+              </a:rPr>
+              <a:t>import  </a:t>
+            </a:r>
+            <a:r>
+              <a:rPr lang="ko-KR" altLang="en-US" dirty="0" smtClean="0">
+                <a:solidFill>
+                  <a:srgbClr val="C00000"/>
+                </a:solidFill>
+              </a:rPr>
+              <a:t>함수</a:t>
+            </a:r>
+            <a:r>
+              <a:rPr lang="en-US" altLang="ko-KR" dirty="0" smtClean="0">
+                <a:solidFill>
+                  <a:srgbClr val="C00000"/>
+                </a:solidFill>
+              </a:rPr>
+              <a:t>, </a:t>
+            </a:r>
+            <a:r>
+              <a:rPr lang="ko-KR" altLang="en-US" dirty="0" smtClean="0">
+                <a:solidFill>
+                  <a:srgbClr val="C00000"/>
+                </a:solidFill>
+              </a:rPr>
+              <a:t>클래스</a:t>
+            </a:r>
+            <a:endParaRPr lang="ko-KR" altLang="en-US" dirty="0">
+              <a:solidFill>
+                <a:srgbClr val="C00000"/>
+              </a:solidFill>
+            </a:endParaRPr>
+          </a:p>
+        </p:txBody>
+      </p:sp>
+      <p:sp>
+        <p:nvSpPr>
+          <p:cNvPr id="13" name="TextBox 12"/>
+          <p:cNvSpPr txBox="1"/>
+          <p:nvPr/>
+        </p:nvSpPr>
+        <p:spPr>
+          <a:xfrm>
+            <a:off x="6465168" y="3908252"/>
+            <a:ext cx="1932008" cy="369332"/>
+          </a:xfrm>
+          <a:prstGeom prst="rect">
+            <a:avLst/>
+          </a:prstGeom>
+          <a:noFill/>
+        </p:spPr>
+        <p:txBody>
+          <a:bodyPr wrap="square" rtlCol="0">
+            <a:spAutoFit/>
+          </a:bodyPr>
+          <a:lstStyle/>
+          <a:p>
+            <a:r>
+              <a:rPr lang="en-US" altLang="ko-KR" dirty="0" smtClean="0">
+                <a:solidFill>
+                  <a:srgbClr val="FF0000"/>
+                </a:solidFill>
+              </a:rPr>
+              <a:t>myfunctions.py</a:t>
+            </a:r>
+            <a:endParaRPr lang="ko-KR" altLang="en-US" dirty="0">
+              <a:solidFill>
+                <a:srgbClr val="FF0000"/>
+              </a:solidFill>
+            </a:endParaRPr>
+          </a:p>
+        </p:txBody>
+      </p:sp>
+    </p:spTree>
+    <p:extLst>
+      <p:ext uri="{BB962C8B-B14F-4D97-AF65-F5344CB8AC3E}">
+        <p14:creationId xmlns:p14="http://schemas.microsoft.com/office/powerpoint/2010/main" val="2233142383"/>
+      </p:ext>
+    </p:extLst>
+  </p:cSld>
+  <p:clrMapOvr>
+    <a:masterClrMapping/>
+  </p:clrMapOvr>
+  <p:timing>
+    <p:tnLst>
+      <p:par>
+        <p:cTn id="1" dur="indefinite" restart="never" nodeType="tmRoot"/>
+      </p:par>
+    </p:tnLst>
+  </p:timing>
+</p:sld>
+</file>
+
+<file path=ppt/slides/slide36.xml><?xml version="1.0" encoding="utf-8"?>
+<p:sld xmlns:a="http://schemas.openxmlformats.org/drawingml/2006/main" xmlns:r="http://schemas.openxmlformats.org/officeDocument/2006/relationships" xmlns:p="http://schemas.openxmlformats.org/presentationml/2006/main">
+  <p:cSld>
+    <p:spTree>
+      <p:nvGrpSpPr>
+        <p:cNvPr id="1" name=""/>
+        <p:cNvGrpSpPr/>
+        <p:nvPr/>
+      </p:nvGrpSpPr>
+      <p:grpSpPr>
+        <a:xfrm>
+          <a:off x="0" y="0"/>
+          <a:ext cx="0" cy="0"/>
+          <a:chOff x="0" y="0"/>
+          <a:chExt cx="0" cy="0"/>
+        </a:xfrm>
+      </p:grpSpPr>
+      <p:sp>
+        <p:nvSpPr>
+          <p:cNvPr id="2" name="제목 1"/>
+          <p:cNvSpPr>
+            <a:spLocks noGrp="1"/>
+          </p:cNvSpPr>
+          <p:nvPr>
+            <p:ph type="title"/>
+          </p:nvPr>
+        </p:nvSpPr>
+        <p:spPr/>
+        <p:txBody>
+          <a:bodyPr>
+            <a:normAutofit/>
+          </a:bodyPr>
+          <a:lstStyle/>
+          <a:p>
+            <a:r>
+              <a:rPr lang="en-US" altLang="ko-KR" sz="2800" dirty="0" smtClean="0"/>
+              <a:t> </a:t>
+            </a:r>
+            <a:r>
+              <a:rPr lang="ko-KR" altLang="en-US" dirty="0" smtClean="0"/>
+              <a:t>모듈의 사용과 패키지</a:t>
+            </a:r>
+            <a:endParaRPr lang="ko-KR" altLang="en-US" sz="2800" dirty="0"/>
+          </a:p>
+        </p:txBody>
+      </p:sp>
+      <p:sp>
+        <p:nvSpPr>
+          <p:cNvPr id="4" name="슬라이드 번호 개체 틀 3"/>
+          <p:cNvSpPr>
+            <a:spLocks noGrp="1"/>
+          </p:cNvSpPr>
+          <p:nvPr>
+            <p:ph type="sldNum" sz="quarter" idx="12"/>
+          </p:nvPr>
+        </p:nvSpPr>
+        <p:spPr/>
+        <p:txBody>
+          <a:bodyPr/>
+          <a:lstStyle/>
+          <a:p>
+            <a:fld id="{1BDE3FE7-3AEA-4B05-AC5A-802D1816ACF0}" type="slidenum">
+              <a:rPr lang="ko-KR" altLang="en-US" smtClean="0"/>
+              <a:t>36</a:t>
+            </a:fld>
+            <a:endParaRPr lang="ko-KR" altLang="en-US"/>
+          </a:p>
+        </p:txBody>
+      </p:sp>
+      <p:sp>
+        <p:nvSpPr>
+          <p:cNvPr id="11" name="TextBox 10"/>
+          <p:cNvSpPr txBox="1"/>
+          <p:nvPr/>
+        </p:nvSpPr>
+        <p:spPr>
+          <a:xfrm>
+            <a:off x="1064569" y="1268760"/>
+            <a:ext cx="7056784" cy="509178"/>
+          </a:xfrm>
+          <a:prstGeom prst="rect">
+            <a:avLst/>
+          </a:prstGeom>
+          <a:noFill/>
+          <a:ln>
+            <a:noFill/>
+          </a:ln>
+        </p:spPr>
+        <p:style>
+          <a:lnRef idx="1">
+            <a:schemeClr val="accent3"/>
+          </a:lnRef>
+          <a:fillRef idx="2">
+            <a:schemeClr val="accent3"/>
+          </a:fillRef>
+          <a:effectRef idx="1">
+            <a:schemeClr val="accent3"/>
+          </a:effectRef>
+          <a:fontRef idx="minor">
+            <a:schemeClr val="dk1"/>
+          </a:fontRef>
+        </p:style>
+        <p:txBody>
+          <a:bodyPr wrap="square" rtlCol="0">
+            <a:spAutoFit/>
+          </a:bodyPr>
+          <a:lstStyle/>
+          <a:p>
+            <a:pPr marL="342900" indent="-342900">
+              <a:lnSpc>
+                <a:spcPct val="150000"/>
+              </a:lnSpc>
+              <a:buFont typeface="Wingdings" panose="05000000000000000000" pitchFamily="2" charset="2"/>
+              <a:buChar char="u"/>
+            </a:pPr>
+            <a:r>
+              <a:rPr lang="ko-KR" altLang="en-US" sz="2000" dirty="0" smtClean="0">
+                <a:latin typeface="휴먼엑스포" panose="02030504000101010101" pitchFamily="18" charset="-127"/>
+                <a:ea typeface="휴먼엑스포" panose="02030504000101010101" pitchFamily="18" charset="-127"/>
+              </a:rPr>
+              <a:t>모듈 만들고 사용하기</a:t>
+            </a:r>
+            <a:endParaRPr lang="en-US" altLang="ko-KR" sz="2000" dirty="0" smtClean="0">
+              <a:latin typeface="휴먼엑스포" panose="02030504000101010101" pitchFamily="18" charset="-127"/>
+              <a:ea typeface="휴먼엑스포" panose="02030504000101010101" pitchFamily="18" charset="-127"/>
+            </a:endParaRPr>
+          </a:p>
+        </p:txBody>
+      </p:sp>
+      <p:pic>
+        <p:nvPicPr>
+          <p:cNvPr id="3" name="그림 2"/>
+          <p:cNvPicPr>
+            <a:picLocks noChangeAspect="1"/>
+          </p:cNvPicPr>
+          <p:nvPr/>
+        </p:nvPicPr>
+        <p:blipFill>
+          <a:blip r:embed="rId2">
+            <a:extLst>
+              <a:ext uri="{28A0092B-C50C-407E-A947-70E740481C1C}">
+                <a14:useLocalDpi xmlns:a14="http://schemas.microsoft.com/office/drawing/2010/main" val="0"/>
+              </a:ext>
+            </a:extLst>
+          </a:blip>
+          <a:stretch>
+            <a:fillRect/>
+          </a:stretch>
+        </p:blipFill>
+        <p:spPr>
+          <a:xfrm>
+            <a:off x="1845713" y="1965120"/>
+            <a:ext cx="5494496" cy="4366638"/>
+          </a:xfrm>
+          <a:prstGeom prst="rect">
+            <a:avLst/>
+          </a:prstGeom>
+          <a:ln>
+            <a:solidFill>
+              <a:schemeClr val="bg1">
+                <a:lumMod val="85000"/>
+              </a:schemeClr>
+            </a:solidFill>
+          </a:ln>
+        </p:spPr>
+      </p:pic>
+      <p:sp>
+        <p:nvSpPr>
+          <p:cNvPr id="6" name="TextBox 5"/>
+          <p:cNvSpPr txBox="1"/>
+          <p:nvPr/>
+        </p:nvSpPr>
+        <p:spPr>
+          <a:xfrm>
+            <a:off x="6609184" y="2708920"/>
+            <a:ext cx="1932008" cy="369332"/>
+          </a:xfrm>
+          <a:prstGeom prst="rect">
+            <a:avLst/>
+          </a:prstGeom>
+          <a:noFill/>
+        </p:spPr>
+        <p:txBody>
+          <a:bodyPr wrap="square" rtlCol="0">
+            <a:spAutoFit/>
+          </a:bodyPr>
+          <a:lstStyle/>
+          <a:p>
+            <a:r>
+              <a:rPr lang="en-US" altLang="ko-KR" dirty="0">
+                <a:solidFill>
+                  <a:srgbClr val="FF0000"/>
+                </a:solidFill>
+              </a:rPr>
+              <a:t>u</a:t>
+            </a:r>
+            <a:r>
+              <a:rPr lang="en-US" altLang="ko-KR" dirty="0" smtClean="0">
+                <a:solidFill>
+                  <a:srgbClr val="FF0000"/>
+                </a:solidFill>
+              </a:rPr>
+              <a:t>se_module.py</a:t>
+            </a:r>
+            <a:endParaRPr lang="ko-KR" altLang="en-US" dirty="0">
+              <a:solidFill>
+                <a:srgbClr val="FF0000"/>
+              </a:solidFill>
+            </a:endParaRPr>
+          </a:p>
+        </p:txBody>
+      </p:sp>
+    </p:spTree>
+    <p:extLst>
+      <p:ext uri="{BB962C8B-B14F-4D97-AF65-F5344CB8AC3E}">
+        <p14:creationId xmlns:p14="http://schemas.microsoft.com/office/powerpoint/2010/main" val="2371043522"/>
+      </p:ext>
+    </p:extLst>
+  </p:cSld>
+  <p:clrMapOvr>
+    <a:masterClrMapping/>
+  </p:clrMapOvr>
+  <p:timing>
+    <p:tnLst>
+      <p:par>
+        <p:cTn id="1" dur="indefinite" restart="never" nodeType="tmRoot"/>
+      </p:par>
+    </p:tnLst>
+  </p:timing>
+</p:sld>
+</file>
+
+<file path=ppt/slides/slide37.xml><?xml version="1.0" encoding="utf-8"?>
+<p:sld xmlns:a="http://schemas.openxmlformats.org/drawingml/2006/main" xmlns:r="http://schemas.openxmlformats.org/officeDocument/2006/relationships" xmlns:p="http://schemas.openxmlformats.org/presentationml/2006/main">
+  <p:cSld>
+    <p:spTree>
+      <p:nvGrpSpPr>
+        <p:cNvPr id="1" name=""/>
+        <p:cNvGrpSpPr/>
+        <p:nvPr/>
+      </p:nvGrpSpPr>
+      <p:grpSpPr>
+        <a:xfrm>
+          <a:off x="0" y="0"/>
+          <a:ext cx="0" cy="0"/>
+          <a:chOff x="0" y="0"/>
+          <a:chExt cx="0" cy="0"/>
+        </a:xfrm>
+      </p:grpSpPr>
+      <p:sp>
+        <p:nvSpPr>
+          <p:cNvPr id="2" name="제목 1"/>
+          <p:cNvSpPr>
+            <a:spLocks noGrp="1"/>
+          </p:cNvSpPr>
+          <p:nvPr>
+            <p:ph type="title"/>
+          </p:nvPr>
+        </p:nvSpPr>
+        <p:spPr/>
+        <p:txBody>
+          <a:bodyPr>
+            <a:normAutofit/>
+          </a:bodyPr>
+          <a:lstStyle/>
+          <a:p>
+            <a:r>
+              <a:rPr lang="en-US" altLang="ko-KR" sz="2800" dirty="0" smtClean="0"/>
+              <a:t> </a:t>
+            </a:r>
+            <a:r>
+              <a:rPr lang="ko-KR" altLang="en-US" sz="2800" dirty="0" smtClean="0"/>
+              <a:t>패키지</a:t>
+            </a:r>
+            <a:r>
+              <a:rPr lang="en-US" altLang="ko-KR" dirty="0" smtClean="0"/>
+              <a:t>(package)</a:t>
+            </a:r>
+            <a:endParaRPr lang="ko-KR" altLang="en-US" sz="2800" dirty="0"/>
+          </a:p>
+        </p:txBody>
+      </p:sp>
+      <p:sp>
+        <p:nvSpPr>
+          <p:cNvPr id="4" name="슬라이드 번호 개체 틀 3"/>
+          <p:cNvSpPr>
+            <a:spLocks noGrp="1"/>
+          </p:cNvSpPr>
+          <p:nvPr>
+            <p:ph type="sldNum" sz="quarter" idx="12"/>
+          </p:nvPr>
+        </p:nvSpPr>
+        <p:spPr/>
+        <p:txBody>
+          <a:bodyPr/>
+          <a:lstStyle/>
+          <a:p>
+            <a:fld id="{1BDE3FE7-3AEA-4B05-AC5A-802D1816ACF0}" type="slidenum">
+              <a:rPr lang="ko-KR" altLang="en-US" smtClean="0"/>
+              <a:t>37</a:t>
+            </a:fld>
+            <a:endParaRPr lang="ko-KR" altLang="en-US"/>
+          </a:p>
+        </p:txBody>
+      </p:sp>
+      <p:sp>
+        <p:nvSpPr>
+          <p:cNvPr id="11" name="TextBox 10"/>
+          <p:cNvSpPr txBox="1"/>
+          <p:nvPr/>
+        </p:nvSpPr>
+        <p:spPr>
+          <a:xfrm>
+            <a:off x="1064569" y="1268760"/>
+            <a:ext cx="7056784" cy="1384995"/>
+          </a:xfrm>
+          <a:prstGeom prst="rect">
+            <a:avLst/>
+          </a:prstGeom>
+          <a:noFill/>
+          <a:ln>
+            <a:noFill/>
+          </a:ln>
+        </p:spPr>
+        <p:style>
+          <a:lnRef idx="1">
+            <a:schemeClr val="accent3"/>
+          </a:lnRef>
+          <a:fillRef idx="2">
+            <a:schemeClr val="accent3"/>
+          </a:fillRef>
+          <a:effectRef idx="1">
+            <a:schemeClr val="accent3"/>
+          </a:effectRef>
+          <a:fontRef idx="minor">
+            <a:schemeClr val="dk1"/>
+          </a:fontRef>
+        </p:style>
+        <p:txBody>
+          <a:bodyPr wrap="square" rtlCol="0">
+            <a:spAutoFit/>
+          </a:bodyPr>
+          <a:lstStyle/>
+          <a:p>
+            <a:pPr marL="342900" indent="-342900">
+              <a:lnSpc>
+                <a:spcPct val="150000"/>
+              </a:lnSpc>
+              <a:buFont typeface="Wingdings" panose="05000000000000000000" pitchFamily="2" charset="2"/>
+              <a:buChar char="u"/>
+            </a:pPr>
+            <a:r>
+              <a:rPr lang="ko-KR" altLang="en-US" sz="2000" dirty="0" smtClean="0">
+                <a:latin typeface="휴먼엑스포" panose="02030504000101010101" pitchFamily="18" charset="-127"/>
+                <a:ea typeface="휴먼엑스포" panose="02030504000101010101" pitchFamily="18" charset="-127"/>
+              </a:rPr>
+              <a:t>패키지</a:t>
+            </a:r>
+            <a:r>
+              <a:rPr lang="en-US" altLang="ko-KR" sz="2000" dirty="0" smtClean="0">
+                <a:latin typeface="휴먼엑스포" panose="02030504000101010101" pitchFamily="18" charset="-127"/>
+                <a:ea typeface="휴먼엑스포" panose="02030504000101010101" pitchFamily="18" charset="-127"/>
+              </a:rPr>
+              <a:t>(package)</a:t>
+            </a:r>
+          </a:p>
+          <a:p>
+            <a:pPr>
+              <a:lnSpc>
+                <a:spcPct val="150000"/>
+              </a:lnSpc>
+            </a:pPr>
+            <a:r>
+              <a:rPr lang="en-US" altLang="ko-KR" dirty="0" smtClean="0">
+                <a:latin typeface="휴먼엑스포" panose="02030504000101010101" pitchFamily="18" charset="-127"/>
+                <a:ea typeface="휴먼엑스포" panose="02030504000101010101" pitchFamily="18" charset="-127"/>
+              </a:rPr>
+              <a:t>   </a:t>
+            </a:r>
+            <a:r>
+              <a:rPr lang="en-US" altLang="ko-KR" dirty="0" smtClean="0">
+                <a:latin typeface="+mn-ea"/>
+              </a:rPr>
+              <a:t>- </a:t>
+            </a:r>
+            <a:r>
+              <a:rPr lang="ko-KR" altLang="en-US" dirty="0" smtClean="0">
+                <a:latin typeface="+mn-ea"/>
+              </a:rPr>
+              <a:t>모듈</a:t>
+            </a:r>
+            <a:r>
+              <a:rPr lang="en-US" altLang="ko-KR" dirty="0" smtClean="0">
+                <a:latin typeface="+mn-ea"/>
+              </a:rPr>
+              <a:t>(</a:t>
+            </a:r>
+            <a:r>
+              <a:rPr lang="ko-KR" altLang="en-US" dirty="0" smtClean="0">
+                <a:latin typeface="+mn-ea"/>
+              </a:rPr>
+              <a:t>파일</a:t>
+            </a:r>
+            <a:r>
+              <a:rPr lang="en-US" altLang="ko-KR" dirty="0" smtClean="0">
+                <a:latin typeface="+mn-ea"/>
+              </a:rPr>
+              <a:t>)</a:t>
+            </a:r>
+            <a:r>
+              <a:rPr lang="ko-KR" altLang="en-US" dirty="0" smtClean="0">
+                <a:latin typeface="+mn-ea"/>
+              </a:rPr>
+              <a:t>을 모아 놓은 디렉터리를 </a:t>
+            </a:r>
+            <a:r>
+              <a:rPr lang="ko-KR" altLang="en-US" b="1" dirty="0" smtClean="0">
+                <a:latin typeface="+mn-ea"/>
+              </a:rPr>
+              <a:t>패키지</a:t>
+            </a:r>
+            <a:r>
+              <a:rPr lang="ko-KR" altLang="en-US" dirty="0" smtClean="0">
+                <a:latin typeface="+mn-ea"/>
+              </a:rPr>
+              <a:t>라 한다</a:t>
+            </a:r>
+            <a:r>
+              <a:rPr lang="en-US" altLang="ko-KR" dirty="0" smtClean="0">
+                <a:latin typeface="+mn-ea"/>
+              </a:rPr>
+              <a:t>.</a:t>
+            </a:r>
+          </a:p>
+          <a:p>
+            <a:pPr>
+              <a:lnSpc>
+                <a:spcPct val="150000"/>
+              </a:lnSpc>
+            </a:pPr>
+            <a:r>
+              <a:rPr lang="en-US" altLang="ko-KR" dirty="0">
+                <a:latin typeface="+mn-ea"/>
+              </a:rPr>
+              <a:t> </a:t>
+            </a:r>
+            <a:r>
+              <a:rPr lang="en-US" altLang="ko-KR" dirty="0" smtClean="0">
+                <a:latin typeface="+mn-ea"/>
+              </a:rPr>
+              <a:t>   - </a:t>
+            </a:r>
+            <a:r>
+              <a:rPr lang="ko-KR" altLang="en-US" dirty="0" err="1" smtClean="0">
+                <a:latin typeface="+mn-ea"/>
+              </a:rPr>
+              <a:t>파이썬의</a:t>
+            </a:r>
+            <a:r>
+              <a:rPr lang="ko-KR" altLang="en-US" dirty="0" smtClean="0">
+                <a:latin typeface="+mn-ea"/>
+              </a:rPr>
+              <a:t> 패키지로 인식되려면 </a:t>
+            </a:r>
+            <a:r>
+              <a:rPr lang="en-US" altLang="ko-KR" dirty="0" smtClean="0">
+                <a:solidFill>
+                  <a:srgbClr val="C00000"/>
+                </a:solidFill>
+                <a:latin typeface="+mn-ea"/>
+              </a:rPr>
+              <a:t>__init__.py</a:t>
+            </a:r>
+            <a:r>
+              <a:rPr lang="ko-KR" altLang="en-US" dirty="0" smtClean="0">
+                <a:latin typeface="+mn-ea"/>
+              </a:rPr>
+              <a:t>을 포함해야 한다</a:t>
+            </a:r>
+            <a:r>
+              <a:rPr lang="en-US" altLang="ko-KR" dirty="0" smtClean="0">
+                <a:latin typeface="+mn-ea"/>
+              </a:rPr>
+              <a:t>.</a:t>
+            </a:r>
+            <a:r>
+              <a:rPr lang="ko-KR" altLang="en-US" dirty="0" smtClean="0">
+                <a:latin typeface="+mn-ea"/>
+              </a:rPr>
+              <a:t> </a:t>
+            </a:r>
+            <a:r>
+              <a:rPr lang="ko-KR" altLang="en-US" dirty="0" smtClean="0">
+                <a:latin typeface="휴먼엑스포" panose="02030504000101010101" pitchFamily="18" charset="-127"/>
+                <a:ea typeface="휴먼엑스포" panose="02030504000101010101" pitchFamily="18" charset="-127"/>
+              </a:rPr>
+              <a:t> </a:t>
+            </a:r>
+            <a:endParaRPr lang="en-US" altLang="ko-KR" dirty="0" smtClean="0">
+              <a:latin typeface="휴먼엑스포" panose="02030504000101010101" pitchFamily="18" charset="-127"/>
+              <a:ea typeface="휴먼엑스포" panose="02030504000101010101" pitchFamily="18" charset="-127"/>
+            </a:endParaRPr>
+          </a:p>
+        </p:txBody>
+      </p:sp>
+      <p:pic>
+        <p:nvPicPr>
+          <p:cNvPr id="12" name="그림 11"/>
+          <p:cNvPicPr>
+            <a:picLocks noChangeAspect="1"/>
+          </p:cNvPicPr>
+          <p:nvPr/>
+        </p:nvPicPr>
+        <p:blipFill>
+          <a:blip r:embed="rId2">
+            <a:extLst>
+              <a:ext uri="{28A0092B-C50C-407E-A947-70E740481C1C}">
+                <a14:useLocalDpi xmlns:a14="http://schemas.microsoft.com/office/drawing/2010/main" val="0"/>
+              </a:ext>
+            </a:extLst>
+          </a:blip>
+          <a:stretch>
+            <a:fillRect/>
+          </a:stretch>
+        </p:blipFill>
+        <p:spPr>
+          <a:xfrm>
+            <a:off x="1712640" y="2996952"/>
+            <a:ext cx="2471502" cy="1440160"/>
+          </a:xfrm>
+          <a:prstGeom prst="rect">
+            <a:avLst/>
+          </a:prstGeom>
+          <a:ln>
+            <a:solidFill>
+              <a:schemeClr val="bg1">
+                <a:lumMod val="85000"/>
+              </a:schemeClr>
+            </a:solidFill>
+          </a:ln>
+        </p:spPr>
+      </p:pic>
+      <p:sp>
+        <p:nvSpPr>
+          <p:cNvPr id="14" name="TextBox 13"/>
+          <p:cNvSpPr txBox="1"/>
+          <p:nvPr/>
+        </p:nvSpPr>
+        <p:spPr>
+          <a:xfrm>
+            <a:off x="4634812" y="3255367"/>
+            <a:ext cx="3990595" cy="646331"/>
+          </a:xfrm>
+          <a:prstGeom prst="rect">
+            <a:avLst/>
+          </a:prstGeom>
+          <a:noFill/>
+        </p:spPr>
+        <p:txBody>
+          <a:bodyPr wrap="square" rtlCol="0">
+            <a:spAutoFit/>
+          </a:bodyPr>
+          <a:lstStyle/>
+          <a:p>
+            <a:r>
+              <a:rPr lang="en-US" altLang="ko-KR" dirty="0" smtClean="0"/>
+              <a:t>__</a:t>
+            </a:r>
+            <a:r>
+              <a:rPr lang="en-US" altLang="ko-KR" dirty="0" err="1" smtClean="0"/>
+              <a:t>init</a:t>
+            </a:r>
+            <a:r>
+              <a:rPr lang="en-US" altLang="ko-KR" dirty="0" smtClean="0"/>
+              <a:t>__</a:t>
+            </a:r>
+            <a:r>
+              <a:rPr lang="en-US" altLang="ko-KR" dirty="0" err="1" smtClean="0"/>
+              <a:t>py</a:t>
+            </a:r>
+            <a:r>
+              <a:rPr lang="ko-KR" altLang="en-US" dirty="0" smtClean="0">
+                <a:solidFill>
+                  <a:srgbClr val="C00000"/>
+                </a:solidFill>
+              </a:rPr>
+              <a:t>엔 아무 내용이 없지만</a:t>
+            </a:r>
+            <a:r>
+              <a:rPr lang="en-US" altLang="ko-KR" dirty="0" smtClean="0">
+                <a:solidFill>
+                  <a:srgbClr val="C00000"/>
+                </a:solidFill>
+              </a:rPr>
+              <a:t>, </a:t>
+            </a:r>
+            <a:r>
+              <a:rPr lang="ko-KR" altLang="en-US" dirty="0" smtClean="0">
+                <a:solidFill>
+                  <a:srgbClr val="C00000"/>
+                </a:solidFill>
+              </a:rPr>
+              <a:t>삭제하면 작동하지 않음</a:t>
+            </a:r>
+            <a:endParaRPr lang="ko-KR" altLang="en-US" dirty="0">
+              <a:solidFill>
+                <a:srgbClr val="C00000"/>
+              </a:solidFill>
+            </a:endParaRPr>
+          </a:p>
+        </p:txBody>
+      </p:sp>
+      <p:cxnSp>
+        <p:nvCxnSpPr>
+          <p:cNvPr id="15" name="직선 화살표 연결선 14"/>
+          <p:cNvCxnSpPr>
+            <a:stCxn id="14" idx="1"/>
+          </p:cNvCxnSpPr>
+          <p:nvPr/>
+        </p:nvCxnSpPr>
+        <p:spPr>
+          <a:xfrm flipH="1">
+            <a:off x="3728864" y="3578533"/>
+            <a:ext cx="905948" cy="138499"/>
+          </a:xfrm>
+          <a:prstGeom prst="straightConnector1">
+            <a:avLst/>
+          </a:prstGeom>
+          <a:ln w="12700">
+            <a:solidFill>
+              <a:srgbClr val="C00000"/>
+            </a:solidFill>
+            <a:prstDash val="sysDash"/>
+            <a:tailEnd type="triangle"/>
+          </a:ln>
+        </p:spPr>
+        <p:style>
+          <a:lnRef idx="1">
+            <a:schemeClr val="accent1"/>
+          </a:lnRef>
+          <a:fillRef idx="0">
+            <a:schemeClr val="accent1"/>
+          </a:fillRef>
+          <a:effectRef idx="0">
+            <a:schemeClr val="accent1"/>
+          </a:effectRef>
+          <a:fontRef idx="minor">
+            <a:schemeClr val="tx1"/>
+          </a:fontRef>
+        </p:style>
+      </p:cxnSp>
+      <p:pic>
+        <p:nvPicPr>
+          <p:cNvPr id="3" name="그림 2"/>
+          <p:cNvPicPr>
+            <a:picLocks noChangeAspect="1"/>
+          </p:cNvPicPr>
+          <p:nvPr/>
+        </p:nvPicPr>
+        <p:blipFill>
+          <a:blip r:embed="rId3">
+            <a:extLst>
+              <a:ext uri="{28A0092B-C50C-407E-A947-70E740481C1C}">
+                <a14:useLocalDpi xmlns:a14="http://schemas.microsoft.com/office/drawing/2010/main" val="0"/>
+              </a:ext>
+            </a:extLst>
+          </a:blip>
+          <a:stretch>
+            <a:fillRect/>
+          </a:stretch>
+        </p:blipFill>
+        <p:spPr>
+          <a:xfrm>
+            <a:off x="1712640" y="4653134"/>
+            <a:ext cx="5326842" cy="1585097"/>
+          </a:xfrm>
+          <a:prstGeom prst="rect">
+            <a:avLst/>
+          </a:prstGeom>
+          <a:ln>
+            <a:solidFill>
+              <a:schemeClr val="bg1">
+                <a:lumMod val="85000"/>
+              </a:schemeClr>
+            </a:solidFill>
+          </a:ln>
+        </p:spPr>
+      </p:pic>
+    </p:spTree>
+    <p:extLst>
+      <p:ext uri="{BB962C8B-B14F-4D97-AF65-F5344CB8AC3E}">
+        <p14:creationId xmlns:p14="http://schemas.microsoft.com/office/powerpoint/2010/main" val="4020205870"/>
       </p:ext>
     </p:extLst>
   </p:cSld>
@@ -15756,10 +16053,157 @@
               <a:t> </a:t>
             </a:r>
             <a:r>
+              <a:rPr lang="ko-KR" altLang="en-US" sz="2800" dirty="0" smtClean="0"/>
+              <a:t>모듈</a:t>
+            </a:r>
+            <a:r>
+              <a:rPr lang="en-US" altLang="ko-KR" sz="2800" dirty="0" smtClean="0"/>
+              <a:t>(Module) </a:t>
+            </a:r>
+            <a:r>
               <a:rPr lang="ko-KR" altLang="en-US" dirty="0" smtClean="0"/>
-              <a:t>모듈의 사용과 패키지</a:t>
+              <a:t>만들</a:t>
+            </a:r>
+            <a:r>
+              <a:rPr lang="ko-KR" altLang="en-US" dirty="0"/>
+              <a:t>기</a:t>
             </a:r>
             <a:endParaRPr lang="ko-KR" altLang="en-US" sz="2800" dirty="0"/>
+          </a:p>
+        </p:txBody>
+      </p:sp>
+      <p:sp>
+        <p:nvSpPr>
+          <p:cNvPr id="4" name="슬라이드 번호 개체 틀 3"/>
+          <p:cNvSpPr>
+            <a:spLocks noGrp="1"/>
+          </p:cNvSpPr>
+          <p:nvPr>
+            <p:ph type="sldNum" sz="quarter" idx="12"/>
+          </p:nvPr>
+        </p:nvSpPr>
+        <p:spPr/>
+        <p:txBody>
+          <a:bodyPr/>
+          <a:lstStyle/>
+          <a:p>
+            <a:fld id="{1BDE3FE7-3AEA-4B05-AC5A-802D1816ACF0}" type="slidenum">
+              <a:rPr lang="ko-KR" altLang="en-US" smtClean="0"/>
+              <a:t>38</a:t>
+            </a:fld>
+            <a:endParaRPr lang="ko-KR" altLang="en-US"/>
+          </a:p>
+        </p:txBody>
+      </p:sp>
+      <p:sp>
+        <p:nvSpPr>
+          <p:cNvPr id="11" name="모서리가 둥근 직사각형 10"/>
+          <p:cNvSpPr/>
+          <p:nvPr/>
+        </p:nvSpPr>
+        <p:spPr>
+          <a:xfrm>
+            <a:off x="5169024" y="2017924"/>
+            <a:ext cx="1181638" cy="304674"/>
+          </a:xfrm>
+          <a:prstGeom prst="roundRect">
+            <a:avLst/>
+          </a:prstGeom>
+          <a:ln w="12700">
+            <a:noFill/>
+          </a:ln>
+        </p:spPr>
+        <p:style>
+          <a:lnRef idx="2">
+            <a:schemeClr val="accent4"/>
+          </a:lnRef>
+          <a:fillRef idx="1">
+            <a:schemeClr val="lt1"/>
+          </a:fillRef>
+          <a:effectRef idx="0">
+            <a:schemeClr val="accent4"/>
+          </a:effectRef>
+          <a:fontRef idx="minor">
+            <a:schemeClr val="dk1"/>
+          </a:fontRef>
+        </p:style>
+        <p:txBody>
+          <a:bodyPr rtlCol="0" anchor="ctr"/>
+          <a:lstStyle/>
+          <a:p>
+            <a:r>
+              <a:rPr lang="en-US" altLang="ko-KR" dirty="0">
+                <a:solidFill>
+                  <a:sysClr val="windowText" lastClr="000000"/>
+                </a:solidFill>
+              </a:rPr>
+              <a:t>f</a:t>
+            </a:r>
+            <a:r>
+              <a:rPr lang="en-US" altLang="ko-KR" dirty="0" smtClean="0">
+                <a:solidFill>
+                  <a:sysClr val="windowText" lastClr="000000"/>
+                </a:solidFill>
+              </a:rPr>
+              <a:t>ood.py</a:t>
+            </a:r>
+            <a:endParaRPr lang="ko-KR" altLang="en-US" dirty="0">
+              <a:solidFill>
+                <a:sysClr val="windowText" lastClr="000000"/>
+              </a:solidFill>
+            </a:endParaRPr>
+          </a:p>
+        </p:txBody>
+      </p:sp>
+      <p:sp>
+        <p:nvSpPr>
+          <p:cNvPr id="13" name="모서리가 둥근 직사각형 12"/>
+          <p:cNvSpPr/>
+          <p:nvPr/>
+        </p:nvSpPr>
+        <p:spPr>
+          <a:xfrm>
+            <a:off x="1911185" y="2002963"/>
+            <a:ext cx="1568310" cy="301513"/>
+          </a:xfrm>
+          <a:prstGeom prst="roundRect">
+            <a:avLst/>
+          </a:prstGeom>
+          <a:ln w="12700">
+            <a:noFill/>
+          </a:ln>
+        </p:spPr>
+        <p:style>
+          <a:lnRef idx="2">
+            <a:schemeClr val="accent4"/>
+          </a:lnRef>
+          <a:fillRef idx="1">
+            <a:schemeClr val="lt1"/>
+          </a:fillRef>
+          <a:effectRef idx="0">
+            <a:schemeClr val="accent4"/>
+          </a:effectRef>
+          <a:fontRef idx="minor">
+            <a:schemeClr val="dk1"/>
+          </a:fontRef>
+        </p:style>
+        <p:txBody>
+          <a:bodyPr rtlCol="0" anchor="ctr"/>
+          <a:lstStyle/>
+          <a:p>
+            <a:r>
+              <a:rPr lang="en-US" altLang="ko-KR" dirty="0" smtClean="0">
+                <a:solidFill>
+                  <a:sysClr val="windowText" lastClr="000000"/>
+                </a:solidFill>
+              </a:rPr>
+              <a:t>calculator.py</a:t>
+            </a:r>
+            <a:endParaRPr lang="ko-KR" altLang="en-US" dirty="0">
+              <a:solidFill>
+                <a:sysClr val="windowText" lastClr="000000"/>
+              </a:solidFill>
+            </a:endParaRPr>
           </a:p>
         </p:txBody>
       </p:sp>
@@ -15785,8 +16229,8 @@
         </p:blipFill>
         <p:spPr>
           <a:xfrm>
-            <a:off x="3512840" y="3519383"/>
-            <a:ext cx="3642676" cy="2933954"/>
+            <a:off x="5186941" y="2572556"/>
+            <a:ext cx="2133785" cy="1943269"/>
           </a:xfrm>
           <a:prstGeom prst="rect">
             <a:avLst/>
@@ -15800,378 +16244,115 @@
           </a:ln>
         </p:spPr>
       </p:pic>
-      <p:sp>
-        <p:nvSpPr>
-          <p:cNvPr id="4" name="슬라이드 번호 개체 틀 3"/>
-          <p:cNvSpPr>
-            <a:spLocks noGrp="1"/>
-          </p:cNvSpPr>
-          <p:nvPr>
-            <p:ph type="sldNum" sz="quarter" idx="12"/>
-          </p:nvPr>
-        </p:nvSpPr>
-        <p:spPr/>
-        <p:txBody>
-          <a:bodyPr/>
-          <a:lstStyle/>
-          <a:p>
-            <a:fld id="{1BDE3FE7-3AEA-4B05-AC5A-802D1816ACF0}" type="slidenum">
-              <a:rPr lang="ko-KR" altLang="en-US" smtClean="0"/>
-              <a:t>38</a:t>
-            </a:fld>
-            <a:endParaRPr lang="ko-KR" altLang="en-US"/>
-          </a:p>
-        </p:txBody>
-      </p:sp>
-      <p:sp>
-        <p:nvSpPr>
-          <p:cNvPr id="16" name="직사각형 15"/>
-          <p:cNvSpPr/>
+      <p:pic>
+        <p:nvPicPr>
+          <p:cNvPr id="5" name="그림 4"/>
+          <p:cNvPicPr>
+            <a:picLocks noChangeAspect="1"/>
+          </p:cNvPicPr>
           <p:nvPr/>
-        </p:nvSpPr>
+        </p:nvPicPr>
+        <p:blipFill>
+          <a:blip r:embed="rId3">
+            <a:extLst>
+              <a:ext uri="{28A0092B-C50C-407E-A947-70E740481C1C}">
+                <a14:useLocalDpi xmlns:a14="http://schemas.microsoft.com/office/drawing/2010/main" val="0"/>
+              </a:ext>
+            </a:extLst>
+          </a:blip>
+          <a:stretch>
+            <a:fillRect/>
+          </a:stretch>
+        </p:blipFill>
         <p:spPr>
           <a:xfrm>
-            <a:off x="1064568" y="1052736"/>
-            <a:ext cx="7704856" cy="2369880"/>
+            <a:off x="1885761" y="2572556"/>
+            <a:ext cx="2203143" cy="3304716"/>
           </a:xfrm>
           <a:prstGeom prst="rect">
             <a:avLst/>
           </a:prstGeom>
+          <a:ln>
+            <a:solidFill>
+              <a:schemeClr val="bg1">
+                <a:lumMod val="85000"/>
+              </a:schemeClr>
+            </a:solidFill>
+          </a:ln>
         </p:spPr>
-        <p:txBody>
-          <a:bodyPr wrap="square">
-            <a:spAutoFit/>
-          </a:bodyPr>
-          <a:lstStyle/>
-          <a:p>
-            <a:pPr marL="342900" indent="-342900">
-              <a:lnSpc>
-                <a:spcPct val="200000"/>
-              </a:lnSpc>
-              <a:buFont typeface="Wingdings" panose="05000000000000000000" pitchFamily="2" charset="2"/>
-              <a:buChar char="u"/>
-            </a:pPr>
-            <a:r>
-              <a:rPr lang="ko-KR" altLang="en-US" sz="2000" b="1" dirty="0" smtClean="0">
+      </p:pic>
+      <p:sp>
+        <p:nvSpPr>
+          <p:cNvPr id="8" name="모서리가 둥근 직사각형 7"/>
+          <p:cNvSpPr/>
+          <p:nvPr/>
+        </p:nvSpPr>
+        <p:spPr>
+          <a:xfrm>
+            <a:off x="1208584" y="1340768"/>
+            <a:ext cx="2016224" cy="504056"/>
+          </a:xfrm>
+          <a:prstGeom prst="roundRect">
+            <a:avLst/>
+          </a:prstGeom>
+          <a:ln>
+            <a:noFill/>
+          </a:ln>
+        </p:spPr>
+        <p:style>
+          <a:lnRef idx="2">
+            <a:schemeClr val="dk1"/>
+          </a:lnRef>
+          <a:fillRef idx="1">
+            <a:schemeClr val="lt1"/>
+          </a:fillRef>
+          <a:effectRef idx="0">
+            <a:schemeClr val="dk1"/>
+          </a:effectRef>
+          <a:fontRef idx="minor">
+            <a:schemeClr val="dk1"/>
+          </a:fontRef>
+        </p:style>
+        <p:txBody>
+          <a:bodyPr rtlCol="0" anchor="ctr"/>
+          <a:lstStyle/>
+          <a:p>
+            <a:r>
+              <a:rPr lang="ko-KR" altLang="en-US" sz="2000" dirty="0" smtClean="0">
                 <a:solidFill>
                   <a:sysClr val="windowText" lastClr="000000"/>
                 </a:solidFill>
               </a:rPr>
-              <a:t>모듈 </a:t>
-            </a:r>
-            <a:r>
-              <a:rPr lang="ko-KR" altLang="en-US" sz="2000" b="1" dirty="0">
+              <a:t>◎</a:t>
+            </a:r>
+            <a:r>
+              <a:rPr lang="en-US" altLang="ko-KR" sz="2000" dirty="0" smtClean="0">
                 <a:solidFill>
                   <a:sysClr val="windowText" lastClr="000000"/>
                 </a:solidFill>
               </a:rPr>
-              <a:t>사용방법</a:t>
-            </a:r>
-            <a:r>
-              <a:rPr lang="en-US" altLang="ko-KR" sz="2000" b="1" dirty="0">
+              <a:t> </a:t>
+            </a:r>
+            <a:r>
+              <a:rPr lang="ko-KR" altLang="en-US" sz="2000" dirty="0" smtClean="0">
                 <a:solidFill>
                   <a:sysClr val="windowText" lastClr="000000"/>
                 </a:solidFill>
               </a:rPr>
-              <a:t> </a:t>
-            </a:r>
-          </a:p>
-          <a:p>
-            <a:pPr>
-              <a:lnSpc>
-                <a:spcPct val="200000"/>
-              </a:lnSpc>
-            </a:pPr>
-            <a:r>
-              <a:rPr lang="en-US" altLang="ko-KR" sz="1400" dirty="0">
-                <a:solidFill>
-                  <a:sysClr val="windowText" lastClr="000000"/>
-                </a:solidFill>
-              </a:rPr>
-              <a:t>    </a:t>
-            </a:r>
-            <a:r>
-              <a:rPr lang="en-US" altLang="ko-KR" sz="1400" dirty="0" smtClean="0">
-                <a:solidFill>
-                  <a:sysClr val="windowText" lastClr="000000"/>
-                </a:solidFill>
-              </a:rPr>
-              <a:t> -</a:t>
-            </a:r>
-            <a:r>
-              <a:rPr lang="en-US" altLang="ko-KR" dirty="0" smtClean="0">
-                <a:solidFill>
-                  <a:sysClr val="windowText" lastClr="000000"/>
-                </a:solidFill>
-              </a:rPr>
-              <a:t> </a:t>
-            </a:r>
-            <a:r>
-              <a:rPr lang="en-US" altLang="ko-KR" b="1" dirty="0" smtClean="0">
-                <a:solidFill>
-                  <a:sysClr val="windowText" lastClr="000000"/>
-                </a:solidFill>
-              </a:rPr>
-              <a:t>import</a:t>
-            </a:r>
-            <a:r>
-              <a:rPr lang="en-US" altLang="ko-KR" dirty="0" smtClean="0">
-                <a:solidFill>
-                  <a:sysClr val="windowText" lastClr="000000"/>
-                </a:solidFill>
-              </a:rPr>
-              <a:t>  </a:t>
-            </a:r>
-            <a:r>
-              <a:rPr lang="ko-KR" altLang="en-US" dirty="0" smtClean="0">
-                <a:solidFill>
-                  <a:sysClr val="windowText" lastClr="000000"/>
-                </a:solidFill>
-              </a:rPr>
-              <a:t>모듈 이름</a:t>
-            </a:r>
-            <a:endParaRPr lang="en-US" altLang="ko-KR" dirty="0" smtClean="0">
+              <a:t>모듈 만들기</a:t>
+            </a:r>
+            <a:endParaRPr lang="en-US" altLang="ko-KR" sz="2000" dirty="0" smtClean="0">
               <a:solidFill>
                 <a:sysClr val="windowText" lastClr="000000"/>
               </a:solidFill>
             </a:endParaRPr>
           </a:p>
-          <a:p>
-            <a:pPr>
-              <a:lnSpc>
-                <a:spcPct val="200000"/>
-              </a:lnSpc>
-            </a:pPr>
-            <a:r>
-              <a:rPr lang="en-US" altLang="ko-KR" dirty="0" smtClean="0">
-                <a:solidFill>
-                  <a:sysClr val="windowText" lastClr="000000"/>
-                </a:solidFill>
-              </a:rPr>
-              <a:t>    - </a:t>
-            </a:r>
-            <a:r>
-              <a:rPr lang="en-US" altLang="ko-KR" b="1" dirty="0" smtClean="0">
-                <a:solidFill>
-                  <a:sysClr val="windowText" lastClr="000000"/>
-                </a:solidFill>
-              </a:rPr>
-              <a:t>from</a:t>
-            </a:r>
-            <a:r>
-              <a:rPr lang="en-US" altLang="ko-KR" dirty="0" smtClean="0">
-                <a:solidFill>
-                  <a:sysClr val="windowText" lastClr="000000"/>
-                </a:solidFill>
-              </a:rPr>
-              <a:t>  </a:t>
-            </a:r>
-            <a:r>
-              <a:rPr lang="ko-KR" altLang="en-US" dirty="0" smtClean="0">
-                <a:solidFill>
-                  <a:sysClr val="windowText" lastClr="000000"/>
-                </a:solidFill>
-              </a:rPr>
-              <a:t>패키지 이름  </a:t>
-            </a:r>
-            <a:r>
-              <a:rPr lang="en-US" altLang="ko-KR" b="1" dirty="0" smtClean="0">
-                <a:solidFill>
-                  <a:sysClr val="windowText" lastClr="000000"/>
-                </a:solidFill>
-              </a:rPr>
-              <a:t>import</a:t>
-            </a:r>
-            <a:r>
-              <a:rPr lang="en-US" altLang="ko-KR" dirty="0" smtClean="0">
-                <a:solidFill>
-                  <a:sysClr val="windowText" lastClr="000000"/>
-                </a:solidFill>
-              </a:rPr>
-              <a:t>  </a:t>
-            </a:r>
-            <a:r>
-              <a:rPr lang="ko-KR" altLang="en-US" dirty="0" smtClean="0">
-                <a:solidFill>
-                  <a:srgbClr val="C00000"/>
-                </a:solidFill>
-              </a:rPr>
-              <a:t>파일</a:t>
-            </a:r>
-            <a:r>
-              <a:rPr lang="en-US" altLang="ko-KR" dirty="0" smtClean="0">
-                <a:solidFill>
-                  <a:srgbClr val="C00000"/>
-                </a:solidFill>
-              </a:rPr>
-              <a:t>(</a:t>
-            </a:r>
-            <a:r>
-              <a:rPr lang="ko-KR" altLang="en-US" dirty="0" smtClean="0">
-                <a:solidFill>
-                  <a:srgbClr val="C00000"/>
-                </a:solidFill>
-              </a:rPr>
-              <a:t>모듈</a:t>
-            </a:r>
-            <a:r>
-              <a:rPr lang="en-US" altLang="ko-KR" dirty="0" smtClean="0">
-                <a:solidFill>
-                  <a:srgbClr val="C00000"/>
-                </a:solidFill>
-              </a:rPr>
-              <a:t>)</a:t>
-            </a:r>
-            <a:r>
-              <a:rPr lang="ko-KR" altLang="en-US" dirty="0" smtClean="0">
-                <a:solidFill>
-                  <a:srgbClr val="C00000"/>
-                </a:solidFill>
-              </a:rPr>
-              <a:t>이름</a:t>
-            </a:r>
-            <a:endParaRPr lang="en-US" altLang="ko-KR" dirty="0" smtClean="0">
-              <a:solidFill>
-                <a:srgbClr val="C00000"/>
-              </a:solidFill>
-            </a:endParaRPr>
-          </a:p>
-          <a:p>
-            <a:pPr>
-              <a:lnSpc>
-                <a:spcPct val="200000"/>
-              </a:lnSpc>
-            </a:pPr>
-            <a:r>
-              <a:rPr lang="en-US" altLang="ko-KR" dirty="0" smtClean="0">
-                <a:solidFill>
-                  <a:sysClr val="windowText" lastClr="000000"/>
-                </a:solidFill>
-              </a:rPr>
-              <a:t>    - </a:t>
-            </a:r>
-            <a:r>
-              <a:rPr lang="en-US" altLang="ko-KR" b="1" dirty="0" smtClean="0">
-                <a:solidFill>
-                  <a:sysClr val="windowText" lastClr="000000"/>
-                </a:solidFill>
-              </a:rPr>
-              <a:t>from </a:t>
-            </a:r>
-            <a:r>
-              <a:rPr lang="en-US" altLang="ko-KR" dirty="0" smtClean="0">
-                <a:solidFill>
-                  <a:sysClr val="windowText" lastClr="000000"/>
-                </a:solidFill>
-              </a:rPr>
-              <a:t> </a:t>
-            </a:r>
-            <a:r>
-              <a:rPr lang="ko-KR" altLang="en-US" dirty="0" err="1" smtClean="0">
-                <a:solidFill>
-                  <a:sysClr val="windowText" lastClr="000000"/>
-                </a:solidFill>
-              </a:rPr>
-              <a:t>패키지이름</a:t>
-            </a:r>
-            <a:r>
-              <a:rPr lang="en-US" altLang="ko-KR" dirty="0" smtClean="0">
-                <a:solidFill>
-                  <a:sysClr val="windowText" lastClr="000000"/>
-                </a:solidFill>
-              </a:rPr>
-              <a:t>.</a:t>
-            </a:r>
-            <a:r>
-              <a:rPr lang="ko-KR" altLang="en-US" dirty="0" smtClean="0">
-                <a:solidFill>
-                  <a:sysClr val="windowText" lastClr="000000"/>
-                </a:solidFill>
-              </a:rPr>
-              <a:t>파일이름  </a:t>
-            </a:r>
-            <a:r>
-              <a:rPr lang="en-US" altLang="ko-KR" b="1" dirty="0" smtClean="0">
-                <a:solidFill>
-                  <a:sysClr val="windowText" lastClr="000000"/>
-                </a:solidFill>
-              </a:rPr>
-              <a:t>import  </a:t>
-            </a:r>
-            <a:r>
-              <a:rPr lang="ko-KR" altLang="en-US" dirty="0" smtClean="0">
-                <a:solidFill>
-                  <a:srgbClr val="C00000"/>
-                </a:solidFill>
-              </a:rPr>
-              <a:t>함수</a:t>
-            </a:r>
-            <a:r>
-              <a:rPr lang="en-US" altLang="ko-KR" dirty="0" smtClean="0">
-                <a:solidFill>
-                  <a:srgbClr val="C00000"/>
-                </a:solidFill>
-              </a:rPr>
-              <a:t>, </a:t>
-            </a:r>
-            <a:r>
-              <a:rPr lang="ko-KR" altLang="en-US" dirty="0" smtClean="0">
-                <a:solidFill>
-                  <a:srgbClr val="C00000"/>
-                </a:solidFill>
-              </a:rPr>
-              <a:t>클래스</a:t>
-            </a:r>
-            <a:endParaRPr lang="ko-KR" altLang="en-US" dirty="0">
-              <a:solidFill>
-                <a:srgbClr val="C00000"/>
-              </a:solidFill>
-            </a:endParaRPr>
-          </a:p>
-        </p:txBody>
-      </p:sp>
-      <p:sp>
-        <p:nvSpPr>
-          <p:cNvPr id="13" name="TextBox 12"/>
-          <p:cNvSpPr txBox="1"/>
-          <p:nvPr/>
-        </p:nvSpPr>
-        <p:spPr>
-          <a:xfrm>
-            <a:off x="6465168" y="3908252"/>
-            <a:ext cx="1932008" cy="369332"/>
-          </a:xfrm>
-          <a:prstGeom prst="rect">
-            <a:avLst/>
-          </a:prstGeom>
-          <a:noFill/>
-        </p:spPr>
-        <p:txBody>
-          <a:bodyPr wrap="square" rtlCol="0">
-            <a:spAutoFit/>
-          </a:bodyPr>
-          <a:lstStyle/>
-          <a:p>
-            <a:r>
-              <a:rPr lang="en-US" altLang="ko-KR" dirty="0" smtClean="0">
-                <a:solidFill>
-                  <a:srgbClr val="FF0000"/>
-                </a:solidFill>
-              </a:rPr>
-              <a:t>myfunctions.py</a:t>
-            </a:r>
-            <a:endParaRPr lang="ko-KR" altLang="en-US" dirty="0">
-              <a:solidFill>
-                <a:srgbClr val="FF0000"/>
-              </a:solidFill>
-            </a:endParaRPr>
-          </a:p>
         </p:txBody>
       </p:sp>
     </p:spTree>
     <p:extLst>
       <p:ext uri="{BB962C8B-B14F-4D97-AF65-F5344CB8AC3E}">
-        <p14:creationId xmlns:p14="http://schemas.microsoft.com/office/powerpoint/2010/main" val="2233142383"/>
+        <p14:creationId xmlns:p14="http://schemas.microsoft.com/office/powerpoint/2010/main" val="1999571930"/>
       </p:ext>
     </p:extLst>
   </p:cSld>
@@ -16227,8 +16408,16 @@
               <a:t> </a:t>
             </a:r>
             <a:r>
-              <a:rPr lang="ko-KR" altLang="en-US" dirty="0" smtClean="0"/>
-              <a:t>모듈의 사용과 패키지</a:t>
+              <a:rPr lang="ko-KR" altLang="en-US" sz="2800" dirty="0" smtClean="0"/>
+              <a:t>모듈</a:t>
+            </a:r>
+            <a:r>
+              <a:rPr lang="en-US" altLang="ko-KR" sz="2800" dirty="0" smtClean="0"/>
+              <a:t>(Module) </a:t>
+            </a:r>
+            <a:r>
+              <a:rPr lang="ko-KR" altLang="en-US" sz="2800" dirty="0" smtClean="0"/>
+              <a:t>가져오기</a:t>
             </a:r>
             <a:endParaRPr lang="ko-KR" altLang="en-US" sz="2800" dirty="0"/>
           </a:p>
@@ -16259,60 +16448,52 @@
       </p:sp>
       <p:sp>
         <p:nvSpPr>
-          <p:cNvPr id="11" name="TextBox 10"/>
-          <p:cNvSpPr txBox="1"/>
+          <p:cNvPr id="14" name="모서리가 둥근 직사각형 13"/>
+          <p:cNvSpPr/>
           <p:nvPr/>
         </p:nvSpPr>
         <p:spPr>
           <a:xfrm>
-            <a:off x="1064569" y="1268760"/>
-            <a:ext cx="7056784" cy="509178"/>
-          </a:xfrm>
-          <a:prstGeom prst="rect">
+            <a:off x="1208584" y="1504713"/>
+            <a:ext cx="1476164" cy="418762"/>
+          </a:xfrm>
+          <a:prstGeom prst="roundRect">
             <a:avLst/>
           </a:prstGeom>
-          <a:noFill/>
-          <a:ln>
+          <a:ln w="12700">
             <a:noFill/>
           </a:ln>
         </p:spPr>
         <p:style>
-          <a:lnRef idx="1">
-            <a:schemeClr val="accent3"/>
+          <a:lnRef idx="2">
+            <a:schemeClr val="accent4"/>
           </a:lnRef>
-          <a:fillRef idx="2">
-            <a:schemeClr val="accent3"/>
+          <a:fillRef idx="1">
+            <a:schemeClr val="lt1"/>
           </a:fillRef>
-          <a:effectRef idx="1">
-            <a:schemeClr val="accent3"/>
+          <a:effectRef idx="0">
+            <a:schemeClr val="accent4"/>
           </a:effectRef>
           <a:fontRef idx="minor">
             <a:schemeClr val="dk1"/>
           </a:fontRef>
         </p:style>
         <p:txBody>
-          <a:bodyPr wrap="square" rtlCol="0">
-            <a:spAutoFit/>
-          </a:bodyPr>
-          <a:lstStyle/>
-          <a:p>
-            <a:pPr marL="342900" indent="-342900">
-              <a:lnSpc>
-                <a:spcPct val="150000"/>
-              </a:lnSpc>
-              <a:buFont typeface="Wingdings" panose="05000000000000000000" pitchFamily="2" charset="2"/>
-              <a:buChar char="u"/>
-            </a:pPr>
-            <a:r>
-              <a:rPr lang="ko-KR" altLang="en-US" sz="2000" dirty="0" smtClean="0">
-                <a:latin typeface="휴먼엑스포" panose="02030504000101010101" pitchFamily="18" charset="-127"/>
-                <a:ea typeface="휴먼엑스포" panose="02030504000101010101" pitchFamily="18" charset="-127"/>
-              </a:rPr>
-              <a:t>모듈 만들고 사용하기</a:t>
-            </a:r>
-            <a:endParaRPr lang="en-US" altLang="ko-KR" sz="2000" dirty="0" smtClean="0">
-              <a:latin typeface="휴먼엑스포" panose="02030504000101010101" pitchFamily="18" charset="-127"/>
-              <a:ea typeface="휴먼엑스포" panose="02030504000101010101" pitchFamily="18" charset="-127"/>
+          <a:bodyPr rtlCol="0" anchor="ctr"/>
+          <a:lstStyle/>
+          <a:p>
+            <a:r>
+              <a:rPr lang="en-US" altLang="ko-KR" dirty="0" smtClean="0">
+                <a:solidFill>
+                  <a:sysClr val="windowText" lastClr="000000"/>
+                </a:solidFill>
+              </a:rPr>
+              <a:t>mylib1.py</a:t>
+            </a:r>
+            <a:endParaRPr lang="ko-KR" altLang="en-US" dirty="0">
+              <a:solidFill>
+                <a:sysClr val="windowText" lastClr="000000"/>
+              </a:solidFill>
             </a:endParaRPr>
           </a:p>
         </p:txBody>
@@ -16339,8 +16520,8 @@
         </p:blipFill>
         <p:spPr>
           <a:xfrm>
-            <a:off x="1845713" y="1965120"/>
-            <a:ext cx="5494496" cy="4366638"/>
+            <a:off x="1640632" y="2060848"/>
+            <a:ext cx="5517358" cy="3612193"/>
           </a:xfrm>
           <a:prstGeom prst="rect">
             <a:avLst/>
@@ -16354,56 +16535,10 @@
           </a:ln>
         </p:spPr>
       </p:pic>
-      <p:sp>
-        <p:nvSpPr>
-          <p:cNvPr id="6" name="TextBox 5"/>
-          <p:cNvSpPr txBox="1"/>
-          <p:nvPr/>
-        </p:nvSpPr>
-        <p:spPr>
-          <a:xfrm>
-            <a:off x="6609184" y="2708920"/>
-            <a:ext cx="1932008" cy="369332"/>
-          </a:xfrm>
-          <a:prstGeom prst="rect">
-            <a:avLst/>
-          </a:prstGeom>
-          <a:noFill/>
-        </p:spPr>
-        <p:txBody>
-          <a:bodyPr wrap="square" rtlCol="0">
-            <a:spAutoFit/>
-          </a:bodyPr>
-          <a:lstStyle/>
-          <a:p>
-            <a:r>
-              <a:rPr lang="en-US" altLang="ko-KR" dirty="0">
-                <a:solidFill>
-                  <a:srgbClr val="FF0000"/>
-                </a:solidFill>
-              </a:rPr>
-              <a:t>u</a:t>
-            </a:r>
-            <a:r>
-              <a:rPr lang="en-US" altLang="ko-KR" dirty="0" smtClean="0">
-                <a:solidFill>
-                  <a:srgbClr val="FF0000"/>
-                </a:solidFill>
-              </a:rPr>
-              <a:t>se_module.py</a:t>
-            </a:r>
-            <a:endParaRPr lang="ko-KR" altLang="en-US" dirty="0">
-              <a:solidFill>
-                <a:srgbClr val="FF0000"/>
-              </a:solidFill>
-            </a:endParaRPr>
-          </a:p>
-        </p:txBody>
-      </p:sp>
     </p:spTree>
     <p:extLst>
       <p:ext uri="{BB962C8B-B14F-4D97-AF65-F5344CB8AC3E}">
-        <p14:creationId xmlns:p14="http://schemas.microsoft.com/office/powerpoint/2010/main" val="2371043522"/>
+        <p14:creationId xmlns:p14="http://schemas.microsoft.com/office/powerpoint/2010/main" val="3679478355"/>
       </p:ext>
     </p:extLst>
   </p:cSld>
@@ -16992,11 +17127,15 @@
             </a:r>
             <a:r>
               <a:rPr lang="ko-KR" altLang="en-US" sz="2800" dirty="0" smtClean="0"/>
-              <a:t>패키지</a:t>
-            </a:r>
-            <a:r>
-              <a:rPr lang="en-US" altLang="ko-KR" dirty="0" smtClean="0"/>
-              <a:t>(package)</a:t>
+              <a:t>모듈</a:t>
+            </a:r>
+            <a:r>
+              <a:rPr lang="en-US" altLang="ko-KR" sz="2800" dirty="0" smtClean="0"/>
+              <a:t>(Module) </a:t>
+            </a:r>
+            <a:r>
+              <a:rPr lang="ko-KR" altLang="en-US" sz="2800" dirty="0" smtClean="0"/>
+              <a:t>가져오기</a:t>
             </a:r>
             <a:endParaRPr lang="ko-KR" altLang="en-US" sz="2800" dirty="0"/>
           </a:p>
@@ -17027,207 +17166,59 @@
       </p:sp>
       <p:sp>
         <p:nvSpPr>
-          <p:cNvPr id="11" name="TextBox 10"/>
-          <p:cNvSpPr txBox="1"/>
+          <p:cNvPr id="14" name="모서리가 둥근 직사각형 13"/>
+          <p:cNvSpPr/>
           <p:nvPr/>
         </p:nvSpPr>
         <p:spPr>
           <a:xfrm>
-            <a:off x="1064569" y="1268760"/>
-            <a:ext cx="7056784" cy="1384995"/>
-          </a:xfrm>
-          <a:prstGeom prst="rect">
+            <a:off x="1208584" y="1504713"/>
+            <a:ext cx="1476164" cy="418762"/>
+          </a:xfrm>
+          <a:prstGeom prst="roundRect">
             <a:avLst/>
           </a:prstGeom>
-          <a:noFill/>
-          <a:ln>
+          <a:ln w="12700">
             <a:noFill/>
           </a:ln>
         </p:spPr>
         <p:style>
-          <a:lnRef idx="1">
-            <a:schemeClr val="accent3"/>
+          <a:lnRef idx="2">
+            <a:schemeClr val="accent4"/>
           </a:lnRef>
-          <a:fillRef idx="2">
-            <a:schemeClr val="accent3"/>
+          <a:fillRef idx="1">
+            <a:schemeClr val="lt1"/>
           </a:fillRef>
-          <a:effectRef idx="1">
-            <a:schemeClr val="accent3"/>
+          <a:effectRef idx="0">
+            <a:schemeClr val="accent4"/>
           </a:effectRef>
           <a:fontRef idx="minor">
             <a:schemeClr val="dk1"/>
           </a:fontRef>
         </p:style>
         <p:txBody>
-          <a:bodyPr wrap="square" rtlCol="0">
-            <a:spAutoFit/>
-          </a:bodyPr>
-          <a:lstStyle/>
-          <a:p>
-            <a:pPr marL="342900" indent="-342900">
-              <a:lnSpc>
-                <a:spcPct val="150000"/>
-              </a:lnSpc>
-              <a:buFont typeface="Wingdings" panose="05000000000000000000" pitchFamily="2" charset="2"/>
-              <a:buChar char="u"/>
-            </a:pPr>
-            <a:r>
-              <a:rPr lang="ko-KR" altLang="en-US" sz="2000" dirty="0" smtClean="0">
-                <a:latin typeface="휴먼엑스포" panose="02030504000101010101" pitchFamily="18" charset="-127"/>
-                <a:ea typeface="휴먼엑스포" panose="02030504000101010101" pitchFamily="18" charset="-127"/>
-              </a:rPr>
-              <a:t>패키지</a:t>
-            </a:r>
-            <a:r>
-              <a:rPr lang="en-US" altLang="ko-KR" sz="2000" dirty="0" smtClean="0">
-                <a:latin typeface="휴먼엑스포" panose="02030504000101010101" pitchFamily="18" charset="-127"/>
-                <a:ea typeface="휴먼엑스포" panose="02030504000101010101" pitchFamily="18" charset="-127"/>
-              </a:rPr>
-              <a:t>(package)</a:t>
-            </a:r>
-          </a:p>
-          <a:p>
-            <a:pPr>
-              <a:lnSpc>
-                <a:spcPct val="150000"/>
-              </a:lnSpc>
-            </a:pPr>
+          <a:bodyPr rtlCol="0" anchor="ctr"/>
+          <a:lstStyle/>
+          <a:p>
             <a:r>
               <a:rPr lang="en-US" altLang="ko-KR" dirty="0" smtClean="0">
-                <a:latin typeface="휴먼엑스포" panose="02030504000101010101" pitchFamily="18" charset="-127"/>
-                <a:ea typeface="휴먼엑스포" panose="02030504000101010101" pitchFamily="18" charset="-127"/>
-              </a:rPr>
-              <a:t>   </a:t>
-            </a:r>
-            <a:r>
-              <a:rPr lang="en-US" altLang="ko-KR" dirty="0" smtClean="0">
-                <a:latin typeface="+mn-ea"/>
-              </a:rPr>
-              <a:t>- </a:t>
-            </a:r>
-            <a:r>
-              <a:rPr lang="ko-KR" altLang="en-US" dirty="0" smtClean="0">
-                <a:latin typeface="+mn-ea"/>
-              </a:rPr>
-              <a:t>모듈</a:t>
-            </a:r>
-            <a:r>
-              <a:rPr lang="en-US" altLang="ko-KR" dirty="0" smtClean="0">
-                <a:latin typeface="+mn-ea"/>
-              </a:rPr>
-              <a:t>(</a:t>
-            </a:r>
-            <a:r>
-              <a:rPr lang="ko-KR" altLang="en-US" dirty="0" smtClean="0">
-                <a:latin typeface="+mn-ea"/>
-              </a:rPr>
-              <a:t>파일</a:t>
-            </a:r>
-            <a:r>
-              <a:rPr lang="en-US" altLang="ko-KR" dirty="0" smtClean="0">
-                <a:latin typeface="+mn-ea"/>
-              </a:rPr>
-              <a:t>)</a:t>
-            </a:r>
-            <a:r>
-              <a:rPr lang="ko-KR" altLang="en-US" dirty="0" smtClean="0">
-                <a:latin typeface="+mn-ea"/>
-              </a:rPr>
-              <a:t>을 모아 놓은 디렉터리를 </a:t>
-            </a:r>
-            <a:r>
-              <a:rPr lang="ko-KR" altLang="en-US" b="1" dirty="0" smtClean="0">
-                <a:latin typeface="+mn-ea"/>
-              </a:rPr>
-              <a:t>패키지</a:t>
-            </a:r>
-            <a:r>
-              <a:rPr lang="ko-KR" altLang="en-US" dirty="0" smtClean="0">
-                <a:latin typeface="+mn-ea"/>
-              </a:rPr>
-              <a:t>라 한다</a:t>
-            </a:r>
-            <a:r>
-              <a:rPr lang="en-US" altLang="ko-KR" dirty="0" smtClean="0">
-                <a:latin typeface="+mn-ea"/>
-              </a:rPr>
-              <a:t>.</a:t>
-            </a:r>
-          </a:p>
-          <a:p>
-            <a:pPr>
-              <a:lnSpc>
-                <a:spcPct val="150000"/>
-              </a:lnSpc>
-            </a:pPr>
-            <a:r>
-              <a:rPr lang="en-US" altLang="ko-KR" dirty="0">
-                <a:latin typeface="+mn-ea"/>
-              </a:rPr>
-              <a:t> </a:t>
-            </a:r>
-            <a:r>
-              <a:rPr lang="en-US" altLang="ko-KR" dirty="0" smtClean="0">
-                <a:latin typeface="+mn-ea"/>
-              </a:rPr>
-              <a:t>   - </a:t>
-            </a:r>
-            <a:r>
-              <a:rPr lang="ko-KR" altLang="en-US" dirty="0" err="1" smtClean="0">
-                <a:latin typeface="+mn-ea"/>
-              </a:rPr>
-              <a:t>파이썬의</a:t>
-            </a:r>
-            <a:r>
-              <a:rPr lang="ko-KR" altLang="en-US" dirty="0" smtClean="0">
-                <a:latin typeface="+mn-ea"/>
-              </a:rPr>
-              <a:t> 패키지로 인식되려면 </a:t>
-            </a:r>
-            <a:r>
-              <a:rPr lang="en-US" altLang="ko-KR" dirty="0" smtClean="0">
-                <a:solidFill>
-                  <a:srgbClr val="C00000"/>
-                </a:solidFill>
-                <a:latin typeface="+mn-ea"/>
-              </a:rPr>
-              <a:t>__init__.py</a:t>
-            </a:r>
-            <a:r>
-              <a:rPr lang="ko-KR" altLang="en-US" dirty="0" smtClean="0">
-                <a:latin typeface="+mn-ea"/>
-              </a:rPr>
-              <a:t>을 포함해야 한다</a:t>
-            </a:r>
-            <a:r>
-              <a:rPr lang="en-US" altLang="ko-KR" dirty="0" smtClean="0">
-                <a:latin typeface="+mn-ea"/>
-              </a:rPr>
-              <a:t>.</a:t>
-            </a:r>
-            <a:r>
-              <a:rPr lang="ko-KR" altLang="en-US" dirty="0" smtClean="0">
-                <a:latin typeface="+mn-ea"/>
-              </a:rPr>
-              <a:t> </a:t>
-            </a:r>
-            <a:r>
-              <a:rPr lang="ko-KR" altLang="en-US" dirty="0" smtClean="0">
-                <a:latin typeface="휴먼엑스포" panose="02030504000101010101" pitchFamily="18" charset="-127"/>
-                <a:ea typeface="휴먼엑스포" panose="02030504000101010101" pitchFamily="18" charset="-127"/>
-              </a:rPr>
-              <a:t> </a:t>
-            </a:r>
-            <a:endParaRPr lang="en-US" altLang="ko-KR" dirty="0" smtClean="0">
-              <a:latin typeface="휴먼엑스포" panose="02030504000101010101" pitchFamily="18" charset="-127"/>
-              <a:ea typeface="휴먼엑스포" panose="02030504000101010101" pitchFamily="18" charset="-127"/>
+                <a:solidFill>
+                  <a:sysClr val="windowText" lastClr="000000"/>
+                </a:solidFill>
+              </a:rPr>
+              <a:t>mylib2.py</a:t>
+            </a:r>
+            <a:endParaRPr lang="ko-KR" altLang="en-US" dirty="0">
+              <a:solidFill>
+                <a:sysClr val="windowText" lastClr="000000"/>
+              </a:solidFill>
             </a:endParaRPr>
           </a:p>
         </p:txBody>
       </p:sp>
       <p:pic>
         <p:nvPicPr>
-          <p:cNvPr id="12" name="그림 11"/>
+          <p:cNvPr id="5" name="그림 4"/>
           <p:cNvPicPr>
             <a:picLocks noChangeAspect="1"/>
           </p:cNvPicPr>
@@ -17247,154 +17238,8 @@
         </p:blipFill>
         <p:spPr>
           <a:xfrm>
-            <a:off x="1712640" y="2996952"/>
-            <a:ext cx="2471502" cy="1440160"/>
-          </a:xfrm>
-          <a:prstGeom prst="rect">
-            <a:avLst/>
-          </a:prstGeom>
-          <a:ln>
-            <a:solidFill>
-              <a:schemeClr val="bg1">
-                <a:lumMod val="85000"/>
-              </a:schemeClr>
-            </a:solidFill>
-          </a:ln>
-        </p:spPr>
-      </p:pic>
-      <p:sp>
-        <p:nvSpPr>
-          <p:cNvPr id="14" name="TextBox 13"/>
-          <p:cNvSpPr txBox="1"/>
-          <p:nvPr/>
-        </p:nvSpPr>
-        <p:spPr>
-          <a:xfrm>
-            <a:off x="4634812" y="3255367"/>
-            <a:ext cx="3990595" cy="646331"/>
-          </a:xfrm>
-          <a:prstGeom prst="rect">
-            <a:avLst/>
-          </a:prstGeom>
-          <a:noFill/>
-        </p:spPr>
-        <p:txBody>
-          <a:bodyPr wrap="square" rtlCol="0">
-            <a:spAutoFit/>
-          </a:bodyPr>
-          <a:lstStyle/>
-          <a:p>
-            <a:r>
-              <a:rPr lang="en-US" altLang="ko-KR" dirty="0" smtClean="0"/>
-              <a:t>__</a:t>
-            </a:r>
-            <a:r>
-              <a:rPr lang="en-US" altLang="ko-KR" dirty="0" err="1" smtClean="0"/>
-              <a:t>init</a:t>
-            </a:r>
-            <a:r>
-              <a:rPr lang="en-US" altLang="ko-KR" dirty="0" smtClean="0"/>
-              <a:t>__</a:t>
-            </a:r>
-            <a:r>
-              <a:rPr lang="en-US" altLang="ko-KR" dirty="0" err="1" smtClean="0"/>
-              <a:t>py</a:t>
-            </a:r>
-            <a:r>
-              <a:rPr lang="ko-KR" altLang="en-US" dirty="0" smtClean="0">
-                <a:solidFill>
-                  <a:srgbClr val="C00000"/>
-                </a:solidFill>
-              </a:rPr>
-              <a:t>엔 아무 내용이 없지만</a:t>
-            </a:r>
-            <a:r>
-              <a:rPr lang="en-US" altLang="ko-KR" dirty="0" smtClean="0">
-                <a:solidFill>
-                  <a:srgbClr val="C00000"/>
-                </a:solidFill>
-              </a:rPr>
-              <a:t>, </a:t>
-            </a:r>
-            <a:r>
-              <a:rPr lang="ko-KR" altLang="en-US" dirty="0" smtClean="0">
-                <a:solidFill>
-                  <a:srgbClr val="C00000"/>
-                </a:solidFill>
-              </a:rPr>
-              <a:t>삭제하면 작동하지 않음</a:t>
-            </a:r>
-            <a:endParaRPr lang="ko-KR" altLang="en-US" dirty="0">
-              <a:solidFill>
-                <a:srgbClr val="C00000"/>
-              </a:solidFill>
-            </a:endParaRPr>
-          </a:p>
-        </p:txBody>
-      </p:sp>
-      <p:cxnSp>
-        <p:nvCxnSpPr>
-          <p:cNvPr id="15" name="직선 화살표 연결선 14"/>
-          <p:cNvCxnSpPr>
-            <a:stCxn id="14" idx="1"/>
-          </p:cNvCxnSpPr>
-          <p:nvPr/>
-        </p:nvCxnSpPr>
-        <p:spPr>
-          <a:xfrm flipH="1">
-            <a:off x="3728864" y="3578533"/>
-            <a:ext cx="905948" cy="138499"/>
-          </a:xfrm>
-          <a:prstGeom prst="straightConnector1">
-            <a:avLst/>
-          </a:prstGeom>
-          <a:ln w="12700">
-            <a:solidFill>
-              <a:srgbClr val="C00000"/>
-            </a:solidFill>
-            <a:prstDash val="sysDash"/>
-            <a:tailEnd type="triangle"/>
-          </a:ln>
-        </p:spPr>
-        <p:style>
-          <a:lnRef idx="1">
-            <a:schemeClr val="accent1"/>
-          </a:lnRef>
-          <a:fillRef idx="0">
-            <a:schemeClr val="accent1"/>
-          </a:fillRef>
-          <a:effectRef idx="0">
-            <a:schemeClr val="accent1"/>
-          </a:effectRef>
-          <a:fontRef idx="minor">
-            <a:schemeClr val="tx1"/>
-          </a:fontRef>
-        </p:style>
-      </p:cxnSp>
-      <p:pic>
-        <p:nvPicPr>
-          <p:cNvPr id="3" name="그림 2"/>
-          <p:cNvPicPr>
-            <a:picLocks noChangeAspect="1"/>
-          </p:cNvPicPr>
-          <p:nvPr/>
-        </p:nvPicPr>
-        <p:blipFill>
-          <a:blip r:embed="rId3">
-            <a:extLst>
-              <a:ext uri="{28A0092B-C50C-407E-A947-70E740481C1C}">
-                <a14:useLocalDpi xmlns:a14="http://schemas.microsoft.com/office/drawing/2010/main" val="0"/>
-              </a:ext>
-            </a:extLst>
-          </a:blip>
-          <a:stretch>
-            <a:fillRect/>
-          </a:stretch>
-        </p:blipFill>
-        <p:spPr>
-          <a:xfrm>
-            <a:off x="1712640" y="4653134"/>
-            <a:ext cx="5326842" cy="1585097"/>
+            <a:off x="1640632" y="2060848"/>
+            <a:ext cx="3779848" cy="3749365"/>
           </a:xfrm>
           <a:prstGeom prst="rect">
             <a:avLst/>
@@ -17411,7 +17256,7 @@
     </p:spTree>
     <p:extLst>
       <p:ext uri="{BB962C8B-B14F-4D97-AF65-F5344CB8AC3E}">
-        <p14:creationId xmlns:p14="http://schemas.microsoft.com/office/powerpoint/2010/main" val="4020205870"/>
+        <p14:creationId xmlns:p14="http://schemas.microsoft.com/office/powerpoint/2010/main" val="376196665"/>
       </p:ext>
     </p:extLst>
   </p:cSld>
@@ -17455,7 +17300,12 @@
             <p:ph type="title"/>
           </p:nvPr>
         </p:nvSpPr>
-        <p:spPr/>
+        <p:spPr>
+          <a:xfrm>
+            <a:off x="457224" y="191593"/>
+            <a:ext cx="6825208" cy="854968"/>
+          </a:xfrm>
+        </p:spPr>
         <p:txBody>
           <a:bodyPr>
             <a:normAutofit/>
@@ -17463,26 +17313,18 @@
           <a:lstStyle/>
           <a:p>
             <a:r>
-              <a:rPr lang="en-US" altLang="ko-KR" sz="2800" dirty="0" smtClean="0"/>
+              <a:rPr lang="en-US" altLang="ko-KR" dirty="0"/>
               <a:t> </a:t>
             </a:r>
             <a:r>
-              <a:rPr lang="ko-KR" altLang="en-US" sz="2800" dirty="0" smtClean="0"/>
-              <a:t>모듈</a:t>
-            </a:r>
-            <a:r>
-              <a:rPr lang="en-US" altLang="ko-KR" sz="2800" dirty="0" smtClean="0"/>
-              <a:t>(Module) </a:t>
+              <a:rPr lang="en-US" altLang="ko-KR" dirty="0" smtClean="0"/>
+              <a:t> </a:t>
             </a:r>
             <a:r>
               <a:rPr lang="ko-KR" altLang="en-US" dirty="0" smtClean="0"/>
-              <a:t>만들</a:t>
-            </a:r>
-            <a:r>
-              <a:rPr lang="ko-KR" altLang="en-US" dirty="0"/>
-              <a:t>기</a:t>
-            </a:r>
-            <a:endParaRPr lang="ko-KR" altLang="en-US" sz="2800" dirty="0"/>
+              <a:t>가위 바위 보 게임</a:t>
+            </a:r>
+            <a:endParaRPr lang="ko-KR" altLang="en-US" dirty="0"/>
           </a:p>
         </p:txBody>
       </p:sp>
@@ -17511,113 +17353,246 @@
       </p:sp>
       <p:sp>
         <p:nvSpPr>
-          <p:cNvPr id="11" name="모서리가 둥근 직사각형 10"/>
+          <p:cNvPr id="15" name="직사각형 14"/>
           <p:cNvSpPr/>
           <p:nvPr/>
         </p:nvSpPr>
         <p:spPr>
           <a:xfrm>
-            <a:off x="5169024" y="2017924"/>
-            <a:ext cx="1181638" cy="304674"/>
-          </a:xfrm>
-          <a:prstGeom prst="roundRect">
+            <a:off x="920552" y="1268760"/>
+            <a:ext cx="7776864" cy="2769989"/>
+          </a:xfrm>
+          <a:prstGeom prst="rect">
             <a:avLst/>
           </a:prstGeom>
-          <a:ln w="12700">
-            <a:noFill/>
-          </a:ln>
         </p:spPr>
-        <p:style>
-          <a:lnRef idx="2">
-            <a:schemeClr val="accent4"/>
-          </a:lnRef>
-          <a:fillRef idx="1">
-            <a:schemeClr val="lt1"/>
-          </a:fillRef>
-          <a:effectRef idx="0">
-            <a:schemeClr val="accent4"/>
-          </a:effectRef>
-          <a:fontRef idx="minor">
-            <a:schemeClr val="dk1"/>
-          </a:fontRef>
-        </p:style>
-        <p:txBody>
-          <a:bodyPr rtlCol="0" anchor="ctr"/>
-          <a:lstStyle/>
-          <a:p>
-            <a:r>
-              <a:rPr lang="en-US" altLang="ko-KR" dirty="0">
-                <a:solidFill>
-                  <a:sysClr val="windowText" lastClr="000000"/>
-                </a:solidFill>
-              </a:rPr>
-              <a:t>f</a:t>
-            </a:r>
-            <a:r>
-              <a:rPr lang="en-US" altLang="ko-KR" dirty="0" smtClean="0">
-                <a:solidFill>
-                  <a:sysClr val="windowText" lastClr="000000"/>
-                </a:solidFill>
-              </a:rPr>
-              <a:t>ood.py</a:t>
-            </a:r>
-            <a:endParaRPr lang="ko-KR" altLang="en-US" dirty="0">
-              <a:solidFill>
-                <a:sysClr val="windowText" lastClr="000000"/>
-              </a:solidFill>
-            </a:endParaRPr>
-          </a:p>
-        </p:txBody>
-      </p:sp>
-      <p:sp>
-        <p:nvSpPr>
-          <p:cNvPr id="13" name="모서리가 둥근 직사각형 12"/>
-          <p:cNvSpPr/>
-          <p:nvPr/>
-        </p:nvSpPr>
-        <p:spPr>
-          <a:xfrm>
-            <a:off x="1911185" y="2002963"/>
-            <a:ext cx="1568310" cy="301513"/>
-          </a:xfrm>
-          <a:prstGeom prst="roundRect">
-            <a:avLst/>
-          </a:prstGeom>
-          <a:ln w="12700">
-            <a:noFill/>
-          </a:ln>
-        </p:spPr>
-        <p:style>
-          <a:lnRef idx="2">
-            <a:schemeClr val="accent4"/>
-          </a:lnRef>
-          <a:fillRef idx="1">
-            <a:schemeClr val="lt1"/>
-          </a:fillRef>
-          <a:effectRef idx="0">
-            <a:schemeClr val="accent4"/>
-          </a:effectRef>
-          <a:fontRef idx="minor">
-            <a:schemeClr val="dk1"/>
-          </a:fontRef>
-        </p:style>
-        <p:txBody>
-          <a:bodyPr rtlCol="0" anchor="ctr"/>
-          <a:lstStyle/>
-          <a:p>
-            <a:r>
-              <a:rPr lang="en-US" altLang="ko-KR" dirty="0" smtClean="0">
-                <a:solidFill>
-                  <a:sysClr val="windowText" lastClr="000000"/>
-                </a:solidFill>
-              </a:rPr>
-              <a:t>calculator.py</a:t>
-            </a:r>
-            <a:endParaRPr lang="ko-KR" altLang="en-US" dirty="0">
-              <a:solidFill>
-                <a:sysClr val="windowText" lastClr="000000"/>
-              </a:solidFill>
-            </a:endParaRPr>
+        <p:txBody>
+          <a:bodyPr wrap="square">
+            <a:spAutoFit/>
+          </a:bodyPr>
+          <a:lstStyle/>
+          <a:p>
+            <a:pPr marL="285750" indent="-285750">
+              <a:lnSpc>
+                <a:spcPct val="150000"/>
+              </a:lnSpc>
+              <a:buFont typeface="Wingdings" panose="05000000000000000000" pitchFamily="2" charset="2"/>
+              <a:buChar char="l"/>
+            </a:pPr>
+            <a:r>
+              <a:rPr lang="ko-KR" altLang="en-US" sz="2000" b="1" dirty="0" smtClean="0"/>
+              <a:t>게임 방법</a:t>
+            </a:r>
+            <a:endParaRPr lang="en-US" altLang="ko-KR" b="1" dirty="0" smtClean="0"/>
+          </a:p>
+          <a:p>
+            <a:pPr>
+              <a:lnSpc>
+                <a:spcPct val="200000"/>
+              </a:lnSpc>
+            </a:pPr>
+            <a:r>
+              <a:rPr lang="en-US" altLang="ko-KR" dirty="0"/>
+              <a:t> </a:t>
+            </a:r>
+            <a:r>
+              <a:rPr lang="en-US" altLang="ko-KR" dirty="0" smtClean="0"/>
+              <a:t>     - </a:t>
+            </a:r>
+            <a:r>
+              <a:rPr lang="ko-KR" altLang="en-US" dirty="0" smtClean="0"/>
+              <a:t>당신</a:t>
+            </a:r>
+            <a:r>
+              <a:rPr lang="en-US" altLang="ko-KR" dirty="0" smtClean="0"/>
+              <a:t>(you)</a:t>
+            </a:r>
+            <a:r>
+              <a:rPr lang="ko-KR" altLang="en-US" dirty="0"/>
+              <a:t>은</a:t>
+            </a:r>
+            <a:r>
+              <a:rPr lang="ko-KR" altLang="en-US" dirty="0" smtClean="0"/>
+              <a:t> 가위</a:t>
+            </a:r>
+            <a:r>
+              <a:rPr lang="en-US" altLang="ko-KR" dirty="0" smtClean="0"/>
+              <a:t>, </a:t>
+            </a:r>
+            <a:r>
+              <a:rPr lang="ko-KR" altLang="en-US" dirty="0" smtClean="0"/>
+              <a:t>바위</a:t>
+            </a:r>
+            <a:r>
+              <a:rPr lang="en-US" altLang="ko-KR" dirty="0" smtClean="0"/>
+              <a:t>, </a:t>
+            </a:r>
+            <a:r>
+              <a:rPr lang="ko-KR" altLang="en-US" dirty="0" smtClean="0"/>
+              <a:t>보 중 하나를 입력한다</a:t>
+            </a:r>
+            <a:r>
+              <a:rPr lang="en-US" altLang="ko-KR" dirty="0" smtClean="0"/>
+              <a:t>.</a:t>
+            </a:r>
+          </a:p>
+          <a:p>
+            <a:pPr>
+              <a:lnSpc>
+                <a:spcPct val="200000"/>
+              </a:lnSpc>
+            </a:pPr>
+            <a:r>
+              <a:rPr lang="en-US" altLang="ko-KR" dirty="0"/>
+              <a:t> </a:t>
+            </a:r>
+            <a:r>
+              <a:rPr lang="en-US" altLang="ko-KR" dirty="0" smtClean="0"/>
+              <a:t>     - </a:t>
+            </a:r>
+            <a:r>
+              <a:rPr lang="ko-KR" altLang="en-US" dirty="0" smtClean="0"/>
+              <a:t>컴퓨터</a:t>
+            </a:r>
+            <a:r>
+              <a:rPr lang="en-US" altLang="ko-KR" dirty="0" smtClean="0"/>
+              <a:t>(com)</a:t>
+            </a:r>
+            <a:r>
+              <a:rPr lang="ko-KR" altLang="en-US" dirty="0" smtClean="0"/>
+              <a:t>은 </a:t>
+            </a:r>
+            <a:r>
+              <a:rPr lang="ko-KR" altLang="en-US" dirty="0"/>
+              <a:t>가위</a:t>
+            </a:r>
+            <a:r>
+              <a:rPr lang="en-US" altLang="ko-KR" dirty="0"/>
+              <a:t>, </a:t>
+            </a:r>
+            <a:r>
+              <a:rPr lang="ko-KR" altLang="en-US" dirty="0"/>
+              <a:t>바위</a:t>
+            </a:r>
+            <a:r>
+              <a:rPr lang="en-US" altLang="ko-KR" dirty="0"/>
+              <a:t>, </a:t>
+            </a:r>
+            <a:r>
+              <a:rPr lang="ko-KR" altLang="en-US" dirty="0"/>
+              <a:t>보 중 하나를 </a:t>
+            </a:r>
+            <a:r>
+              <a:rPr lang="ko-KR" altLang="en-US" dirty="0" smtClean="0"/>
+              <a:t>랜덤 생성한다</a:t>
+            </a:r>
+            <a:r>
+              <a:rPr lang="en-US" altLang="ko-KR" dirty="0" smtClean="0"/>
+              <a:t>.</a:t>
+            </a:r>
+          </a:p>
+          <a:p>
+            <a:pPr>
+              <a:lnSpc>
+                <a:spcPct val="200000"/>
+              </a:lnSpc>
+            </a:pPr>
+            <a:r>
+              <a:rPr lang="en-US" altLang="ko-KR" dirty="0"/>
+              <a:t> </a:t>
+            </a:r>
+            <a:r>
+              <a:rPr lang="en-US" altLang="ko-KR" dirty="0" smtClean="0"/>
+              <a:t>      - </a:t>
+            </a:r>
+            <a:r>
+              <a:rPr lang="ko-KR" altLang="en-US" dirty="0" smtClean="0"/>
+              <a:t>결과는 </a:t>
+            </a:r>
+            <a:r>
+              <a:rPr lang="en-US" altLang="ko-KR" dirty="0" smtClean="0"/>
+              <a:t>“</a:t>
+            </a:r>
+            <a:r>
+              <a:rPr lang="ko-KR" altLang="en-US" dirty="0" smtClean="0"/>
+              <a:t>무승</a:t>
+            </a:r>
+            <a:r>
+              <a:rPr lang="ko-KR" altLang="en-US" dirty="0"/>
+              <a:t>부</a:t>
+            </a:r>
+            <a:r>
+              <a:rPr lang="en-US" altLang="ko-KR" dirty="0" smtClean="0"/>
+              <a:t>”, “</a:t>
+            </a:r>
+            <a:r>
+              <a:rPr lang="ko-KR" altLang="en-US" dirty="0"/>
+              <a:t>패</a:t>
+            </a:r>
+            <a:r>
+              <a:rPr lang="en-US" altLang="ko-KR" dirty="0" smtClean="0"/>
+              <a:t>”, “</a:t>
+            </a:r>
+            <a:r>
+              <a:rPr lang="ko-KR" altLang="en-US" dirty="0"/>
+              <a:t>승</a:t>
+            </a:r>
+            <a:r>
+              <a:rPr lang="en-US" altLang="ko-KR" dirty="0" smtClean="0"/>
+              <a:t>”</a:t>
+            </a:r>
+            <a:r>
+              <a:rPr lang="ko-KR" altLang="en-US" dirty="0" smtClean="0"/>
+              <a:t>이다</a:t>
+            </a:r>
+            <a:r>
+              <a:rPr lang="en-US" altLang="ko-KR" dirty="0" smtClean="0"/>
+              <a:t>.</a:t>
+            </a:r>
+          </a:p>
+          <a:p>
+            <a:pPr>
+              <a:lnSpc>
+                <a:spcPct val="200000"/>
+              </a:lnSpc>
+            </a:pPr>
+            <a:r>
+              <a:rPr lang="en-US" altLang="ko-KR" dirty="0"/>
+              <a:t> </a:t>
+            </a:r>
+            <a:r>
+              <a:rPr lang="en-US" altLang="ko-KR" dirty="0" smtClean="0"/>
+              <a:t>      - </a:t>
+            </a:r>
+            <a:r>
+              <a:rPr lang="ko-KR" altLang="en-US" dirty="0" smtClean="0"/>
+              <a:t>잘못 입력한 경우 </a:t>
+            </a:r>
+            <a:r>
+              <a:rPr lang="en-US" altLang="ko-KR" dirty="0" smtClean="0"/>
+              <a:t>“</a:t>
+            </a:r>
+            <a:r>
+              <a:rPr lang="ko-KR" altLang="en-US" dirty="0" smtClean="0"/>
+              <a:t>잘못된 입력입니다</a:t>
+            </a:r>
+            <a:r>
+              <a:rPr lang="en-US" altLang="ko-KR" dirty="0" smtClean="0"/>
+              <a:t>. </a:t>
+            </a:r>
+            <a:r>
+              <a:rPr lang="ko-KR" altLang="en-US" dirty="0" smtClean="0"/>
+              <a:t>다시 입력해 주세요</a:t>
+            </a:r>
+            <a:r>
+              <a:rPr lang="en-US" altLang="ko-KR" dirty="0" smtClean="0"/>
+              <a:t>” </a:t>
+            </a:r>
+            <a:r>
+              <a:rPr lang="ko-KR" altLang="en-US" dirty="0" smtClean="0"/>
+              <a:t>출력</a:t>
+            </a:r>
+            <a:endParaRPr lang="en-US" altLang="ko-KR" dirty="0" smtClean="0"/>
           </a:p>
         </p:txBody>
       </p:sp>
@@ -17643,8 +17618,8 @@
         </p:blipFill>
         <p:spPr>
           <a:xfrm>
-            <a:off x="5186941" y="2572556"/>
-            <a:ext cx="2133785" cy="1943269"/>
+            <a:off x="1712640" y="4149080"/>
+            <a:ext cx="3096344" cy="1402763"/>
           </a:xfrm>
           <a:prstGeom prst="rect">
             <a:avLst/>
@@ -17658,115 +17633,10 @@
           </a:ln>
         </p:spPr>
       </p:pic>
-      <p:pic>
-        <p:nvPicPr>
-          <p:cNvPr id="5" name="그림 4"/>
-          <p:cNvPicPr>
-            <a:picLocks noChangeAspect="1"/>
-          </p:cNvPicPr>
-          <p:nvPr/>
-        </p:nvPicPr>
-        <p:blipFill>
-          <a:blip r:embed="rId3">
-            <a:extLst>
-              <a:ext uri="{28A0092B-C50C-407E-A947-70E740481C1C}">
-                <a14:useLocalDpi xmlns:a14="http://schemas.microsoft.com/office/drawing/2010/main" val="0"/>
-              </a:ext>
-            </a:extLst>
-          </a:blip>
-          <a:stretch>
-            <a:fillRect/>
-          </a:stretch>
-        </p:blipFill>
-        <p:spPr>
-          <a:xfrm>
-            <a:off x="1885761" y="2572556"/>
-            <a:ext cx="2203143" cy="3304716"/>
-          </a:xfrm>
-          <a:prstGeom prst="rect">
-            <a:avLst/>
-          </a:prstGeom>
-          <a:ln>
-            <a:solidFill>
-              <a:schemeClr val="bg1">
-                <a:lumMod val="85000"/>
-              </a:schemeClr>
-            </a:solidFill>
-          </a:ln>
-        </p:spPr>
-      </p:pic>
-      <p:sp>
-        <p:nvSpPr>
-          <p:cNvPr id="8" name="모서리가 둥근 직사각형 7"/>
-          <p:cNvSpPr/>
-          <p:nvPr/>
-        </p:nvSpPr>
-        <p:spPr>
-          <a:xfrm>
-            <a:off x="1208584" y="1340768"/>
-            <a:ext cx="2016224" cy="504056"/>
-          </a:xfrm>
-          <a:prstGeom prst="roundRect">
-            <a:avLst/>
-          </a:prstGeom>
-          <a:ln>
-            <a:noFill/>
-          </a:ln>
-        </p:spPr>
-        <p:style>
-          <a:lnRef idx="2">
-            <a:schemeClr val="dk1"/>
-          </a:lnRef>
-          <a:fillRef idx="1">
-            <a:schemeClr val="lt1"/>
-          </a:fillRef>
-          <a:effectRef idx="0">
-            <a:schemeClr val="dk1"/>
-          </a:effectRef>
-          <a:fontRef idx="minor">
-            <a:schemeClr val="dk1"/>
-          </a:fontRef>
-        </p:style>
-        <p:txBody>
-          <a:bodyPr rtlCol="0" anchor="ctr"/>
-          <a:lstStyle/>
-          <a:p>
-            <a:r>
-              <a:rPr lang="ko-KR" altLang="en-US" sz="2000" dirty="0" smtClean="0">
-                <a:solidFill>
-                  <a:sysClr val="windowText" lastClr="000000"/>
-                </a:solidFill>
-              </a:rPr>
-              <a:t>◎</a:t>
-            </a:r>
-            <a:r>
-              <a:rPr lang="en-US" altLang="ko-KR" sz="2000" dirty="0" smtClean="0">
-                <a:solidFill>
-                  <a:sysClr val="windowText" lastClr="000000"/>
-                </a:solidFill>
-              </a:rPr>
-              <a:t> </a:t>
-            </a:r>
-            <a:r>
-              <a:rPr lang="ko-KR" altLang="en-US" sz="2000" dirty="0" smtClean="0">
-                <a:solidFill>
-                  <a:sysClr val="windowText" lastClr="000000"/>
-                </a:solidFill>
-              </a:rPr>
-              <a:t>모듈 만들기</a:t>
-            </a:r>
-            <a:endParaRPr lang="en-US" altLang="ko-KR" sz="2000" dirty="0" smtClean="0">
-              <a:solidFill>
-                <a:sysClr val="windowText" lastClr="000000"/>
-              </a:solidFill>
-            </a:endParaRPr>
-          </a:p>
-        </p:txBody>
-      </p:sp>
     </p:spTree>
     <p:extLst>
       <p:ext uri="{BB962C8B-B14F-4D97-AF65-F5344CB8AC3E}">
-        <p14:creationId xmlns:p14="http://schemas.microsoft.com/office/powerpoint/2010/main" val="1999571930"/>
+        <p14:creationId xmlns:p14="http://schemas.microsoft.com/office/powerpoint/2010/main" val="1516985160"/>
       </p:ext>
     </p:extLst>
   </p:cSld>
@@ -17810,7 +17680,12 @@
             <p:ph type="title"/>
           </p:nvPr>
         </p:nvSpPr>
-        <p:spPr/>
+        <p:spPr>
+          <a:xfrm>
+            <a:off x="457224" y="191593"/>
+            <a:ext cx="6825208" cy="854968"/>
+          </a:xfrm>
+        </p:spPr>
         <p:txBody>
           <a:bodyPr>
             <a:normAutofit/>
@@ -17818,22 +17693,18 @@
           <a:lstStyle/>
           <a:p>
             <a:r>
-              <a:rPr lang="en-US" altLang="ko-KR" sz="2800" dirty="0" smtClean="0"/>
+              <a:rPr lang="en-US" altLang="ko-KR" dirty="0"/>
               <a:t> </a:t>
             </a:r>
             <a:r>
-              <a:rPr lang="ko-KR" altLang="en-US" sz="2800" dirty="0" smtClean="0"/>
-              <a:t>모듈</a:t>
-            </a:r>
-            <a:r>
-              <a:rPr lang="en-US" altLang="ko-KR" sz="2800" dirty="0" smtClean="0"/>
-              <a:t>(Module) </a:t>
-            </a:r>
-            <a:r>
-              <a:rPr lang="ko-KR" altLang="en-US" sz="2800" dirty="0" smtClean="0"/>
-              <a:t>가져오기</a:t>
-            </a:r>
-            <a:endParaRPr lang="ko-KR" altLang="en-US" sz="2800" dirty="0"/>
+              <a:rPr lang="en-US" altLang="ko-KR" dirty="0" smtClean="0"/>
+              <a:t> </a:t>
+            </a:r>
+            <a:r>
+              <a:rPr lang="ko-KR" altLang="en-US" dirty="0" smtClean="0"/>
+              <a:t>가위 바위 보 게임</a:t>
+            </a:r>
+            <a:endParaRPr lang="ko-KR" altLang="en-US" dirty="0"/>
           </a:p>
         </p:txBody>
       </p:sp>
@@ -17862,51 +17733,115 @@
       </p:sp>
       <p:sp>
         <p:nvSpPr>
-          <p:cNvPr id="14" name="모서리가 둥근 직사각형 13"/>
-          <p:cNvSpPr/>
+          <p:cNvPr id="9" name="TextBox 8"/>
+          <p:cNvSpPr txBox="1"/>
           <p:nvPr/>
         </p:nvSpPr>
         <p:spPr>
           <a:xfrm>
-            <a:off x="1208584" y="1504713"/>
-            <a:ext cx="1476164" cy="418762"/>
-          </a:xfrm>
-          <a:prstGeom prst="roundRect">
+            <a:off x="920552" y="1221565"/>
+            <a:ext cx="6192688" cy="509178"/>
+          </a:xfrm>
+          <a:prstGeom prst="rect">
             <a:avLst/>
           </a:prstGeom>
-          <a:ln w="12700">
+          <a:ln>
             <a:noFill/>
           </a:ln>
         </p:spPr>
         <p:style>
           <a:lnRef idx="2">
-            <a:schemeClr val="accent4"/>
+            <a:schemeClr val="dk1"/>
           </a:lnRef>
           <a:fillRef idx="1">
             <a:schemeClr val="lt1"/>
           </a:fillRef>
           <a:effectRef idx="0">
-            <a:schemeClr val="accent4"/>
+            <a:schemeClr val="dk1"/>
           </a:effectRef>
           <a:fontRef idx="minor">
             <a:schemeClr val="dk1"/>
           </a:fontRef>
         </p:style>
         <p:txBody>
-          <a:bodyPr rtlCol="0" anchor="ctr"/>
-          <a:lstStyle/>
-          <a:p>
+          <a:bodyPr wrap="square" rtlCol="0">
+            <a:spAutoFit/>
+          </a:bodyPr>
+          <a:lstStyle/>
+          <a:p>
+            <a:pPr marL="342900" indent="-342900">
+              <a:lnSpc>
+                <a:spcPct val="150000"/>
+              </a:lnSpc>
+              <a:buFont typeface="Arial" panose="020B0604020202020204" pitchFamily="34" charset="0"/>
+              <a:buChar char="•"/>
+            </a:pPr>
+            <a:r>
+              <a:rPr lang="ko-KR" altLang="en-US" sz="2000" dirty="0" smtClean="0">
+                <a:latin typeface="휴먼엑스포" panose="02030504000101010101" pitchFamily="18" charset="-127"/>
+                <a:ea typeface="휴먼엑스포" panose="02030504000101010101" pitchFamily="18" charset="-127"/>
+              </a:rPr>
+              <a:t>게임 </a:t>
+            </a:r>
+            <a:r>
+              <a:rPr lang="en-US" altLang="ko-KR" sz="2000" dirty="0" smtClean="0">
+                <a:latin typeface="휴먼엑스포" panose="02030504000101010101" pitchFamily="18" charset="-127"/>
+                <a:ea typeface="휴먼엑스포" panose="02030504000101010101" pitchFamily="18" charset="-127"/>
+              </a:rPr>
+              <a:t>1</a:t>
+            </a:r>
+          </a:p>
+        </p:txBody>
+      </p:sp>
+      <p:sp>
+        <p:nvSpPr>
+          <p:cNvPr id="8" name="TextBox 7"/>
+          <p:cNvSpPr txBox="1"/>
+          <p:nvPr/>
+        </p:nvSpPr>
+        <p:spPr>
+          <a:xfrm>
+            <a:off x="6753200" y="2708920"/>
+            <a:ext cx="1800200" cy="369332"/>
+          </a:xfrm>
+          <a:prstGeom prst="rect">
+            <a:avLst/>
+          </a:prstGeom>
+          <a:noFill/>
+        </p:spPr>
+        <p:txBody>
+          <a:bodyPr wrap="square" rtlCol="0">
+            <a:spAutoFit/>
+          </a:bodyPr>
+          <a:lstStyle/>
+          <a:p>
+            <a:r>
+              <a:rPr lang="ko-KR" altLang="en-US" smtClean="0">
+                <a:solidFill>
+                  <a:srgbClr val="FF0000"/>
+                </a:solidFill>
+              </a:rPr>
+              <a:t>가위바위보</a:t>
+            </a:r>
             <a:r>
               <a:rPr lang="en-US" altLang="ko-KR" dirty="0" smtClean="0">
                 <a:solidFill>
-                  <a:sysClr val="windowText" lastClr="000000"/>
-                </a:solidFill>
-              </a:rPr>
-              <a:t>mylib1.py</a:t>
+                  <a:srgbClr val="FF0000"/>
+                </a:solidFill>
+              </a:rPr>
+              <a:t>.</a:t>
+            </a:r>
+            <a:r>
+              <a:rPr lang="en-US" altLang="ko-KR" dirty="0" err="1" smtClean="0">
+                <a:solidFill>
+                  <a:srgbClr val="FF0000"/>
+                </a:solidFill>
+              </a:rPr>
+              <a:t>py</a:t>
             </a:r>
             <a:endParaRPr lang="ko-KR" altLang="en-US" dirty="0">
               <a:solidFill>
-                <a:sysClr val="windowText" lastClr="000000"/>
+                <a:srgbClr val="FF0000"/>
               </a:solidFill>
             </a:endParaRPr>
           </a:p>
@@ -17914,7 +17849,7 @@
       </p:sp>
       <p:pic>
         <p:nvPicPr>
-          <p:cNvPr id="3" name="그림 2"/>
+          <p:cNvPr id="5" name="그림 4"/>
           <p:cNvPicPr>
             <a:picLocks noChangeAspect="1"/>
           </p:cNvPicPr>
@@ -17934,8 +17869,8 @@
         </p:blipFill>
         <p:spPr>
           <a:xfrm>
-            <a:off x="1640632" y="2060848"/>
-            <a:ext cx="5517358" cy="3612193"/>
+            <a:off x="1712640" y="1905747"/>
+            <a:ext cx="4823878" cy="4404742"/>
           </a:xfrm>
           <a:prstGeom prst="rect">
             <a:avLst/>
@@ -17952,7 +17887,7 @@
     </p:spTree>
     <p:extLst>
       <p:ext uri="{BB962C8B-B14F-4D97-AF65-F5344CB8AC3E}">
-        <p14:creationId xmlns:p14="http://schemas.microsoft.com/office/powerpoint/2010/main" val="3679478355"/>
+        <p14:creationId xmlns:p14="http://schemas.microsoft.com/office/powerpoint/2010/main" val="2331638655"/>
       </p:ext>
     </p:extLst>
   </p:cSld>
@@ -17996,7 +17931,12 @@
             <p:ph type="title"/>
           </p:nvPr>
         </p:nvSpPr>
-        <p:spPr/>
+        <p:spPr>
+          <a:xfrm>
+            <a:off x="457224" y="191593"/>
+            <a:ext cx="6825208" cy="854968"/>
+          </a:xfrm>
+        </p:spPr>
         <p:txBody>
           <a:bodyPr>
             <a:normAutofit/>
@@ -18004,22 +17944,18 @@
           <a:lstStyle/>
           <a:p>
             <a:r>
-              <a:rPr lang="en-US" altLang="ko-KR" sz="2800" dirty="0" smtClean="0"/>
+              <a:rPr lang="en-US" altLang="ko-KR" dirty="0"/>
               <a:t> </a:t>
             </a:r>
             <a:r>
-              <a:rPr lang="ko-KR" altLang="en-US" sz="2800" dirty="0" smtClean="0"/>
-              <a:t>모듈</a:t>
-            </a:r>
-            <a:r>
-              <a:rPr lang="en-US" altLang="ko-KR" sz="2800" dirty="0" smtClean="0"/>
-              <a:t>(Module) </a:t>
-            </a:r>
-            <a:r>
-              <a:rPr lang="ko-KR" altLang="en-US" sz="2800" dirty="0" smtClean="0"/>
-              <a:t>가져오기</a:t>
-            </a:r>
-            <a:endParaRPr lang="ko-KR" altLang="en-US" sz="2800" dirty="0"/>
+              <a:rPr lang="en-US" altLang="ko-KR" dirty="0" smtClean="0"/>
+              <a:t> </a:t>
+            </a:r>
+            <a:r>
+              <a:rPr lang="ko-KR" altLang="en-US" dirty="0" smtClean="0"/>
+              <a:t>가위 바위 보 게임</a:t>
+            </a:r>
+            <a:endParaRPr lang="ko-KR" altLang="en-US" dirty="0"/>
           </a:p>
         </p:txBody>
       </p:sp>
@@ -18048,51 +17984,115 @@
       </p:sp>
       <p:sp>
         <p:nvSpPr>
-          <p:cNvPr id="14" name="모서리가 둥근 직사각형 13"/>
-          <p:cNvSpPr/>
+          <p:cNvPr id="9" name="TextBox 8"/>
+          <p:cNvSpPr txBox="1"/>
           <p:nvPr/>
         </p:nvSpPr>
         <p:spPr>
           <a:xfrm>
-            <a:off x="1208584" y="1504713"/>
-            <a:ext cx="1476164" cy="418762"/>
-          </a:xfrm>
-          <a:prstGeom prst="roundRect">
+            <a:off x="920552" y="1221565"/>
+            <a:ext cx="1872208" cy="553998"/>
+          </a:xfrm>
+          <a:prstGeom prst="rect">
             <a:avLst/>
           </a:prstGeom>
-          <a:ln w="12700">
+          <a:ln>
             <a:noFill/>
           </a:ln>
         </p:spPr>
         <p:style>
           <a:lnRef idx="2">
-            <a:schemeClr val="accent4"/>
+            <a:schemeClr val="dk1"/>
           </a:lnRef>
           <a:fillRef idx="1">
             <a:schemeClr val="lt1"/>
           </a:fillRef>
           <a:effectRef idx="0">
-            <a:schemeClr val="accent4"/>
+            <a:schemeClr val="dk1"/>
           </a:effectRef>
           <a:fontRef idx="minor">
             <a:schemeClr val="dk1"/>
           </a:fontRef>
         </p:style>
         <p:txBody>
-          <a:bodyPr rtlCol="0" anchor="ctr"/>
-          <a:lstStyle/>
-          <a:p>
+          <a:bodyPr wrap="square" rtlCol="0">
+            <a:spAutoFit/>
+          </a:bodyPr>
+          <a:lstStyle/>
+          <a:p>
+            <a:pPr marL="342900" indent="-342900">
+              <a:lnSpc>
+                <a:spcPct val="150000"/>
+              </a:lnSpc>
+              <a:buFont typeface="Arial" panose="020B0604020202020204" pitchFamily="34" charset="0"/>
+              <a:buChar char="•"/>
+            </a:pPr>
+            <a:r>
+              <a:rPr lang="ko-KR" altLang="en-US" sz="2000" dirty="0" smtClean="0">
+                <a:latin typeface="휴먼엑스포" panose="02030504000101010101" pitchFamily="18" charset="-127"/>
+                <a:ea typeface="휴먼엑스포" panose="02030504000101010101" pitchFamily="18" charset="-127"/>
+              </a:rPr>
+              <a:t>게임 </a:t>
+            </a:r>
+            <a:r>
+              <a:rPr lang="en-US" altLang="ko-KR" sz="2000" dirty="0" smtClean="0">
+                <a:latin typeface="휴먼엑스포" panose="02030504000101010101" pitchFamily="18" charset="-127"/>
+                <a:ea typeface="휴먼엑스포" panose="02030504000101010101" pitchFamily="18" charset="-127"/>
+              </a:rPr>
+              <a:t>1</a:t>
+            </a:r>
+          </a:p>
+        </p:txBody>
+      </p:sp>
+      <p:sp>
+        <p:nvSpPr>
+          <p:cNvPr id="8" name="TextBox 7"/>
+          <p:cNvSpPr txBox="1"/>
+          <p:nvPr/>
+        </p:nvSpPr>
+        <p:spPr>
+          <a:xfrm>
+            <a:off x="6753200" y="2708920"/>
+            <a:ext cx="1800200" cy="369332"/>
+          </a:xfrm>
+          <a:prstGeom prst="rect">
+            <a:avLst/>
+          </a:prstGeom>
+          <a:noFill/>
+        </p:spPr>
+        <p:txBody>
+          <a:bodyPr wrap="square" rtlCol="0">
+            <a:spAutoFit/>
+          </a:bodyPr>
+          <a:lstStyle/>
+          <a:p>
+            <a:r>
+              <a:rPr lang="ko-KR" altLang="en-US" smtClean="0">
+                <a:solidFill>
+                  <a:srgbClr val="FF0000"/>
+                </a:solidFill>
+              </a:rPr>
+              <a:t>가위바위보</a:t>
+            </a:r>
             <a:r>
               <a:rPr lang="en-US" altLang="ko-KR" dirty="0" smtClean="0">
                 <a:solidFill>
-                  <a:sysClr val="windowText" lastClr="000000"/>
-                </a:solidFill>
-              </a:rPr>
-              <a:t>mylib2.py</a:t>
+                  <a:srgbClr val="FF0000"/>
+                </a:solidFill>
+              </a:rPr>
+              <a:t>.</a:t>
+            </a:r>
+            <a:r>
+              <a:rPr lang="en-US" altLang="ko-KR" dirty="0" err="1" smtClean="0">
+                <a:solidFill>
+                  <a:srgbClr val="FF0000"/>
+                </a:solidFill>
+              </a:rPr>
+              <a:t>py</a:t>
             </a:r>
             <a:endParaRPr lang="ko-KR" altLang="en-US" dirty="0">
               <a:solidFill>
-                <a:sysClr val="windowText" lastClr="000000"/>
+                <a:srgbClr val="FF0000"/>
               </a:solidFill>
             </a:endParaRPr>
           </a:p>
@@ -18100,7 +18100,7 @@
       </p:sp>
       <p:pic>
         <p:nvPicPr>
-          <p:cNvPr id="5" name="그림 4"/>
+          <p:cNvPr id="6" name="그림 5"/>
           <p:cNvPicPr>
             <a:picLocks noChangeAspect="1"/>
           </p:cNvPicPr>
@@ -18120,8 +18120,8 @@
         </p:blipFill>
         <p:spPr>
           <a:xfrm>
-            <a:off x="1640632" y="2060848"/>
-            <a:ext cx="3779848" cy="3749365"/>
+            <a:off x="1624008" y="1844824"/>
+            <a:ext cx="4785775" cy="4381880"/>
           </a:xfrm>
           <a:prstGeom prst="rect">
             <a:avLst/>
@@ -18138,7 +18138,396 @@
     </p:spTree>
     <p:extLst>
       <p:ext uri="{BB962C8B-B14F-4D97-AF65-F5344CB8AC3E}">
-        <p14:creationId xmlns:p14="http://schemas.microsoft.com/office/powerpoint/2010/main" val="376196665"/>
+        <p14:creationId xmlns:p14="http://schemas.microsoft.com/office/powerpoint/2010/main" val="2573720726"/>
+      </p:ext>
+    </p:extLst>
+  </p:cSld>
+  <p:clrMapOvr>
+    <a:masterClrMapping/>
+  </p:clrMapOvr>
+  <p:timing>
+    <p:tnLst>
+      <p:par>
+        <p:cTn id="1" dur="indefinite" restart="never" nodeType="tmRoot"/>
+      </p:par>
+    </p:tnLst>
+  </p:timing>
+</p:sld>
+</file>
+
+<file path=ppt/slides/slide44.xml><?xml version="1.0" encoding="utf-8"?>
+<p:sld xmlns:a="http://schemas.openxmlformats.org/drawingml/2006/main" xmlns:r="http://schemas.openxmlformats.org/officeDocument/2006/relationships" xmlns:p="http://schemas.openxmlformats.org/presentationml/2006/main">
+  <p:cSld>
+    <p:spTree>
+      <p:nvGrpSpPr>
+        <p:cNvPr id="1" name=""/>
+        <p:cNvGrpSpPr/>
+        <p:nvPr/>
+      </p:nvGrpSpPr>
+      <p:grpSpPr>
+        <a:xfrm>
+          <a:off x="0" y="0"/>
+          <a:ext cx="0" cy="0"/>
+          <a:chOff x="0" y="0"/>
+          <a:chExt cx="0" cy="0"/>
+        </a:xfrm>
+      </p:grpSpPr>
+      <p:sp>
+        <p:nvSpPr>
+          <p:cNvPr id="2" name="제목 1"/>
+          <p:cNvSpPr>
+            <a:spLocks noGrp="1"/>
+          </p:cNvSpPr>
+          <p:nvPr>
+            <p:ph type="title"/>
+          </p:nvPr>
+        </p:nvSpPr>
+        <p:spPr>
+          <a:xfrm>
+            <a:off x="457224" y="191593"/>
+            <a:ext cx="6825208" cy="854968"/>
+          </a:xfrm>
+        </p:spPr>
+        <p:txBody>
+          <a:bodyPr>
+            <a:normAutofit/>
+          </a:bodyPr>
+          <a:lstStyle/>
+          <a:p>
+            <a:r>
+              <a:rPr lang="en-US" altLang="ko-KR" dirty="0"/>
+              <a:t> </a:t>
+            </a:r>
+            <a:r>
+              <a:rPr lang="en-US" altLang="ko-KR" dirty="0" smtClean="0"/>
+              <a:t> </a:t>
+            </a:r>
+            <a:r>
+              <a:rPr lang="ko-KR" altLang="en-US" dirty="0" smtClean="0"/>
+              <a:t>가위 바위 보 게임</a:t>
+            </a:r>
+            <a:endParaRPr lang="ko-KR" altLang="en-US" dirty="0"/>
+          </a:p>
+        </p:txBody>
+      </p:sp>
+      <p:sp>
+        <p:nvSpPr>
+          <p:cNvPr id="4" name="슬라이드 번호 개체 틀 3"/>
+          <p:cNvSpPr>
+            <a:spLocks noGrp="1"/>
+          </p:cNvSpPr>
+          <p:nvPr>
+            <p:ph type="sldNum" sz="quarter" idx="12"/>
+          </p:nvPr>
+        </p:nvSpPr>
+        <p:spPr/>
+        <p:txBody>
+          <a:bodyPr/>
+          <a:lstStyle/>
+          <a:p>
+            <a:fld id="{1BDE3FE7-3AEA-4B05-AC5A-802D1816ACF0}" type="slidenum">
+              <a:rPr lang="ko-KR" altLang="en-US" smtClean="0"/>
+              <a:t>44</a:t>
+            </a:fld>
+            <a:endParaRPr lang="ko-KR" altLang="en-US"/>
+          </a:p>
+        </p:txBody>
+      </p:sp>
+      <p:pic>
+        <p:nvPicPr>
+          <p:cNvPr id="6" name="그림 5"/>
+          <p:cNvPicPr>
+            <a:picLocks noChangeAspect="1"/>
+          </p:cNvPicPr>
+          <p:nvPr/>
+        </p:nvPicPr>
+        <p:blipFill rotWithShape="1">
+          <a:blip r:embed="rId2">
+            <a:extLst>
+              <a:ext uri="{28A0092B-C50C-407E-A947-70E740481C1C}">
+                <a14:useLocalDpi xmlns:a14="http://schemas.microsoft.com/office/drawing/2010/main" val="0"/>
+              </a:ext>
+            </a:extLst>
+          </a:blip>
+          <a:srcRect l="-1" r="23463"/>
+          <a:stretch/>
+        </p:blipFill>
+        <p:spPr>
+          <a:xfrm>
+            <a:off x="1640632" y="1934882"/>
+            <a:ext cx="4248472" cy="3578114"/>
+          </a:xfrm>
+          <a:prstGeom prst="rect">
+            <a:avLst/>
+          </a:prstGeom>
+          <a:ln>
+            <a:solidFill>
+              <a:schemeClr val="bg1">
+                <a:lumMod val="85000"/>
+              </a:schemeClr>
+            </a:solidFill>
+          </a:ln>
+        </p:spPr>
+      </p:pic>
+      <p:sp>
+        <p:nvSpPr>
+          <p:cNvPr id="8" name="TextBox 7"/>
+          <p:cNvSpPr txBox="1"/>
+          <p:nvPr/>
+        </p:nvSpPr>
+        <p:spPr>
+          <a:xfrm>
+            <a:off x="6033120" y="2132856"/>
+            <a:ext cx="1800200" cy="369332"/>
+          </a:xfrm>
+          <a:prstGeom prst="rect">
+            <a:avLst/>
+          </a:prstGeom>
+          <a:noFill/>
+        </p:spPr>
+        <p:txBody>
+          <a:bodyPr wrap="square" rtlCol="0">
+            <a:spAutoFit/>
+          </a:bodyPr>
+          <a:lstStyle/>
+          <a:p>
+            <a:r>
+              <a:rPr lang="ko-KR" altLang="en-US" dirty="0" smtClean="0">
+                <a:solidFill>
+                  <a:srgbClr val="FF0000"/>
+                </a:solidFill>
+              </a:rPr>
+              <a:t>가위바위보</a:t>
+            </a:r>
+            <a:r>
+              <a:rPr lang="en-US" altLang="ko-KR" dirty="0" smtClean="0">
+                <a:solidFill>
+                  <a:srgbClr val="FF0000"/>
+                </a:solidFill>
+              </a:rPr>
+              <a:t>.</a:t>
+            </a:r>
+            <a:r>
+              <a:rPr lang="en-US" altLang="ko-KR" dirty="0" err="1" smtClean="0">
+                <a:solidFill>
+                  <a:srgbClr val="FF0000"/>
+                </a:solidFill>
+              </a:rPr>
+              <a:t>py</a:t>
+            </a:r>
+            <a:endParaRPr lang="ko-KR" altLang="en-US" dirty="0">
+              <a:solidFill>
+                <a:srgbClr val="FF0000"/>
+              </a:solidFill>
+            </a:endParaRPr>
+          </a:p>
+        </p:txBody>
+      </p:sp>
+      <p:sp>
+        <p:nvSpPr>
+          <p:cNvPr id="7" name="TextBox 6"/>
+          <p:cNvSpPr txBox="1"/>
+          <p:nvPr/>
+        </p:nvSpPr>
+        <p:spPr>
+          <a:xfrm>
+            <a:off x="920552" y="1221565"/>
+            <a:ext cx="1872208" cy="509178"/>
+          </a:xfrm>
+          <a:prstGeom prst="rect">
+            <a:avLst/>
+          </a:prstGeom>
+          <a:ln>
+            <a:noFill/>
+          </a:ln>
+        </p:spPr>
+        <p:style>
+          <a:lnRef idx="2">
+            <a:schemeClr val="dk1"/>
+          </a:lnRef>
+          <a:fillRef idx="1">
+            <a:schemeClr val="lt1"/>
+          </a:fillRef>
+          <a:effectRef idx="0">
+            <a:schemeClr val="dk1"/>
+          </a:effectRef>
+          <a:fontRef idx="minor">
+            <a:schemeClr val="dk1"/>
+          </a:fontRef>
+        </p:style>
+        <p:txBody>
+          <a:bodyPr wrap="square" rtlCol="0">
+            <a:spAutoFit/>
+          </a:bodyPr>
+          <a:lstStyle/>
+          <a:p>
+            <a:pPr marL="342900" indent="-342900">
+              <a:lnSpc>
+                <a:spcPct val="150000"/>
+              </a:lnSpc>
+              <a:buFont typeface="Arial" panose="020B0604020202020204" pitchFamily="34" charset="0"/>
+              <a:buChar char="•"/>
+            </a:pPr>
+            <a:r>
+              <a:rPr lang="ko-KR" altLang="en-US" sz="2000" dirty="0" smtClean="0">
+                <a:latin typeface="휴먼엑스포" panose="02030504000101010101" pitchFamily="18" charset="-127"/>
+                <a:ea typeface="휴먼엑스포" panose="02030504000101010101" pitchFamily="18" charset="-127"/>
+              </a:rPr>
+              <a:t>게임 </a:t>
+            </a:r>
+            <a:r>
+              <a:rPr lang="en-US" altLang="ko-KR" sz="2000" dirty="0" smtClean="0">
+                <a:latin typeface="휴먼엑스포" panose="02030504000101010101" pitchFamily="18" charset="-127"/>
+                <a:ea typeface="휴먼엑스포" panose="02030504000101010101" pitchFamily="18" charset="-127"/>
+              </a:rPr>
+              <a:t>2</a:t>
+            </a:r>
+            <a:endParaRPr lang="en-US" altLang="ko-KR" sz="2000" dirty="0" smtClean="0">
+              <a:latin typeface="휴먼엑스포" panose="02030504000101010101" pitchFamily="18" charset="-127"/>
+              <a:ea typeface="휴먼엑스포" panose="02030504000101010101" pitchFamily="18" charset="-127"/>
+            </a:endParaRPr>
+          </a:p>
+        </p:txBody>
+      </p:sp>
+    </p:spTree>
+    <p:extLst>
+      <p:ext uri="{BB962C8B-B14F-4D97-AF65-F5344CB8AC3E}">
+        <p14:creationId xmlns:p14="http://schemas.microsoft.com/office/powerpoint/2010/main" val="2229040352"/>
+      </p:ext>
+    </p:extLst>
+  </p:cSld>
+  <p:clrMapOvr>
+    <a:masterClrMapping/>
+  </p:clrMapOvr>
+  <p:timing>
+    <p:tnLst>
+      <p:par>
+        <p:cTn id="1" dur="indefinite" restart="never" nodeType="tmRoot"/>
+      </p:par>
+    </p:tnLst>
+  </p:timing>
+</p:sld>
+</file>
+
+<file path=ppt/slides/slide45.xml><?xml version="1.0" encoding="utf-8"?>
+<p:sld xmlns:a="http://schemas.openxmlformats.org/drawingml/2006/main" xmlns:r="http://schemas.openxmlformats.org/officeDocument/2006/relationships" xmlns:p="http://schemas.openxmlformats.org/presentationml/2006/main">
+  <p:cSld>
+    <p:spTree>
+      <p:nvGrpSpPr>
+        <p:cNvPr id="1" name=""/>
+        <p:cNvGrpSpPr/>
+        <p:nvPr/>
+      </p:nvGrpSpPr>
+      <p:grpSpPr>
+        <a:xfrm>
+          <a:off x="0" y="0"/>
+          <a:ext cx="0" cy="0"/>
+          <a:chOff x="0" y="0"/>
+          <a:chExt cx="0" cy="0"/>
+        </a:xfrm>
+      </p:grpSpPr>
+      <p:sp>
+        <p:nvSpPr>
+          <p:cNvPr id="2" name="제목 1"/>
+          <p:cNvSpPr>
+            <a:spLocks noGrp="1"/>
+          </p:cNvSpPr>
+          <p:nvPr>
+            <p:ph type="title"/>
+          </p:nvPr>
+        </p:nvSpPr>
+        <p:spPr>
+          <a:xfrm>
+            <a:off x="457224" y="191593"/>
+            <a:ext cx="6825208" cy="854968"/>
+          </a:xfrm>
+        </p:spPr>
+        <p:txBody>
+          <a:bodyPr>
+            <a:normAutofit/>
+          </a:bodyPr>
+          <a:lstStyle/>
+          <a:p>
+            <a:r>
+              <a:rPr lang="en-US" altLang="ko-KR" dirty="0"/>
+              <a:t> </a:t>
+            </a:r>
+            <a:r>
+              <a:rPr lang="en-US" altLang="ko-KR" dirty="0" smtClean="0"/>
+              <a:t> </a:t>
+            </a:r>
+            <a:r>
+              <a:rPr lang="ko-KR" altLang="en-US" dirty="0" smtClean="0"/>
+              <a:t>가위 바위 보 게임</a:t>
+            </a:r>
+            <a:endParaRPr lang="ko-KR" altLang="en-US" dirty="0"/>
+          </a:p>
+        </p:txBody>
+      </p:sp>
+      <p:sp>
+        <p:nvSpPr>
+          <p:cNvPr id="4" name="슬라이드 번호 개체 틀 3"/>
+          <p:cNvSpPr>
+            <a:spLocks noGrp="1"/>
+          </p:cNvSpPr>
+          <p:nvPr>
+            <p:ph type="sldNum" sz="quarter" idx="12"/>
+          </p:nvPr>
+        </p:nvSpPr>
+        <p:spPr/>
+        <p:txBody>
+          <a:bodyPr/>
+          <a:lstStyle/>
+          <a:p>
+            <a:fld id="{1BDE3FE7-3AEA-4B05-AC5A-802D1816ACF0}" type="slidenum">
+              <a:rPr lang="ko-KR" altLang="en-US" smtClean="0"/>
+              <a:t>45</a:t>
+            </a:fld>
+            <a:endParaRPr lang="ko-KR" altLang="en-US"/>
+          </a:p>
+        </p:txBody>
+      </p:sp>
+      <p:pic>
+        <p:nvPicPr>
+          <p:cNvPr id="3" name="그림 2"/>
+          <p:cNvPicPr>
+            <a:picLocks noChangeAspect="1"/>
+          </p:cNvPicPr>
+          <p:nvPr/>
+        </p:nvPicPr>
+        <p:blipFill>
+          <a:blip r:embed="rId2">
+            <a:extLst>
+              <a:ext uri="{28A0092B-C50C-407E-A947-70E740481C1C}">
+                <a14:useLocalDpi xmlns:a14="http://schemas.microsoft.com/office/drawing/2010/main" val="0"/>
+              </a:ext>
+            </a:extLst>
+          </a:blip>
+          <a:stretch>
+            <a:fillRect/>
+          </a:stretch>
+        </p:blipFill>
+        <p:spPr>
+          <a:xfrm>
+            <a:off x="1712640" y="1352635"/>
+            <a:ext cx="4968552" cy="5076564"/>
+          </a:xfrm>
+          <a:prstGeom prst="rect">
+            <a:avLst/>
+          </a:prstGeom>
+          <a:ln>
+            <a:solidFill>
+              <a:schemeClr val="bg1">
+                <a:lumMod val="85000"/>
+              </a:schemeClr>
+            </a:solidFill>
+          </a:ln>
+        </p:spPr>
+      </p:pic>
+    </p:spTree>
+    <p:extLst>
+      <p:ext uri="{BB962C8B-B14F-4D97-AF65-F5344CB8AC3E}">
+        <p14:creationId xmlns:p14="http://schemas.microsoft.com/office/powerpoint/2010/main" val="3137931717"/>
       </p:ext>
     </p:extLst>
   </p:cSld>

--- a/pyWorks/자료/python_ppt/Python 6장. 모듈 .pptx
+++ b/pyWorks/자료/python_ppt/Python 6장. 모듈 .pptx
@@ -5,7 +5,7 @@
     <p:sldMasterId id="2147483648" r:id="rId1"/>
   </p:sldMasterIdLst>
   <p:notesMasterIdLst>
-    <p:notesMasterId r:id="rId47"/>
+    <p:notesMasterId r:id="rId55"/>
   </p:notesMasterIdLst>
   <p:sldIdLst>
     <p:sldId id="256" r:id="rId2"/>
@@ -53,6 +53,14 @@
     <p:sldId id="390" r:id="rId44"/>
     <p:sldId id="389" r:id="rId45"/>
     <p:sldId id="391" r:id="rId46"/>
+    <p:sldId id="392" r:id="rId47"/>
+    <p:sldId id="393" r:id="rId48"/>
+    <p:sldId id="394" r:id="rId49"/>
+    <p:sldId id="395" r:id="rId50"/>
+    <p:sldId id="396" r:id="rId51"/>
+    <p:sldId id="397" r:id="rId52"/>
+    <p:sldId id="398" r:id="rId53"/>
+    <p:sldId id="399" r:id="rId54"/>
   </p:sldIdLst>
   <p:sldSz cx="9906000" cy="6858000" type="A4"/>
   <p:notesSz cx="6858000" cy="9144000"/>
@@ -252,7 +260,7 @@
           <a:p>
             <a:fld id="{7665CDAC-D627-4E87-877A-1B781DD4CADC}" type="datetimeFigureOut">
               <a:rPr lang="ko-KR" altLang="en-US" smtClean="0"/>
-              <a:t>2023-05-15</a:t>
+              <a:t>2023-05-16</a:t>
             </a:fld>
             <a:endParaRPr lang="ko-KR" altLang="en-US"/>
           </a:p>
@@ -664,7 +672,7 @@
           <a:p>
             <a:fld id="{C25BCFD5-C4DF-4EBC-B718-C69ED2FBDE6F}" type="datetime1">
               <a:rPr lang="ko-KR" altLang="en-US" smtClean="0"/>
-              <a:t>2023-05-15</a:t>
+              <a:t>2023-05-16</a:t>
             </a:fld>
             <a:endParaRPr lang="ko-KR" altLang="en-US"/>
           </a:p>
@@ -1115,7 +1123,7 @@
           <a:p>
             <a:fld id="{AB448CD7-D367-43D5-B461-ACE552E75063}" type="datetime1">
               <a:rPr lang="ko-KR" altLang="en-US" smtClean="0"/>
-              <a:t>2023-05-15</a:t>
+              <a:t>2023-05-16</a:t>
             </a:fld>
             <a:endParaRPr lang="ko-KR" altLang="en-US"/>
           </a:p>
@@ -1293,7 +1301,7 @@
           <a:p>
             <a:fld id="{B6E49E79-7361-4780-8BEF-7EDE3708298A}" type="datetime1">
               <a:rPr lang="ko-KR" altLang="en-US" smtClean="0"/>
-              <a:t>2023-05-15</a:t>
+              <a:t>2023-05-16</a:t>
             </a:fld>
             <a:endParaRPr lang="ko-KR" altLang="en-US"/>
           </a:p>
@@ -1465,7 +1473,7 @@
           <a:p>
             <a:fld id="{A4D42E3C-B70B-437C-85CF-1286301B9CBA}" type="datetime1">
               <a:rPr lang="ko-KR" altLang="en-US" smtClean="0"/>
-              <a:t>2023-05-15</a:t>
+              <a:t>2023-05-16</a:t>
             </a:fld>
             <a:endParaRPr lang="ko-KR" altLang="en-US"/>
           </a:p>
@@ -1717,7 +1725,7 @@
           <a:p>
             <a:fld id="{B3369A20-5B3D-4D98-A822-26B93D177A40}" type="datetime1">
               <a:rPr lang="ko-KR" altLang="en-US" smtClean="0"/>
-              <a:t>2023-05-15</a:t>
+              <a:t>2023-05-16</a:t>
             </a:fld>
             <a:endParaRPr lang="ko-KR" altLang="en-US"/>
           </a:p>
@@ -2002,7 +2010,7 @@
           <a:p>
             <a:fld id="{685CD4CE-9E43-4F70-A9D8-A2130CA7D92A}" type="datetime1">
               <a:rPr lang="ko-KR" altLang="en-US" smtClean="0"/>
-              <a:t>2023-05-15</a:t>
+              <a:t>2023-05-16</a:t>
             </a:fld>
             <a:endParaRPr lang="ko-KR" altLang="en-US"/>
           </a:p>
@@ -2428,7 +2436,7 @@
           <a:p>
             <a:fld id="{F752BD92-DA3E-4A0B-90C9-7DE5E15B6E96}" type="datetime1">
               <a:rPr lang="ko-KR" altLang="en-US" smtClean="0"/>
-              <a:t>2023-05-15</a:t>
+              <a:t>2023-05-16</a:t>
             </a:fld>
             <a:endParaRPr lang="ko-KR" altLang="en-US"/>
           </a:p>
@@ -2552,7 +2560,7 @@
           <a:p>
             <a:fld id="{8EA2B83A-F366-424E-B742-340ACF856BB5}" type="datetime1">
               <a:rPr lang="ko-KR" altLang="en-US" smtClean="0"/>
-              <a:t>2023-05-15</a:t>
+              <a:t>2023-05-16</a:t>
             </a:fld>
             <a:endParaRPr lang="ko-KR" altLang="en-US"/>
           </a:p>
@@ -2647,7 +2655,7 @@
           <a:p>
             <a:fld id="{9A49D68B-5DBD-48E9-A8D4-FCBC4B3DD9C6}" type="datetime1">
               <a:rPr lang="ko-KR" altLang="en-US" smtClean="0"/>
-              <a:t>2023-05-15</a:t>
+              <a:t>2023-05-16</a:t>
             </a:fld>
             <a:endParaRPr lang="ko-KR" altLang="en-US"/>
           </a:p>
@@ -2922,7 +2930,7 @@
           <a:p>
             <a:fld id="{4CAB534F-7D16-467B-9320-91F98915D181}" type="datetime1">
               <a:rPr lang="ko-KR" altLang="en-US" smtClean="0"/>
-              <a:t>2023-05-15</a:t>
+              <a:t>2023-05-16</a:t>
             </a:fld>
             <a:endParaRPr lang="ko-KR" altLang="en-US"/>
           </a:p>
@@ -3174,7 +3182,7 @@
           <a:p>
             <a:fld id="{A390A91F-2F8D-4486-A69D-D680F95444B0}" type="datetime1">
               <a:rPr lang="ko-KR" altLang="en-US" smtClean="0"/>
-              <a:t>2023-05-15</a:t>
+              <a:t>2023-05-16</a:t>
             </a:fld>
             <a:endParaRPr lang="ko-KR" altLang="en-US"/>
           </a:p>
@@ -3353,7 +3361,7 @@
           <a:p>
             <a:fld id="{2238BBEA-E8DD-414A-BF68-FC2AFA7CFF2D}" type="datetime1">
               <a:rPr lang="ko-KR" altLang="en-US" smtClean="0"/>
-              <a:t>2023-05-15</a:t>
+              <a:t>2023-05-16</a:t>
             </a:fld>
             <a:endParaRPr lang="ko-KR" altLang="en-US"/>
           </a:p>
@@ -17503,7 +17511,11 @@
             </a:r>
             <a:r>
               <a:rPr lang="en-US" altLang="ko-KR" dirty="0" smtClean="0"/>
-              <a:t>      - </a:t>
+              <a:t>     </a:t>
+            </a:r>
+            <a:r>
+              <a:rPr lang="en-US" altLang="ko-KR" dirty="0" smtClean="0"/>
+              <a:t>- </a:t>
             </a:r>
             <a:r>
               <a:rPr lang="ko-KR" altLang="en-US" dirty="0" smtClean="0"/>
@@ -17562,7 +17574,11 @@
             </a:r>
             <a:r>
               <a:rPr lang="en-US" altLang="ko-KR" dirty="0" smtClean="0"/>
-              <a:t>      - </a:t>
+              <a:t>     </a:t>
+            </a:r>
+            <a:r>
+              <a:rPr lang="en-US" altLang="ko-KR" dirty="0" smtClean="0"/>
+              <a:t>- </a:t>
             </a:r>
             <a:r>
               <a:rPr lang="ko-KR" altLang="en-US" dirty="0" smtClean="0"/>
@@ -17801,7 +17817,7 @@
         </p:nvSpPr>
         <p:spPr>
           <a:xfrm>
-            <a:off x="6753200" y="2708920"/>
+            <a:off x="6609184" y="2708920"/>
             <a:ext cx="1800200" cy="369332"/>
           </a:xfrm>
           <a:prstGeom prst="rect">
@@ -17849,7 +17865,7 @@
       </p:sp>
       <p:pic>
         <p:nvPicPr>
-          <p:cNvPr id="5" name="그림 4"/>
+          <p:cNvPr id="3" name="그림 2"/>
           <p:cNvPicPr>
             <a:picLocks noChangeAspect="1"/>
           </p:cNvPicPr>
@@ -17869,8 +17885,8 @@
         </p:blipFill>
         <p:spPr>
           <a:xfrm>
-            <a:off x="1712640" y="1905747"/>
-            <a:ext cx="4823878" cy="4404742"/>
+            <a:off x="2432720" y="1713286"/>
+            <a:ext cx="3960440" cy="4849201"/>
           </a:xfrm>
           <a:prstGeom prst="rect">
             <a:avLst/>
@@ -18044,60 +18060,6 @@
           </a:p>
         </p:txBody>
       </p:sp>
-      <p:sp>
-        <p:nvSpPr>
-          <p:cNvPr id="8" name="TextBox 7"/>
-          <p:cNvSpPr txBox="1"/>
-          <p:nvPr/>
-        </p:nvSpPr>
-        <p:spPr>
-          <a:xfrm>
-            <a:off x="6753200" y="2708920"/>
-            <a:ext cx="1800200" cy="369332"/>
-          </a:xfrm>
-          <a:prstGeom prst="rect">
-            <a:avLst/>
-          </a:prstGeom>
-          <a:noFill/>
-        </p:spPr>
-        <p:txBody>
-          <a:bodyPr wrap="square" rtlCol="0">
-            <a:spAutoFit/>
-          </a:bodyPr>
-          <a:lstStyle/>
-          <a:p>
-            <a:r>
-              <a:rPr lang="ko-KR" altLang="en-US" smtClean="0">
-                <a:solidFill>
-                  <a:srgbClr val="FF0000"/>
-                </a:solidFill>
-              </a:rPr>
-              <a:t>가위바위보</a:t>
-            </a:r>
-            <a:r>
-              <a:rPr lang="en-US" altLang="ko-KR" dirty="0" smtClean="0">
-                <a:solidFill>
-                  <a:srgbClr val="FF0000"/>
-                </a:solidFill>
-              </a:rPr>
-              <a:t>.</a:t>
-            </a:r>
-            <a:r>
-              <a:rPr lang="en-US" altLang="ko-KR" dirty="0" err="1" smtClean="0">
-                <a:solidFill>
-                  <a:srgbClr val="FF0000"/>
-                </a:solidFill>
-              </a:rPr>
-              <a:t>py</a:t>
-            </a:r>
-            <a:endParaRPr lang="ko-KR" altLang="en-US" dirty="0">
-              <a:solidFill>
-                <a:srgbClr val="FF0000"/>
-              </a:solidFill>
-            </a:endParaRPr>
-          </a:p>
-        </p:txBody>
-      </p:sp>
       <p:pic>
         <p:nvPicPr>
           <p:cNvPr id="6" name="그림 5"/>
@@ -18120,7 +18082,7 @@
         </p:blipFill>
         <p:spPr>
           <a:xfrm>
-            <a:off x="1624008" y="1844824"/>
+            <a:off x="2216696" y="1783474"/>
             <a:ext cx="4785775" cy="4381880"/>
           </a:xfrm>
           <a:prstGeom prst="rect">
@@ -18233,42 +18195,6 @@
           </a:p>
         </p:txBody>
       </p:sp>
-      <p:pic>
-        <p:nvPicPr>
-          <p:cNvPr id="6" name="그림 5"/>
-          <p:cNvPicPr>
-            <a:picLocks noChangeAspect="1"/>
-          </p:cNvPicPr>
-          <p:nvPr/>
-        </p:nvPicPr>
-        <p:blipFill rotWithShape="1">
-          <a:blip r:embed="rId2">
-            <a:extLst>
-              <a:ext uri="{28A0092B-C50C-407E-A947-70E740481C1C}">
-                <a14:useLocalDpi xmlns:a14="http://schemas.microsoft.com/office/drawing/2010/main" val="0"/>
-              </a:ext>
-            </a:extLst>
-          </a:blip>
-          <a:srcRect l="-1" r="23463"/>
-          <a:stretch/>
-        </p:blipFill>
-        <p:spPr>
-          <a:xfrm>
-            <a:off x="1640632" y="1934882"/>
-            <a:ext cx="4248472" cy="3578114"/>
-          </a:xfrm>
-          <a:prstGeom prst="rect">
-            <a:avLst/>
-          </a:prstGeom>
-          <a:ln>
-            <a:solidFill>
-              <a:schemeClr val="bg1">
-                <a:lumMod val="85000"/>
-              </a:schemeClr>
-            </a:solidFill>
-          </a:ln>
-        </p:spPr>
-      </p:pic>
       <p:sp>
         <p:nvSpPr>
           <p:cNvPr id="8" name="TextBox 7"/>
@@ -18277,7 +18203,7 @@
         </p:nvSpPr>
         <p:spPr>
           <a:xfrm>
-            <a:off x="6033120" y="2132856"/>
+            <a:off x="6537176" y="2348880"/>
             <a:ext cx="1800200" cy="369332"/>
           </a:xfrm>
           <a:prstGeom prst="rect">
@@ -18305,15 +18231,7 @@
                   <a:srgbClr val="FF0000"/>
                 </a:solidFill>
               </a:rPr>
-              <a:t>.</a:t>
-            </a:r>
-            <a:r>
-              <a:rPr lang="en-US" altLang="ko-KR" dirty="0" err="1" smtClean="0">
-                <a:solidFill>
-                  <a:srgbClr val="FF0000"/>
-                </a:solidFill>
-              </a:rPr>
-              <a:t>py</a:t>
+              <a:t>2.py</a:t>
             </a:r>
             <a:endParaRPr lang="ko-KR" altLang="en-US" dirty="0">
               <a:solidFill>
@@ -18382,13 +18300,46 @@
               </a:rPr>
               <a:t>2</a:t>
             </a:r>
-            <a:endParaRPr lang="en-US" altLang="ko-KR" sz="2000" dirty="0" smtClean="0">
-              <a:latin typeface="휴먼엑스포" panose="02030504000101010101" pitchFamily="18" charset="-127"/>
-              <a:ea typeface="휴먼엑스포" panose="02030504000101010101" pitchFamily="18" charset="-127"/>
-            </a:endParaRPr>
-          </a:p>
-        </p:txBody>
-      </p:sp>
+          </a:p>
+        </p:txBody>
+      </p:sp>
+      <p:pic>
+        <p:nvPicPr>
+          <p:cNvPr id="3" name="그림 2"/>
+          <p:cNvPicPr>
+            <a:picLocks noChangeAspect="1"/>
+          </p:cNvPicPr>
+          <p:nvPr/>
+        </p:nvPicPr>
+        <p:blipFill>
+          <a:blip r:embed="rId2">
+            <a:extLst>
+              <a:ext uri="{28A0092B-C50C-407E-A947-70E740481C1C}">
+                <a14:useLocalDpi xmlns:a14="http://schemas.microsoft.com/office/drawing/2010/main" val="0"/>
+              </a:ext>
+            </a:extLst>
+          </a:blip>
+          <a:stretch>
+            <a:fillRect/>
+          </a:stretch>
+        </p:blipFill>
+        <p:spPr>
+          <a:xfrm>
+            <a:off x="1856656" y="1905746"/>
+            <a:ext cx="4492334" cy="3611485"/>
+          </a:xfrm>
+          <a:prstGeom prst="rect">
+            <a:avLst/>
+          </a:prstGeom>
+          <a:ln>
+            <a:solidFill>
+              <a:schemeClr val="bg1">
+                <a:lumMod val="85000"/>
+              </a:schemeClr>
+            </a:solidFill>
+          </a:ln>
+        </p:spPr>
+      </p:pic>
     </p:spTree>
     <p:extLst>
       <p:ext uri="{BB962C8B-B14F-4D97-AF65-F5344CB8AC3E}">
@@ -18489,6 +18440,678 @@
       </p:sp>
       <p:pic>
         <p:nvPicPr>
+          <p:cNvPr id="5" name="그림 4"/>
+          <p:cNvPicPr>
+            <a:picLocks noChangeAspect="1"/>
+          </p:cNvPicPr>
+          <p:nvPr/>
+        </p:nvPicPr>
+        <p:blipFill>
+          <a:blip r:embed="rId2">
+            <a:extLst>
+              <a:ext uri="{28A0092B-C50C-407E-A947-70E740481C1C}">
+                <a14:useLocalDpi xmlns:a14="http://schemas.microsoft.com/office/drawing/2010/main" val="0"/>
+              </a:ext>
+            </a:extLst>
+          </a:blip>
+          <a:stretch>
+            <a:fillRect/>
+          </a:stretch>
+        </p:blipFill>
+        <p:spPr>
+          <a:xfrm>
+            <a:off x="2072680" y="1368317"/>
+            <a:ext cx="4608512" cy="5085020"/>
+          </a:xfrm>
+          <a:prstGeom prst="rect">
+            <a:avLst/>
+          </a:prstGeom>
+          <a:ln>
+            <a:solidFill>
+              <a:schemeClr val="bg1">
+                <a:lumMod val="85000"/>
+              </a:schemeClr>
+            </a:solidFill>
+          </a:ln>
+        </p:spPr>
+      </p:pic>
+    </p:spTree>
+    <p:extLst>
+      <p:ext uri="{BB962C8B-B14F-4D97-AF65-F5344CB8AC3E}">
+        <p14:creationId xmlns:p14="http://schemas.microsoft.com/office/powerpoint/2010/main" val="3137931717"/>
+      </p:ext>
+    </p:extLst>
+  </p:cSld>
+  <p:clrMapOvr>
+    <a:masterClrMapping/>
+  </p:clrMapOvr>
+  <p:timing>
+    <p:tnLst>
+      <p:par>
+        <p:cTn id="1" dur="indefinite" restart="never" nodeType="tmRoot"/>
+      </p:par>
+    </p:tnLst>
+  </p:timing>
+</p:sld>
+</file>
+
+<file path=ppt/slides/slide46.xml><?xml version="1.0" encoding="utf-8"?>
+<p:sld xmlns:a="http://schemas.openxmlformats.org/drawingml/2006/main" xmlns:r="http://schemas.openxmlformats.org/officeDocument/2006/relationships" xmlns:p="http://schemas.openxmlformats.org/presentationml/2006/main">
+  <p:cSld>
+    <p:spTree>
+      <p:nvGrpSpPr>
+        <p:cNvPr id="1" name=""/>
+        <p:cNvGrpSpPr/>
+        <p:nvPr/>
+      </p:nvGrpSpPr>
+      <p:grpSpPr>
+        <a:xfrm>
+          <a:off x="0" y="0"/>
+          <a:ext cx="0" cy="0"/>
+          <a:chOff x="0" y="0"/>
+          <a:chExt cx="0" cy="0"/>
+        </a:xfrm>
+      </p:grpSpPr>
+      <p:sp>
+        <p:nvSpPr>
+          <p:cNvPr id="2" name="제목 1"/>
+          <p:cNvSpPr>
+            <a:spLocks noGrp="1"/>
+          </p:cNvSpPr>
+          <p:nvPr>
+            <p:ph type="title"/>
+          </p:nvPr>
+        </p:nvSpPr>
+        <p:spPr>
+          <a:xfrm>
+            <a:off x="457224" y="191593"/>
+            <a:ext cx="6825208" cy="854968"/>
+          </a:xfrm>
+        </p:spPr>
+        <p:txBody>
+          <a:bodyPr>
+            <a:normAutofit/>
+          </a:bodyPr>
+          <a:lstStyle/>
+          <a:p>
+            <a:r>
+              <a:rPr lang="en-US" altLang="ko-KR" dirty="0"/>
+              <a:t> </a:t>
+            </a:r>
+            <a:r>
+              <a:rPr lang="en-US" altLang="ko-KR" dirty="0" smtClean="0"/>
+              <a:t> </a:t>
+            </a:r>
+            <a:r>
+              <a:rPr lang="ko-KR" altLang="en-US" dirty="0" err="1" smtClean="0"/>
+              <a:t>행맨</a:t>
+            </a:r>
+            <a:r>
+              <a:rPr lang="en-US" altLang="ko-KR" dirty="0" smtClean="0"/>
+              <a:t>(hangman)</a:t>
+            </a:r>
+            <a:r>
+              <a:rPr lang="ko-KR" altLang="en-US" dirty="0" smtClean="0"/>
+              <a:t> 게임</a:t>
+            </a:r>
+            <a:endParaRPr lang="ko-KR" altLang="en-US" dirty="0"/>
+          </a:p>
+        </p:txBody>
+      </p:sp>
+      <p:sp>
+        <p:nvSpPr>
+          <p:cNvPr id="4" name="슬라이드 번호 개체 틀 3"/>
+          <p:cNvSpPr>
+            <a:spLocks noGrp="1"/>
+          </p:cNvSpPr>
+          <p:nvPr>
+            <p:ph type="sldNum" sz="quarter" idx="12"/>
+          </p:nvPr>
+        </p:nvSpPr>
+        <p:spPr/>
+        <p:txBody>
+          <a:bodyPr/>
+          <a:lstStyle/>
+          <a:p>
+            <a:fld id="{1BDE3FE7-3AEA-4B05-AC5A-802D1816ACF0}" type="slidenum">
+              <a:rPr lang="ko-KR" altLang="en-US" smtClean="0"/>
+              <a:t>46</a:t>
+            </a:fld>
+            <a:endParaRPr lang="ko-KR" altLang="en-US"/>
+          </a:p>
+        </p:txBody>
+      </p:sp>
+      <p:sp>
+        <p:nvSpPr>
+          <p:cNvPr id="6" name="직사각형 5"/>
+          <p:cNvSpPr/>
+          <p:nvPr/>
+        </p:nvSpPr>
+        <p:spPr>
+          <a:xfrm>
+            <a:off x="851146" y="3284984"/>
+            <a:ext cx="8280920" cy="2769989"/>
+          </a:xfrm>
+          <a:prstGeom prst="rect">
+            <a:avLst/>
+          </a:prstGeom>
+        </p:spPr>
+        <p:txBody>
+          <a:bodyPr wrap="square">
+            <a:spAutoFit/>
+          </a:bodyPr>
+          <a:lstStyle/>
+          <a:p>
+            <a:pPr marL="285750" indent="-285750">
+              <a:lnSpc>
+                <a:spcPct val="150000"/>
+              </a:lnSpc>
+              <a:buFont typeface="Wingdings" panose="05000000000000000000" pitchFamily="2" charset="2"/>
+              <a:buChar char="l"/>
+            </a:pPr>
+            <a:r>
+              <a:rPr lang="ko-KR" altLang="en-US" sz="2000" b="1" dirty="0" smtClean="0"/>
+              <a:t>게임 방법</a:t>
+            </a:r>
+            <a:endParaRPr lang="en-US" altLang="ko-KR" sz="2000" b="1" dirty="0" smtClean="0"/>
+          </a:p>
+          <a:p>
+            <a:pPr>
+              <a:lnSpc>
+                <a:spcPct val="200000"/>
+              </a:lnSpc>
+            </a:pPr>
+            <a:r>
+              <a:rPr lang="en-US" altLang="ko-KR" dirty="0" smtClean="0"/>
+              <a:t>      - </a:t>
+            </a:r>
+            <a:r>
+              <a:rPr lang="ko-KR" altLang="en-US" dirty="0" smtClean="0"/>
+              <a:t>단어의 각 글자 자리에 짧은 선을 그려진다</a:t>
+            </a:r>
+            <a:r>
+              <a:rPr lang="en-US" altLang="ko-KR" dirty="0" smtClean="0"/>
+              <a:t>.</a:t>
+            </a:r>
+          </a:p>
+          <a:p>
+            <a:pPr>
+              <a:lnSpc>
+                <a:spcPct val="200000"/>
+              </a:lnSpc>
+            </a:pPr>
+            <a:r>
+              <a:rPr lang="en-US" altLang="ko-KR" dirty="0"/>
+              <a:t> </a:t>
+            </a:r>
+            <a:r>
+              <a:rPr lang="en-US" altLang="ko-KR" dirty="0" smtClean="0"/>
+              <a:t>     - </a:t>
+            </a:r>
+            <a:r>
+              <a:rPr lang="ko-KR" altLang="en-US" dirty="0" smtClean="0"/>
+              <a:t>글자 </a:t>
+            </a:r>
+            <a:r>
+              <a:rPr lang="en-US" altLang="ko-KR" dirty="0" smtClean="0"/>
+              <a:t>1</a:t>
+            </a:r>
+            <a:r>
+              <a:rPr lang="ko-KR" altLang="en-US" dirty="0" smtClean="0"/>
+              <a:t>개를 맞추면 글자가 표시되고</a:t>
+            </a:r>
+            <a:r>
+              <a:rPr lang="en-US" altLang="ko-KR" dirty="0" smtClean="0"/>
+              <a:t>, </a:t>
+            </a:r>
+            <a:r>
+              <a:rPr lang="ko-KR" altLang="en-US" dirty="0" smtClean="0"/>
+              <a:t>맞추면 계속 글자가 표시된다</a:t>
+            </a:r>
+            <a:r>
+              <a:rPr lang="en-US" altLang="ko-KR" dirty="0" smtClean="0"/>
+              <a:t>.</a:t>
+            </a:r>
+            <a:endParaRPr lang="en-US" altLang="ko-KR" dirty="0" smtClean="0"/>
+          </a:p>
+          <a:p>
+            <a:pPr>
+              <a:lnSpc>
+                <a:spcPct val="200000"/>
+              </a:lnSpc>
+            </a:pPr>
+            <a:r>
+              <a:rPr lang="en-US" altLang="ko-KR" dirty="0"/>
+              <a:t> </a:t>
+            </a:r>
+            <a:r>
+              <a:rPr lang="en-US" altLang="ko-KR" dirty="0" smtClean="0"/>
+              <a:t>     </a:t>
+            </a:r>
+            <a:r>
+              <a:rPr lang="en-US" altLang="ko-KR" dirty="0" smtClean="0"/>
+              <a:t>- </a:t>
+            </a:r>
+            <a:r>
+              <a:rPr lang="ko-KR" altLang="en-US" dirty="0" smtClean="0"/>
+              <a:t>틀리면 기회가 </a:t>
+            </a:r>
+            <a:r>
+              <a:rPr lang="en-US" altLang="ko-KR" dirty="0" smtClean="0"/>
+              <a:t>1</a:t>
+            </a:r>
+            <a:r>
+              <a:rPr lang="ko-KR" altLang="en-US" dirty="0" smtClean="0"/>
+              <a:t>번 줄어든다</a:t>
+            </a:r>
+            <a:r>
+              <a:rPr lang="en-US" altLang="ko-KR" dirty="0" smtClean="0"/>
+              <a:t>.</a:t>
+            </a:r>
+          </a:p>
+          <a:p>
+            <a:pPr>
+              <a:lnSpc>
+                <a:spcPct val="200000"/>
+              </a:lnSpc>
+            </a:pPr>
+            <a:r>
+              <a:rPr lang="en-US" altLang="ko-KR" dirty="0"/>
+              <a:t> </a:t>
+            </a:r>
+            <a:r>
+              <a:rPr lang="en-US" altLang="ko-KR" dirty="0" smtClean="0"/>
+              <a:t>     - </a:t>
+            </a:r>
+            <a:r>
+              <a:rPr lang="ko-KR" altLang="en-US" dirty="0" smtClean="0"/>
+              <a:t>한 글자씩 맞추다가 전체 글자를 입력하여 일치하면 게임이 종료된다</a:t>
+            </a:r>
+            <a:endParaRPr lang="en-US" altLang="ko-KR" dirty="0" smtClean="0"/>
+          </a:p>
+        </p:txBody>
+      </p:sp>
+      <p:sp>
+        <p:nvSpPr>
+          <p:cNvPr id="7" name="직사각형 6"/>
+          <p:cNvSpPr/>
+          <p:nvPr/>
+        </p:nvSpPr>
+        <p:spPr>
+          <a:xfrm>
+            <a:off x="848544" y="1196752"/>
+            <a:ext cx="8562156" cy="1800493"/>
+          </a:xfrm>
+          <a:prstGeom prst="rect">
+            <a:avLst/>
+          </a:prstGeom>
+        </p:spPr>
+        <p:txBody>
+          <a:bodyPr wrap="square">
+            <a:spAutoFit/>
+          </a:bodyPr>
+          <a:lstStyle/>
+          <a:p>
+            <a:pPr marL="285750" indent="-285750">
+              <a:lnSpc>
+                <a:spcPct val="150000"/>
+              </a:lnSpc>
+              <a:buFont typeface="Wingdings" panose="05000000000000000000" pitchFamily="2" charset="2"/>
+              <a:buChar char="l"/>
+            </a:pPr>
+            <a:r>
+              <a:rPr lang="ko-KR" altLang="en-US" sz="2000" b="1" dirty="0" err="1" smtClean="0"/>
+              <a:t>행맨</a:t>
+            </a:r>
+            <a:r>
+              <a:rPr lang="en-US" altLang="ko-KR" sz="2000" b="1" dirty="0" smtClean="0"/>
+              <a:t>(hangman) – </a:t>
+            </a:r>
+            <a:r>
+              <a:rPr lang="ko-KR" altLang="en-US" sz="2000" b="1" dirty="0" smtClean="0"/>
+              <a:t>교수형에 처한다는 의미</a:t>
+            </a:r>
+            <a:endParaRPr lang="en-US" altLang="ko-KR" sz="2000" b="1" dirty="0" smtClean="0"/>
+          </a:p>
+          <a:p>
+            <a:pPr>
+              <a:lnSpc>
+                <a:spcPct val="150000"/>
+              </a:lnSpc>
+            </a:pPr>
+            <a:r>
+              <a:rPr lang="en-US" altLang="ko-KR" dirty="0"/>
+              <a:t> </a:t>
+            </a:r>
+            <a:r>
+              <a:rPr lang="en-US" altLang="ko-KR" dirty="0" smtClean="0"/>
+              <a:t>  </a:t>
+            </a:r>
+            <a:r>
+              <a:rPr lang="ko-KR" altLang="en-US" dirty="0" smtClean="0"/>
+              <a:t>단어 추측 게임인데</a:t>
+            </a:r>
+            <a:r>
+              <a:rPr lang="en-US" altLang="ko-KR" dirty="0" smtClean="0"/>
+              <a:t>, </a:t>
+            </a:r>
+            <a:r>
+              <a:rPr lang="ko-KR" altLang="en-US" dirty="0" smtClean="0"/>
+              <a:t>보통 종이와 연필로 즐긴다</a:t>
+            </a:r>
+            <a:r>
+              <a:rPr lang="en-US" altLang="ko-KR" dirty="0" smtClean="0"/>
+              <a:t>. </a:t>
+            </a:r>
+          </a:p>
+          <a:p>
+            <a:pPr>
+              <a:lnSpc>
+                <a:spcPct val="150000"/>
+              </a:lnSpc>
+            </a:pPr>
+            <a:r>
+              <a:rPr lang="en-US" altLang="ko-KR" dirty="0"/>
+              <a:t> </a:t>
+            </a:r>
+            <a:r>
+              <a:rPr lang="en-US" altLang="ko-KR" dirty="0" smtClean="0"/>
+              <a:t>  </a:t>
+            </a:r>
+            <a:r>
+              <a:rPr lang="ko-KR" altLang="en-US" dirty="0" smtClean="0"/>
+              <a:t>한 사람이 단어를 선택하고</a:t>
+            </a:r>
+            <a:r>
+              <a:rPr lang="en-US" altLang="ko-KR" dirty="0" smtClean="0"/>
+              <a:t>,</a:t>
+            </a:r>
+            <a:r>
+              <a:rPr lang="ko-KR" altLang="en-US" dirty="0" smtClean="0"/>
+              <a:t>  이 단어의 각 글자 자리에 짧은 선을 그리면</a:t>
+            </a:r>
+            <a:r>
+              <a:rPr lang="en-US" altLang="ko-KR" dirty="0" smtClean="0"/>
+              <a:t>, </a:t>
+            </a:r>
+          </a:p>
+          <a:p>
+            <a:pPr>
+              <a:lnSpc>
+                <a:spcPct val="150000"/>
+              </a:lnSpc>
+            </a:pPr>
+            <a:r>
+              <a:rPr lang="en-US" altLang="ko-KR" dirty="0"/>
+              <a:t> </a:t>
+            </a:r>
+            <a:r>
+              <a:rPr lang="en-US" altLang="ko-KR" dirty="0" smtClean="0"/>
+              <a:t>  </a:t>
+            </a:r>
+            <a:r>
+              <a:rPr lang="ko-KR" altLang="en-US" dirty="0" smtClean="0"/>
+              <a:t>다른 사람이 어떤 단어 인지 맞춘다</a:t>
+            </a:r>
+            <a:r>
+              <a:rPr lang="en-US" altLang="ko-KR" dirty="0" smtClean="0"/>
+              <a:t>.</a:t>
+            </a:r>
+            <a:endParaRPr lang="en-US" altLang="ko-KR" dirty="0" smtClean="0"/>
+          </a:p>
+        </p:txBody>
+      </p:sp>
+    </p:spTree>
+    <p:extLst>
+      <p:ext uri="{BB962C8B-B14F-4D97-AF65-F5344CB8AC3E}">
+        <p14:creationId xmlns:p14="http://schemas.microsoft.com/office/powerpoint/2010/main" val="2051742578"/>
+      </p:ext>
+    </p:extLst>
+  </p:cSld>
+  <p:clrMapOvr>
+    <a:masterClrMapping/>
+  </p:clrMapOvr>
+  <p:timing>
+    <p:tnLst>
+      <p:par>
+        <p:cTn id="1" dur="indefinite" restart="never" nodeType="tmRoot"/>
+      </p:par>
+    </p:tnLst>
+  </p:timing>
+</p:sld>
+</file>
+
+<file path=ppt/slides/slide47.xml><?xml version="1.0" encoding="utf-8"?>
+<p:sld xmlns:a="http://schemas.openxmlformats.org/drawingml/2006/main" xmlns:r="http://schemas.openxmlformats.org/officeDocument/2006/relationships" xmlns:p="http://schemas.openxmlformats.org/presentationml/2006/main">
+  <p:cSld>
+    <p:spTree>
+      <p:nvGrpSpPr>
+        <p:cNvPr id="1" name=""/>
+        <p:cNvGrpSpPr/>
+        <p:nvPr/>
+      </p:nvGrpSpPr>
+      <p:grpSpPr>
+        <a:xfrm>
+          <a:off x="0" y="0"/>
+          <a:ext cx="0" cy="0"/>
+          <a:chOff x="0" y="0"/>
+          <a:chExt cx="0" cy="0"/>
+        </a:xfrm>
+      </p:grpSpPr>
+      <p:sp>
+        <p:nvSpPr>
+          <p:cNvPr id="2" name="제목 1"/>
+          <p:cNvSpPr>
+            <a:spLocks noGrp="1"/>
+          </p:cNvSpPr>
+          <p:nvPr>
+            <p:ph type="title"/>
+          </p:nvPr>
+        </p:nvSpPr>
+        <p:spPr>
+          <a:xfrm>
+            <a:off x="457224" y="191593"/>
+            <a:ext cx="6825208" cy="854968"/>
+          </a:xfrm>
+        </p:spPr>
+        <p:txBody>
+          <a:bodyPr>
+            <a:normAutofit/>
+          </a:bodyPr>
+          <a:lstStyle/>
+          <a:p>
+            <a:r>
+              <a:rPr lang="en-US" altLang="ko-KR" dirty="0"/>
+              <a:t> </a:t>
+            </a:r>
+            <a:r>
+              <a:rPr lang="en-US" altLang="ko-KR" dirty="0" smtClean="0"/>
+              <a:t> </a:t>
+            </a:r>
+            <a:r>
+              <a:rPr lang="ko-KR" altLang="en-US" dirty="0" err="1" smtClean="0"/>
+              <a:t>행맨</a:t>
+            </a:r>
+            <a:r>
+              <a:rPr lang="en-US" altLang="ko-KR" dirty="0" smtClean="0"/>
+              <a:t>(hangman)</a:t>
+            </a:r>
+            <a:r>
+              <a:rPr lang="ko-KR" altLang="en-US" dirty="0" smtClean="0"/>
+              <a:t> 게임</a:t>
+            </a:r>
+            <a:endParaRPr lang="ko-KR" altLang="en-US" dirty="0"/>
+          </a:p>
+        </p:txBody>
+      </p:sp>
+      <p:sp>
+        <p:nvSpPr>
+          <p:cNvPr id="4" name="슬라이드 번호 개체 틀 3"/>
+          <p:cNvSpPr>
+            <a:spLocks noGrp="1"/>
+          </p:cNvSpPr>
+          <p:nvPr>
+            <p:ph type="sldNum" sz="quarter" idx="12"/>
+          </p:nvPr>
+        </p:nvSpPr>
+        <p:spPr/>
+        <p:txBody>
+          <a:bodyPr/>
+          <a:lstStyle/>
+          <a:p>
+            <a:fld id="{1BDE3FE7-3AEA-4B05-AC5A-802D1816ACF0}" type="slidenum">
+              <a:rPr lang="ko-KR" altLang="en-US" smtClean="0"/>
+              <a:t>47</a:t>
+            </a:fld>
+            <a:endParaRPr lang="ko-KR" altLang="en-US"/>
+          </a:p>
+        </p:txBody>
+      </p:sp>
+      <p:pic>
+        <p:nvPicPr>
+          <p:cNvPr id="5" name="그림 4"/>
+          <p:cNvPicPr>
+            <a:picLocks noChangeAspect="1"/>
+          </p:cNvPicPr>
+          <p:nvPr/>
+        </p:nvPicPr>
+        <p:blipFill>
+          <a:blip r:embed="rId2">
+            <a:extLst>
+              <a:ext uri="{28A0092B-C50C-407E-A947-70E740481C1C}">
+                <a14:useLocalDpi xmlns:a14="http://schemas.microsoft.com/office/drawing/2010/main" val="0"/>
+              </a:ext>
+            </a:extLst>
+          </a:blip>
+          <a:stretch>
+            <a:fillRect/>
+          </a:stretch>
+        </p:blipFill>
+        <p:spPr>
+          <a:xfrm>
+            <a:off x="2072680" y="1484784"/>
+            <a:ext cx="4445313" cy="4248472"/>
+          </a:xfrm>
+          <a:prstGeom prst="rect">
+            <a:avLst/>
+          </a:prstGeom>
+          <a:ln>
+            <a:solidFill>
+              <a:schemeClr val="bg1">
+                <a:lumMod val="85000"/>
+              </a:schemeClr>
+            </a:solidFill>
+          </a:ln>
+        </p:spPr>
+      </p:pic>
+    </p:spTree>
+    <p:extLst>
+      <p:ext uri="{BB962C8B-B14F-4D97-AF65-F5344CB8AC3E}">
+        <p14:creationId xmlns:p14="http://schemas.microsoft.com/office/powerpoint/2010/main" val="3674612821"/>
+      </p:ext>
+    </p:extLst>
+  </p:cSld>
+  <p:clrMapOvr>
+    <a:masterClrMapping/>
+  </p:clrMapOvr>
+  <p:timing>
+    <p:tnLst>
+      <p:par>
+        <p:cTn id="1" dur="indefinite" restart="never" nodeType="tmRoot"/>
+      </p:par>
+    </p:tnLst>
+  </p:timing>
+</p:sld>
+</file>
+
+<file path=ppt/slides/slide48.xml><?xml version="1.0" encoding="utf-8"?>
+<p:sld xmlns:a="http://schemas.openxmlformats.org/drawingml/2006/main" xmlns:r="http://schemas.openxmlformats.org/officeDocument/2006/relationships" xmlns:p="http://schemas.openxmlformats.org/presentationml/2006/main">
+  <p:cSld>
+    <p:spTree>
+      <p:nvGrpSpPr>
+        <p:cNvPr id="1" name=""/>
+        <p:cNvGrpSpPr/>
+        <p:nvPr/>
+      </p:nvGrpSpPr>
+      <p:grpSpPr>
+        <a:xfrm>
+          <a:off x="0" y="0"/>
+          <a:ext cx="0" cy="0"/>
+          <a:chOff x="0" y="0"/>
+          <a:chExt cx="0" cy="0"/>
+        </a:xfrm>
+      </p:grpSpPr>
+      <p:sp>
+        <p:nvSpPr>
+          <p:cNvPr id="2" name="제목 1"/>
+          <p:cNvSpPr>
+            <a:spLocks noGrp="1"/>
+          </p:cNvSpPr>
+          <p:nvPr>
+            <p:ph type="title"/>
+          </p:nvPr>
+        </p:nvSpPr>
+        <p:spPr>
+          <a:xfrm>
+            <a:off x="457224" y="191593"/>
+            <a:ext cx="6825208" cy="854968"/>
+          </a:xfrm>
+        </p:spPr>
+        <p:txBody>
+          <a:bodyPr>
+            <a:normAutofit/>
+          </a:bodyPr>
+          <a:lstStyle/>
+          <a:p>
+            <a:r>
+              <a:rPr lang="en-US" altLang="ko-KR" dirty="0"/>
+              <a:t> </a:t>
+            </a:r>
+            <a:r>
+              <a:rPr lang="en-US" altLang="ko-KR" dirty="0" smtClean="0"/>
+              <a:t> </a:t>
+            </a:r>
+            <a:r>
+              <a:rPr lang="ko-KR" altLang="en-US" dirty="0" err="1" smtClean="0"/>
+              <a:t>행맨</a:t>
+            </a:r>
+            <a:r>
+              <a:rPr lang="en-US" altLang="ko-KR" dirty="0" smtClean="0"/>
+              <a:t>(hangman)</a:t>
+            </a:r>
+            <a:r>
+              <a:rPr lang="ko-KR" altLang="en-US" dirty="0" smtClean="0"/>
+              <a:t> 게임</a:t>
+            </a:r>
+            <a:endParaRPr lang="ko-KR" altLang="en-US" dirty="0"/>
+          </a:p>
+        </p:txBody>
+      </p:sp>
+      <p:sp>
+        <p:nvSpPr>
+          <p:cNvPr id="4" name="슬라이드 번호 개체 틀 3"/>
+          <p:cNvSpPr>
+            <a:spLocks noGrp="1"/>
+          </p:cNvSpPr>
+          <p:nvPr>
+            <p:ph type="sldNum" sz="quarter" idx="12"/>
+          </p:nvPr>
+        </p:nvSpPr>
+        <p:spPr/>
+        <p:txBody>
+          <a:bodyPr/>
+          <a:lstStyle/>
+          <a:p>
+            <a:fld id="{1BDE3FE7-3AEA-4B05-AC5A-802D1816ACF0}" type="slidenum">
+              <a:rPr lang="ko-KR" altLang="en-US" smtClean="0"/>
+              <a:t>48</a:t>
+            </a:fld>
+            <a:endParaRPr lang="ko-KR" altLang="en-US"/>
+          </a:p>
+        </p:txBody>
+      </p:sp>
+      <p:pic>
+        <p:nvPicPr>
           <p:cNvPr id="3" name="그림 2"/>
           <p:cNvPicPr>
             <a:picLocks noChangeAspect="1"/>
@@ -18509,8 +19132,8 @@
         </p:blipFill>
         <p:spPr>
           <a:xfrm>
-            <a:off x="1712640" y="1352635"/>
-            <a:ext cx="4968552" cy="5076564"/>
+            <a:off x="1064568" y="1772816"/>
+            <a:ext cx="7464829" cy="2808312"/>
           </a:xfrm>
           <a:prstGeom prst="rect">
             <a:avLst/>
@@ -18524,10 +19147,199 @@
           </a:ln>
         </p:spPr>
       </p:pic>
+      <p:sp>
+        <p:nvSpPr>
+          <p:cNvPr id="6" name="TextBox 5"/>
+          <p:cNvSpPr txBox="1"/>
+          <p:nvPr/>
+        </p:nvSpPr>
+        <p:spPr>
+          <a:xfrm>
+            <a:off x="6321152" y="1403484"/>
+            <a:ext cx="1800200" cy="369332"/>
+          </a:xfrm>
+          <a:prstGeom prst="rect">
+            <a:avLst/>
+          </a:prstGeom>
+          <a:noFill/>
+        </p:spPr>
+        <p:txBody>
+          <a:bodyPr wrap="square" rtlCol="0">
+            <a:spAutoFit/>
+          </a:bodyPr>
+          <a:lstStyle/>
+          <a:p>
+            <a:r>
+              <a:rPr lang="en-US" altLang="ko-KR" dirty="0" smtClean="0">
+                <a:solidFill>
+                  <a:srgbClr val="FF0000"/>
+                </a:solidFill>
+              </a:rPr>
+              <a:t>hanmang1</a:t>
+            </a:r>
+            <a:r>
+              <a:rPr lang="en-US" altLang="ko-KR" dirty="0" smtClean="0">
+                <a:solidFill>
+                  <a:srgbClr val="FF0000"/>
+                </a:solidFill>
+              </a:rPr>
+              <a:t>.py</a:t>
+            </a:r>
+            <a:endParaRPr lang="ko-KR" altLang="en-US" dirty="0">
+              <a:solidFill>
+                <a:srgbClr val="FF0000"/>
+              </a:solidFill>
+            </a:endParaRPr>
+          </a:p>
+        </p:txBody>
+      </p:sp>
     </p:spTree>
     <p:extLst>
       <p:ext uri="{BB962C8B-B14F-4D97-AF65-F5344CB8AC3E}">
-        <p14:creationId xmlns:p14="http://schemas.microsoft.com/office/powerpoint/2010/main" val="3137931717"/>
+        <p14:creationId xmlns:p14="http://schemas.microsoft.com/office/powerpoint/2010/main" val="878860944"/>
+      </p:ext>
+    </p:extLst>
+  </p:cSld>
+  <p:clrMapOvr>
+    <a:masterClrMapping/>
+  </p:clrMapOvr>
+  <p:timing>
+    <p:tnLst>
+      <p:par>
+        <p:cTn id="1" dur="indefinite" restart="never" nodeType="tmRoot"/>
+      </p:par>
+    </p:tnLst>
+  </p:timing>
+</p:sld>
+</file>
+
+<file path=ppt/slides/slide49.xml><?xml version="1.0" encoding="utf-8"?>
+<p:sld xmlns:a="http://schemas.openxmlformats.org/drawingml/2006/main" xmlns:r="http://schemas.openxmlformats.org/officeDocument/2006/relationships" xmlns:p="http://schemas.openxmlformats.org/presentationml/2006/main">
+  <p:cSld>
+    <p:spTree>
+      <p:nvGrpSpPr>
+        <p:cNvPr id="1" name=""/>
+        <p:cNvGrpSpPr/>
+        <p:nvPr/>
+      </p:nvGrpSpPr>
+      <p:grpSpPr>
+        <a:xfrm>
+          <a:off x="0" y="0"/>
+          <a:ext cx="0" cy="0"/>
+          <a:chOff x="0" y="0"/>
+          <a:chExt cx="0" cy="0"/>
+        </a:xfrm>
+      </p:grpSpPr>
+      <p:sp>
+        <p:nvSpPr>
+          <p:cNvPr id="2" name="제목 1"/>
+          <p:cNvSpPr>
+            <a:spLocks noGrp="1"/>
+          </p:cNvSpPr>
+          <p:nvPr>
+            <p:ph type="title"/>
+          </p:nvPr>
+        </p:nvSpPr>
+        <p:spPr>
+          <a:xfrm>
+            <a:off x="457224" y="191593"/>
+            <a:ext cx="6825208" cy="854968"/>
+          </a:xfrm>
+        </p:spPr>
+        <p:txBody>
+          <a:bodyPr>
+            <a:normAutofit/>
+          </a:bodyPr>
+          <a:lstStyle/>
+          <a:p>
+            <a:r>
+              <a:rPr lang="en-US" altLang="ko-KR" dirty="0"/>
+              <a:t> </a:t>
+            </a:r>
+            <a:r>
+              <a:rPr lang="en-US" altLang="ko-KR" dirty="0" smtClean="0"/>
+              <a:t> </a:t>
+            </a:r>
+            <a:r>
+              <a:rPr lang="ko-KR" altLang="en-US" dirty="0" err="1" smtClean="0"/>
+              <a:t>행맨</a:t>
+            </a:r>
+            <a:r>
+              <a:rPr lang="en-US" altLang="ko-KR" dirty="0" smtClean="0"/>
+              <a:t>(hangman)</a:t>
+            </a:r>
+            <a:r>
+              <a:rPr lang="ko-KR" altLang="en-US" dirty="0" smtClean="0"/>
+              <a:t> 게임</a:t>
+            </a:r>
+            <a:endParaRPr lang="ko-KR" altLang="en-US" dirty="0"/>
+          </a:p>
+        </p:txBody>
+      </p:sp>
+      <p:sp>
+        <p:nvSpPr>
+          <p:cNvPr id="4" name="슬라이드 번호 개체 틀 3"/>
+          <p:cNvSpPr>
+            <a:spLocks noGrp="1"/>
+          </p:cNvSpPr>
+          <p:nvPr>
+            <p:ph type="sldNum" sz="quarter" idx="12"/>
+          </p:nvPr>
+        </p:nvSpPr>
+        <p:spPr/>
+        <p:txBody>
+          <a:bodyPr/>
+          <a:lstStyle/>
+          <a:p>
+            <a:fld id="{1BDE3FE7-3AEA-4B05-AC5A-802D1816ACF0}" type="slidenum">
+              <a:rPr lang="ko-KR" altLang="en-US" smtClean="0"/>
+              <a:t>49</a:t>
+            </a:fld>
+            <a:endParaRPr lang="ko-KR" altLang="en-US"/>
+          </a:p>
+        </p:txBody>
+      </p:sp>
+      <p:pic>
+        <p:nvPicPr>
+          <p:cNvPr id="5" name="그림 4"/>
+          <p:cNvPicPr>
+            <a:picLocks noChangeAspect="1"/>
+          </p:cNvPicPr>
+          <p:nvPr/>
+        </p:nvPicPr>
+        <p:blipFill>
+          <a:blip r:embed="rId2">
+            <a:extLst>
+              <a:ext uri="{28A0092B-C50C-407E-A947-70E740481C1C}">
+                <a14:useLocalDpi xmlns:a14="http://schemas.microsoft.com/office/drawing/2010/main" val="0"/>
+              </a:ext>
+            </a:extLst>
+          </a:blip>
+          <a:stretch>
+            <a:fillRect/>
+          </a:stretch>
+        </p:blipFill>
+        <p:spPr>
+          <a:xfrm>
+            <a:off x="1568624" y="1340768"/>
+            <a:ext cx="5568704" cy="4464496"/>
+          </a:xfrm>
+          <a:prstGeom prst="rect">
+            <a:avLst/>
+          </a:prstGeom>
+          <a:ln>
+            <a:solidFill>
+              <a:schemeClr val="bg1">
+                <a:lumMod val="85000"/>
+              </a:schemeClr>
+            </a:solidFill>
+          </a:ln>
+        </p:spPr>
+      </p:pic>
+    </p:spTree>
+    <p:extLst>
+      <p:ext uri="{BB962C8B-B14F-4D97-AF65-F5344CB8AC3E}">
+        <p14:creationId xmlns:p14="http://schemas.microsoft.com/office/powerpoint/2010/main" val="2503310888"/>
       </p:ext>
     </p:extLst>
   </p:cSld>
@@ -18773,6 +19585,670 @@
     <p:extLst>
       <p:ext uri="{BB962C8B-B14F-4D97-AF65-F5344CB8AC3E}">
         <p14:creationId xmlns:p14="http://schemas.microsoft.com/office/powerpoint/2010/main" val="2429896693"/>
+      </p:ext>
+    </p:extLst>
+  </p:cSld>
+  <p:clrMapOvr>
+    <a:masterClrMapping/>
+  </p:clrMapOvr>
+  <p:timing>
+    <p:tnLst>
+      <p:par>
+        <p:cTn id="1" dur="indefinite" restart="never" nodeType="tmRoot"/>
+      </p:par>
+    </p:tnLst>
+  </p:timing>
+</p:sld>
+</file>
+
+<file path=ppt/slides/slide50.xml><?xml version="1.0" encoding="utf-8"?>
+<p:sld xmlns:a="http://schemas.openxmlformats.org/drawingml/2006/main" xmlns:r="http://schemas.openxmlformats.org/officeDocument/2006/relationships" xmlns:p="http://schemas.openxmlformats.org/presentationml/2006/main">
+  <p:cSld>
+    <p:spTree>
+      <p:nvGrpSpPr>
+        <p:cNvPr id="1" name=""/>
+        <p:cNvGrpSpPr/>
+        <p:nvPr/>
+      </p:nvGrpSpPr>
+      <p:grpSpPr>
+        <a:xfrm>
+          <a:off x="0" y="0"/>
+          <a:ext cx="0" cy="0"/>
+          <a:chOff x="0" y="0"/>
+          <a:chExt cx="0" cy="0"/>
+        </a:xfrm>
+      </p:grpSpPr>
+      <p:sp>
+        <p:nvSpPr>
+          <p:cNvPr id="2" name="제목 1"/>
+          <p:cNvSpPr>
+            <a:spLocks noGrp="1"/>
+          </p:cNvSpPr>
+          <p:nvPr>
+            <p:ph type="title"/>
+          </p:nvPr>
+        </p:nvSpPr>
+        <p:spPr>
+          <a:xfrm>
+            <a:off x="457224" y="191593"/>
+            <a:ext cx="6825208" cy="854968"/>
+          </a:xfrm>
+        </p:spPr>
+        <p:txBody>
+          <a:bodyPr>
+            <a:normAutofit/>
+          </a:bodyPr>
+          <a:lstStyle/>
+          <a:p>
+            <a:r>
+              <a:rPr lang="en-US" altLang="ko-KR" dirty="0"/>
+              <a:t> </a:t>
+            </a:r>
+            <a:r>
+              <a:rPr lang="en-US" altLang="ko-KR" dirty="0" smtClean="0"/>
+              <a:t> </a:t>
+            </a:r>
+            <a:r>
+              <a:rPr lang="ko-KR" altLang="en-US" dirty="0" err="1" smtClean="0"/>
+              <a:t>행맨</a:t>
+            </a:r>
+            <a:r>
+              <a:rPr lang="en-US" altLang="ko-KR" dirty="0" smtClean="0"/>
+              <a:t>(hangman)</a:t>
+            </a:r>
+            <a:r>
+              <a:rPr lang="ko-KR" altLang="en-US" dirty="0" smtClean="0"/>
+              <a:t> 게임</a:t>
+            </a:r>
+            <a:endParaRPr lang="ko-KR" altLang="en-US" dirty="0"/>
+          </a:p>
+        </p:txBody>
+      </p:sp>
+      <p:sp>
+        <p:nvSpPr>
+          <p:cNvPr id="4" name="슬라이드 번호 개체 틀 3"/>
+          <p:cNvSpPr>
+            <a:spLocks noGrp="1"/>
+          </p:cNvSpPr>
+          <p:nvPr>
+            <p:ph type="sldNum" sz="quarter" idx="12"/>
+          </p:nvPr>
+        </p:nvSpPr>
+        <p:spPr/>
+        <p:txBody>
+          <a:bodyPr/>
+          <a:lstStyle/>
+          <a:p>
+            <a:fld id="{1BDE3FE7-3AEA-4B05-AC5A-802D1816ACF0}" type="slidenum">
+              <a:rPr lang="ko-KR" altLang="en-US" smtClean="0"/>
+              <a:t>50</a:t>
+            </a:fld>
+            <a:endParaRPr lang="ko-KR" altLang="en-US"/>
+          </a:p>
+        </p:txBody>
+      </p:sp>
+      <p:pic>
+        <p:nvPicPr>
+          <p:cNvPr id="3" name="그림 2"/>
+          <p:cNvPicPr>
+            <a:picLocks noChangeAspect="1"/>
+          </p:cNvPicPr>
+          <p:nvPr/>
+        </p:nvPicPr>
+        <p:blipFill>
+          <a:blip r:embed="rId2">
+            <a:extLst>
+              <a:ext uri="{28A0092B-C50C-407E-A947-70E740481C1C}">
+                <a14:useLocalDpi xmlns:a14="http://schemas.microsoft.com/office/drawing/2010/main" val="0"/>
+              </a:ext>
+            </a:extLst>
+          </a:blip>
+          <a:stretch>
+            <a:fillRect/>
+          </a:stretch>
+        </p:blipFill>
+        <p:spPr>
+          <a:xfrm>
+            <a:off x="1280592" y="1772816"/>
+            <a:ext cx="5815924" cy="2952328"/>
+          </a:xfrm>
+          <a:prstGeom prst="rect">
+            <a:avLst/>
+          </a:prstGeom>
+          <a:ln>
+            <a:solidFill>
+              <a:schemeClr val="bg1">
+                <a:lumMod val="85000"/>
+              </a:schemeClr>
+            </a:solidFill>
+          </a:ln>
+        </p:spPr>
+      </p:pic>
+      <p:sp>
+        <p:nvSpPr>
+          <p:cNvPr id="6" name="TextBox 5"/>
+          <p:cNvSpPr txBox="1"/>
+          <p:nvPr/>
+        </p:nvSpPr>
+        <p:spPr>
+          <a:xfrm>
+            <a:off x="6321152" y="1403484"/>
+            <a:ext cx="1800200" cy="369332"/>
+          </a:xfrm>
+          <a:prstGeom prst="rect">
+            <a:avLst/>
+          </a:prstGeom>
+          <a:noFill/>
+        </p:spPr>
+        <p:txBody>
+          <a:bodyPr wrap="square" rtlCol="0">
+            <a:spAutoFit/>
+          </a:bodyPr>
+          <a:lstStyle/>
+          <a:p>
+            <a:r>
+              <a:rPr lang="en-US" altLang="ko-KR" dirty="0" smtClean="0">
+                <a:solidFill>
+                  <a:srgbClr val="FF0000"/>
+                </a:solidFill>
+              </a:rPr>
+              <a:t>hanmang1</a:t>
+            </a:r>
+            <a:r>
+              <a:rPr lang="en-US" altLang="ko-KR" dirty="0" smtClean="0">
+                <a:solidFill>
+                  <a:srgbClr val="FF0000"/>
+                </a:solidFill>
+              </a:rPr>
+              <a:t>.py</a:t>
+            </a:r>
+            <a:endParaRPr lang="ko-KR" altLang="en-US" dirty="0">
+              <a:solidFill>
+                <a:srgbClr val="FF0000"/>
+              </a:solidFill>
+            </a:endParaRPr>
+          </a:p>
+        </p:txBody>
+      </p:sp>
+    </p:spTree>
+    <p:extLst>
+      <p:ext uri="{BB962C8B-B14F-4D97-AF65-F5344CB8AC3E}">
+        <p14:creationId xmlns:p14="http://schemas.microsoft.com/office/powerpoint/2010/main" val="3297113308"/>
+      </p:ext>
+    </p:extLst>
+  </p:cSld>
+  <p:clrMapOvr>
+    <a:masterClrMapping/>
+  </p:clrMapOvr>
+  <p:timing>
+    <p:tnLst>
+      <p:par>
+        <p:cTn id="1" dur="indefinite" restart="never" nodeType="tmRoot"/>
+      </p:par>
+    </p:tnLst>
+  </p:timing>
+</p:sld>
+</file>
+
+<file path=ppt/slides/slide51.xml><?xml version="1.0" encoding="utf-8"?>
+<p:sld xmlns:a="http://schemas.openxmlformats.org/drawingml/2006/main" xmlns:r="http://schemas.openxmlformats.org/officeDocument/2006/relationships" xmlns:p="http://schemas.openxmlformats.org/presentationml/2006/main">
+  <p:cSld>
+    <p:spTree>
+      <p:nvGrpSpPr>
+        <p:cNvPr id="1" name=""/>
+        <p:cNvGrpSpPr/>
+        <p:nvPr/>
+      </p:nvGrpSpPr>
+      <p:grpSpPr>
+        <a:xfrm>
+          <a:off x="0" y="0"/>
+          <a:ext cx="0" cy="0"/>
+          <a:chOff x="0" y="0"/>
+          <a:chExt cx="0" cy="0"/>
+        </a:xfrm>
+      </p:grpSpPr>
+      <p:sp>
+        <p:nvSpPr>
+          <p:cNvPr id="2" name="제목 1"/>
+          <p:cNvSpPr>
+            <a:spLocks noGrp="1"/>
+          </p:cNvSpPr>
+          <p:nvPr>
+            <p:ph type="title"/>
+          </p:nvPr>
+        </p:nvSpPr>
+        <p:spPr>
+          <a:xfrm>
+            <a:off x="457224" y="191593"/>
+            <a:ext cx="6825208" cy="854968"/>
+          </a:xfrm>
+        </p:spPr>
+        <p:txBody>
+          <a:bodyPr>
+            <a:normAutofit/>
+          </a:bodyPr>
+          <a:lstStyle/>
+          <a:p>
+            <a:r>
+              <a:rPr lang="en-US" altLang="ko-KR" dirty="0"/>
+              <a:t> </a:t>
+            </a:r>
+            <a:r>
+              <a:rPr lang="en-US" altLang="ko-KR" dirty="0" smtClean="0"/>
+              <a:t> </a:t>
+            </a:r>
+            <a:r>
+              <a:rPr lang="ko-KR" altLang="en-US" dirty="0" err="1" smtClean="0"/>
+              <a:t>행맨</a:t>
+            </a:r>
+            <a:r>
+              <a:rPr lang="en-US" altLang="ko-KR" dirty="0" smtClean="0"/>
+              <a:t>(hangman)</a:t>
+            </a:r>
+            <a:r>
+              <a:rPr lang="ko-KR" altLang="en-US" dirty="0" smtClean="0"/>
+              <a:t> 게임</a:t>
+            </a:r>
+            <a:endParaRPr lang="ko-KR" altLang="en-US" dirty="0"/>
+          </a:p>
+        </p:txBody>
+      </p:sp>
+      <p:sp>
+        <p:nvSpPr>
+          <p:cNvPr id="4" name="슬라이드 번호 개체 틀 3"/>
+          <p:cNvSpPr>
+            <a:spLocks noGrp="1"/>
+          </p:cNvSpPr>
+          <p:nvPr>
+            <p:ph type="sldNum" sz="quarter" idx="12"/>
+          </p:nvPr>
+        </p:nvSpPr>
+        <p:spPr/>
+        <p:txBody>
+          <a:bodyPr/>
+          <a:lstStyle/>
+          <a:p>
+            <a:fld id="{1BDE3FE7-3AEA-4B05-AC5A-802D1816ACF0}" type="slidenum">
+              <a:rPr lang="ko-KR" altLang="en-US" smtClean="0"/>
+              <a:t>51</a:t>
+            </a:fld>
+            <a:endParaRPr lang="ko-KR" altLang="en-US"/>
+          </a:p>
+        </p:txBody>
+      </p:sp>
+      <p:pic>
+        <p:nvPicPr>
+          <p:cNvPr id="5" name="그림 4"/>
+          <p:cNvPicPr>
+            <a:picLocks noChangeAspect="1"/>
+          </p:cNvPicPr>
+          <p:nvPr/>
+        </p:nvPicPr>
+        <p:blipFill>
+          <a:blip r:embed="rId2">
+            <a:extLst>
+              <a:ext uri="{28A0092B-C50C-407E-A947-70E740481C1C}">
+                <a14:useLocalDpi xmlns:a14="http://schemas.microsoft.com/office/drawing/2010/main" val="0"/>
+              </a:ext>
+            </a:extLst>
+          </a:blip>
+          <a:stretch>
+            <a:fillRect/>
+          </a:stretch>
+        </p:blipFill>
+        <p:spPr>
+          <a:xfrm>
+            <a:off x="1208584" y="1340768"/>
+            <a:ext cx="7064352" cy="4968671"/>
+          </a:xfrm>
+          <a:prstGeom prst="rect">
+            <a:avLst/>
+          </a:prstGeom>
+          <a:ln>
+            <a:solidFill>
+              <a:schemeClr val="bg1">
+                <a:lumMod val="85000"/>
+              </a:schemeClr>
+            </a:solidFill>
+          </a:ln>
+        </p:spPr>
+      </p:pic>
+      <p:sp>
+        <p:nvSpPr>
+          <p:cNvPr id="6" name="TextBox 5"/>
+          <p:cNvSpPr txBox="1"/>
+          <p:nvPr/>
+        </p:nvSpPr>
+        <p:spPr>
+          <a:xfrm>
+            <a:off x="7185248" y="1484784"/>
+            <a:ext cx="1800200" cy="369332"/>
+          </a:xfrm>
+          <a:prstGeom prst="rect">
+            <a:avLst/>
+          </a:prstGeom>
+          <a:noFill/>
+        </p:spPr>
+        <p:txBody>
+          <a:bodyPr wrap="square" rtlCol="0">
+            <a:spAutoFit/>
+          </a:bodyPr>
+          <a:lstStyle/>
+          <a:p>
+            <a:r>
+              <a:rPr lang="en-US" altLang="ko-KR" dirty="0" smtClean="0">
+                <a:solidFill>
+                  <a:srgbClr val="FF0000"/>
+                </a:solidFill>
+              </a:rPr>
+              <a:t>hanmang2</a:t>
+            </a:r>
+            <a:r>
+              <a:rPr lang="en-US" altLang="ko-KR" dirty="0" smtClean="0">
+                <a:solidFill>
+                  <a:srgbClr val="FF0000"/>
+                </a:solidFill>
+              </a:rPr>
+              <a:t>.py</a:t>
+            </a:r>
+            <a:endParaRPr lang="ko-KR" altLang="en-US" dirty="0">
+              <a:solidFill>
+                <a:srgbClr val="FF0000"/>
+              </a:solidFill>
+            </a:endParaRPr>
+          </a:p>
+        </p:txBody>
+      </p:sp>
+    </p:spTree>
+    <p:extLst>
+      <p:ext uri="{BB962C8B-B14F-4D97-AF65-F5344CB8AC3E}">
+        <p14:creationId xmlns:p14="http://schemas.microsoft.com/office/powerpoint/2010/main" val="788163228"/>
+      </p:ext>
+    </p:extLst>
+  </p:cSld>
+  <p:clrMapOvr>
+    <a:masterClrMapping/>
+  </p:clrMapOvr>
+  <p:timing>
+    <p:tnLst>
+      <p:par>
+        <p:cTn id="1" dur="indefinite" restart="never" nodeType="tmRoot"/>
+      </p:par>
+    </p:tnLst>
+  </p:timing>
+</p:sld>
+</file>
+
+<file path=ppt/slides/slide52.xml><?xml version="1.0" encoding="utf-8"?>
+<p:sld xmlns:a="http://schemas.openxmlformats.org/drawingml/2006/main" xmlns:r="http://schemas.openxmlformats.org/officeDocument/2006/relationships" xmlns:p="http://schemas.openxmlformats.org/presentationml/2006/main">
+  <p:cSld>
+    <p:spTree>
+      <p:nvGrpSpPr>
+        <p:cNvPr id="1" name=""/>
+        <p:cNvGrpSpPr/>
+        <p:nvPr/>
+      </p:nvGrpSpPr>
+      <p:grpSpPr>
+        <a:xfrm>
+          <a:off x="0" y="0"/>
+          <a:ext cx="0" cy="0"/>
+          <a:chOff x="0" y="0"/>
+          <a:chExt cx="0" cy="0"/>
+        </a:xfrm>
+      </p:grpSpPr>
+      <p:sp>
+        <p:nvSpPr>
+          <p:cNvPr id="2" name="제목 1"/>
+          <p:cNvSpPr>
+            <a:spLocks noGrp="1"/>
+          </p:cNvSpPr>
+          <p:nvPr>
+            <p:ph type="title"/>
+          </p:nvPr>
+        </p:nvSpPr>
+        <p:spPr>
+          <a:xfrm>
+            <a:off x="457224" y="191593"/>
+            <a:ext cx="6825208" cy="854968"/>
+          </a:xfrm>
+        </p:spPr>
+        <p:txBody>
+          <a:bodyPr>
+            <a:normAutofit/>
+          </a:bodyPr>
+          <a:lstStyle/>
+          <a:p>
+            <a:r>
+              <a:rPr lang="en-US" altLang="ko-KR" dirty="0"/>
+              <a:t> </a:t>
+            </a:r>
+            <a:r>
+              <a:rPr lang="en-US" altLang="ko-KR" dirty="0" smtClean="0"/>
+              <a:t> </a:t>
+            </a:r>
+            <a:r>
+              <a:rPr lang="ko-KR" altLang="en-US" dirty="0" err="1" smtClean="0"/>
+              <a:t>행맨</a:t>
+            </a:r>
+            <a:r>
+              <a:rPr lang="en-US" altLang="ko-KR" dirty="0" smtClean="0"/>
+              <a:t>(hangman)</a:t>
+            </a:r>
+            <a:r>
+              <a:rPr lang="ko-KR" altLang="en-US" dirty="0" smtClean="0"/>
+              <a:t> 게임</a:t>
+            </a:r>
+            <a:endParaRPr lang="ko-KR" altLang="en-US" dirty="0"/>
+          </a:p>
+        </p:txBody>
+      </p:sp>
+      <p:sp>
+        <p:nvSpPr>
+          <p:cNvPr id="4" name="슬라이드 번호 개체 틀 3"/>
+          <p:cNvSpPr>
+            <a:spLocks noGrp="1"/>
+          </p:cNvSpPr>
+          <p:nvPr>
+            <p:ph type="sldNum" sz="quarter" idx="12"/>
+          </p:nvPr>
+        </p:nvSpPr>
+        <p:spPr/>
+        <p:txBody>
+          <a:bodyPr/>
+          <a:lstStyle/>
+          <a:p>
+            <a:fld id="{1BDE3FE7-3AEA-4B05-AC5A-802D1816ACF0}" type="slidenum">
+              <a:rPr lang="ko-KR" altLang="en-US" smtClean="0"/>
+              <a:t>52</a:t>
+            </a:fld>
+            <a:endParaRPr lang="ko-KR" altLang="en-US"/>
+          </a:p>
+        </p:txBody>
+      </p:sp>
+      <p:pic>
+        <p:nvPicPr>
+          <p:cNvPr id="3" name="그림 2"/>
+          <p:cNvPicPr>
+            <a:picLocks noChangeAspect="1"/>
+          </p:cNvPicPr>
+          <p:nvPr/>
+        </p:nvPicPr>
+        <p:blipFill>
+          <a:blip r:embed="rId2">
+            <a:extLst>
+              <a:ext uri="{28A0092B-C50C-407E-A947-70E740481C1C}">
+                <a14:useLocalDpi xmlns:a14="http://schemas.microsoft.com/office/drawing/2010/main" val="0"/>
+              </a:ext>
+            </a:extLst>
+          </a:blip>
+          <a:stretch>
+            <a:fillRect/>
+          </a:stretch>
+        </p:blipFill>
+        <p:spPr>
+          <a:xfrm>
+            <a:off x="1136576" y="1484784"/>
+            <a:ext cx="6734665" cy="3487742"/>
+          </a:xfrm>
+          <a:prstGeom prst="rect">
+            <a:avLst/>
+          </a:prstGeom>
+          <a:ln>
+            <a:solidFill>
+              <a:schemeClr val="bg1">
+                <a:lumMod val="85000"/>
+              </a:schemeClr>
+            </a:solidFill>
+          </a:ln>
+        </p:spPr>
+      </p:pic>
+    </p:spTree>
+    <p:extLst>
+      <p:ext uri="{BB962C8B-B14F-4D97-AF65-F5344CB8AC3E}">
+        <p14:creationId xmlns:p14="http://schemas.microsoft.com/office/powerpoint/2010/main" val="1222981945"/>
+      </p:ext>
+    </p:extLst>
+  </p:cSld>
+  <p:clrMapOvr>
+    <a:masterClrMapping/>
+  </p:clrMapOvr>
+  <p:timing>
+    <p:tnLst>
+      <p:par>
+        <p:cTn id="1" dur="indefinite" restart="never" nodeType="tmRoot"/>
+      </p:par>
+    </p:tnLst>
+  </p:timing>
+</p:sld>
+</file>
+
+<file path=ppt/slides/slide53.xml><?xml version="1.0" encoding="utf-8"?>
+<p:sld xmlns:a="http://schemas.openxmlformats.org/drawingml/2006/main" xmlns:r="http://schemas.openxmlformats.org/officeDocument/2006/relationships" xmlns:p="http://schemas.openxmlformats.org/presentationml/2006/main">
+  <p:cSld>
+    <p:spTree>
+      <p:nvGrpSpPr>
+        <p:cNvPr id="1" name=""/>
+        <p:cNvGrpSpPr/>
+        <p:nvPr/>
+      </p:nvGrpSpPr>
+      <p:grpSpPr>
+        <a:xfrm>
+          <a:off x="0" y="0"/>
+          <a:ext cx="0" cy="0"/>
+          <a:chOff x="0" y="0"/>
+          <a:chExt cx="0" cy="0"/>
+        </a:xfrm>
+      </p:grpSpPr>
+      <p:sp>
+        <p:nvSpPr>
+          <p:cNvPr id="2" name="제목 1"/>
+          <p:cNvSpPr>
+            <a:spLocks noGrp="1"/>
+          </p:cNvSpPr>
+          <p:nvPr>
+            <p:ph type="title"/>
+          </p:nvPr>
+        </p:nvSpPr>
+        <p:spPr>
+          <a:xfrm>
+            <a:off x="457224" y="191593"/>
+            <a:ext cx="6825208" cy="854968"/>
+          </a:xfrm>
+        </p:spPr>
+        <p:txBody>
+          <a:bodyPr>
+            <a:normAutofit/>
+          </a:bodyPr>
+          <a:lstStyle/>
+          <a:p>
+            <a:r>
+              <a:rPr lang="en-US" altLang="ko-KR" dirty="0"/>
+              <a:t> </a:t>
+            </a:r>
+            <a:r>
+              <a:rPr lang="en-US" altLang="ko-KR" dirty="0" smtClean="0"/>
+              <a:t> </a:t>
+            </a:r>
+            <a:r>
+              <a:rPr lang="ko-KR" altLang="en-US" dirty="0" err="1" smtClean="0"/>
+              <a:t>행맨</a:t>
+            </a:r>
+            <a:r>
+              <a:rPr lang="en-US" altLang="ko-KR" dirty="0" smtClean="0"/>
+              <a:t>(hangman)</a:t>
+            </a:r>
+            <a:r>
+              <a:rPr lang="ko-KR" altLang="en-US" dirty="0" smtClean="0"/>
+              <a:t> 게임</a:t>
+            </a:r>
+            <a:endParaRPr lang="ko-KR" altLang="en-US" dirty="0"/>
+          </a:p>
+        </p:txBody>
+      </p:sp>
+      <p:sp>
+        <p:nvSpPr>
+          <p:cNvPr id="4" name="슬라이드 번호 개체 틀 3"/>
+          <p:cNvSpPr>
+            <a:spLocks noGrp="1"/>
+          </p:cNvSpPr>
+          <p:nvPr>
+            <p:ph type="sldNum" sz="quarter" idx="12"/>
+          </p:nvPr>
+        </p:nvSpPr>
+        <p:spPr/>
+        <p:txBody>
+          <a:bodyPr/>
+          <a:lstStyle/>
+          <a:p>
+            <a:fld id="{1BDE3FE7-3AEA-4B05-AC5A-802D1816ACF0}" type="slidenum">
+              <a:rPr lang="ko-KR" altLang="en-US" smtClean="0"/>
+              <a:t>53</a:t>
+            </a:fld>
+            <a:endParaRPr lang="ko-KR" altLang="en-US"/>
+          </a:p>
+        </p:txBody>
+      </p:sp>
+      <p:pic>
+        <p:nvPicPr>
+          <p:cNvPr id="5" name="그림 4"/>
+          <p:cNvPicPr>
+            <a:picLocks noChangeAspect="1"/>
+          </p:cNvPicPr>
+          <p:nvPr/>
+        </p:nvPicPr>
+        <p:blipFill>
+          <a:blip r:embed="rId2">
+            <a:extLst>
+              <a:ext uri="{28A0092B-C50C-407E-A947-70E740481C1C}">
+                <a14:useLocalDpi xmlns:a14="http://schemas.microsoft.com/office/drawing/2010/main" val="0"/>
+              </a:ext>
+            </a:extLst>
+          </a:blip>
+          <a:stretch>
+            <a:fillRect/>
+          </a:stretch>
+        </p:blipFill>
+        <p:spPr>
+          <a:xfrm>
+            <a:off x="1496616" y="1196752"/>
+            <a:ext cx="5827511" cy="5472608"/>
+          </a:xfrm>
+          <a:prstGeom prst="rect">
+            <a:avLst/>
+          </a:prstGeom>
+          <a:ln>
+            <a:solidFill>
+              <a:schemeClr val="bg1">
+                <a:lumMod val="85000"/>
+              </a:schemeClr>
+            </a:solidFill>
+          </a:ln>
+        </p:spPr>
+      </p:pic>
+    </p:spTree>
+    <p:extLst>
+      <p:ext uri="{BB962C8B-B14F-4D97-AF65-F5344CB8AC3E}">
+        <p14:creationId xmlns:p14="http://schemas.microsoft.com/office/powerpoint/2010/main" val="2297504401"/>
       </p:ext>
     </p:extLst>
   </p:cSld>
